--- a/Manuscript/figures/Figure_System.pptx
+++ b/Manuscript/figures/Figure_System.pptx
@@ -241,7 +241,7 @@
           <a:p>
             <a:fld id="{D997B5FA-0921-464F-AAE1-844C04324D75}" type="datetimeFigureOut">
               <a:rPr lang="zh-CN" altLang="en-US" smtClean="0"/>
-              <a:t>2021-12-22</a:t>
+              <a:t>2021-12-24</a:t>
             </a:fld>
             <a:endParaRPr lang="zh-CN" altLang="en-US"/>
           </a:p>
@@ -404,7 +404,7 @@
           <a:p>
             <a:fld id="{D997B5FA-0921-464F-AAE1-844C04324D75}" type="datetimeFigureOut">
               <a:rPr lang="zh-CN" altLang="en-US" smtClean="0"/>
-              <a:t>2021-12-22</a:t>
+              <a:t>2021-12-24</a:t>
             </a:fld>
             <a:endParaRPr lang="zh-CN" altLang="en-US"/>
           </a:p>
@@ -577,7 +577,7 @@
           <a:p>
             <a:fld id="{D997B5FA-0921-464F-AAE1-844C04324D75}" type="datetimeFigureOut">
               <a:rPr lang="zh-CN" altLang="en-US" smtClean="0"/>
-              <a:t>2021-12-22</a:t>
+              <a:t>2021-12-24</a:t>
             </a:fld>
             <a:endParaRPr lang="zh-CN" altLang="en-US"/>
           </a:p>
@@ -740,7 +740,7 @@
           <a:p>
             <a:fld id="{D997B5FA-0921-464F-AAE1-844C04324D75}" type="datetimeFigureOut">
               <a:rPr lang="zh-CN" altLang="en-US" smtClean="0"/>
-              <a:t>2021-12-22</a:t>
+              <a:t>2021-12-24</a:t>
             </a:fld>
             <a:endParaRPr lang="zh-CN" altLang="en-US"/>
           </a:p>
@@ -980,7 +980,7 @@
           <a:p>
             <a:fld id="{D997B5FA-0921-464F-AAE1-844C04324D75}" type="datetimeFigureOut">
               <a:rPr lang="zh-CN" altLang="en-US" smtClean="0"/>
-              <a:t>2021-12-22</a:t>
+              <a:t>2021-12-24</a:t>
             </a:fld>
             <a:endParaRPr lang="zh-CN" altLang="en-US"/>
           </a:p>
@@ -1204,7 +1204,7 @@
           <a:p>
             <a:fld id="{D997B5FA-0921-464F-AAE1-844C04324D75}" type="datetimeFigureOut">
               <a:rPr lang="zh-CN" altLang="en-US" smtClean="0"/>
-              <a:t>2021-12-22</a:t>
+              <a:t>2021-12-24</a:t>
             </a:fld>
             <a:endParaRPr lang="zh-CN" altLang="en-US"/>
           </a:p>
@@ -1563,7 +1563,7 @@
           <a:p>
             <a:fld id="{D997B5FA-0921-464F-AAE1-844C04324D75}" type="datetimeFigureOut">
               <a:rPr lang="zh-CN" altLang="en-US" smtClean="0"/>
-              <a:t>2021-12-22</a:t>
+              <a:t>2021-12-24</a:t>
             </a:fld>
             <a:endParaRPr lang="zh-CN" altLang="en-US"/>
           </a:p>
@@ -1675,7 +1675,7 @@
           <a:p>
             <a:fld id="{D997B5FA-0921-464F-AAE1-844C04324D75}" type="datetimeFigureOut">
               <a:rPr lang="zh-CN" altLang="en-US" smtClean="0"/>
-              <a:t>2021-12-22</a:t>
+              <a:t>2021-12-24</a:t>
             </a:fld>
             <a:endParaRPr lang="zh-CN" altLang="en-US"/>
           </a:p>
@@ -1765,7 +1765,7 @@
           <a:p>
             <a:fld id="{D997B5FA-0921-464F-AAE1-844C04324D75}" type="datetimeFigureOut">
               <a:rPr lang="zh-CN" altLang="en-US" smtClean="0"/>
-              <a:t>2021-12-22</a:t>
+              <a:t>2021-12-24</a:t>
             </a:fld>
             <a:endParaRPr lang="zh-CN" altLang="en-US"/>
           </a:p>
@@ -2035,7 +2035,7 @@
           <a:p>
             <a:fld id="{D997B5FA-0921-464F-AAE1-844C04324D75}" type="datetimeFigureOut">
               <a:rPr lang="zh-CN" altLang="en-US" smtClean="0"/>
-              <a:t>2021-12-22</a:t>
+              <a:t>2021-12-24</a:t>
             </a:fld>
             <a:endParaRPr lang="zh-CN" altLang="en-US"/>
           </a:p>
@@ -2282,7 +2282,7 @@
           <a:p>
             <a:fld id="{D997B5FA-0921-464F-AAE1-844C04324D75}" type="datetimeFigureOut">
               <a:rPr lang="zh-CN" altLang="en-US" smtClean="0"/>
-              <a:t>2021-12-22</a:t>
+              <a:t>2021-12-24</a:t>
             </a:fld>
             <a:endParaRPr lang="zh-CN" altLang="en-US"/>
           </a:p>
@@ -2488,7 +2488,7 @@
           <a:p>
             <a:fld id="{D997B5FA-0921-464F-AAE1-844C04324D75}" type="datetimeFigureOut">
               <a:rPr lang="zh-CN" altLang="en-US" smtClean="0"/>
-              <a:t>2021-12-22</a:t>
+              <a:t>2021-12-24</a:t>
             </a:fld>
             <a:endParaRPr lang="zh-CN" altLang="en-US"/>
           </a:p>
@@ -2888,12 +2888,94 @@
           <a:chExt cx="0" cy="0"/>
         </a:xfrm>
       </p:grpSpPr>
+      <p:cxnSp>
+        <p:nvCxnSpPr>
+          <p:cNvPr id="8" name="直接箭头连接符 157">
+            <a:extLst>
+              <a:ext uri="{FF2B5EF4-FFF2-40B4-BE49-F238E27FC236}">
+                <a16:creationId xmlns:a16="http://schemas.microsoft.com/office/drawing/2014/main" id="{9C92BEB3-35DE-4FB5-ABBE-FB0D1181B59A}"/>
+              </a:ext>
+            </a:extLst>
+          </p:cNvPr>
+          <p:cNvCxnSpPr>
+            <a:cxnSpLocks/>
+          </p:cNvCxnSpPr>
+          <p:nvPr/>
+        </p:nvCxnSpPr>
+        <p:spPr>
+          <a:xfrm flipV="1">
+            <a:off x="5674681" y="3043286"/>
+            <a:ext cx="0" cy="144000"/>
+          </a:xfrm>
+          <a:prstGeom prst="straightConnector1">
+            <a:avLst/>
+          </a:prstGeom>
+          <a:ln>
+            <a:tailEnd type="triangle"/>
+          </a:ln>
+        </p:spPr>
+        <p:style>
+          <a:lnRef idx="3">
+            <a:schemeClr val="dk1"/>
+          </a:lnRef>
+          <a:fillRef idx="0">
+            <a:schemeClr val="dk1"/>
+          </a:fillRef>
+          <a:effectRef idx="2">
+            <a:schemeClr val="dk1"/>
+          </a:effectRef>
+          <a:fontRef idx="minor">
+            <a:schemeClr val="tx1"/>
+          </a:fontRef>
+        </p:style>
+      </p:cxnSp>
+      <p:cxnSp>
+        <p:nvCxnSpPr>
+          <p:cNvPr id="13" name="直接箭头连接符 157">
+            <a:extLst>
+              <a:ext uri="{FF2B5EF4-FFF2-40B4-BE49-F238E27FC236}">
+                <a16:creationId xmlns:a16="http://schemas.microsoft.com/office/drawing/2014/main" id="{A336C3A6-2AAD-4FDC-AA58-86321B4E3562}"/>
+              </a:ext>
+            </a:extLst>
+          </p:cNvPr>
+          <p:cNvCxnSpPr>
+            <a:cxnSpLocks/>
+          </p:cNvCxnSpPr>
+          <p:nvPr/>
+        </p:nvCxnSpPr>
+        <p:spPr>
+          <a:xfrm>
+            <a:off x="4384035" y="3043286"/>
+            <a:ext cx="0" cy="144000"/>
+          </a:xfrm>
+          <a:prstGeom prst="straightConnector1">
+            <a:avLst/>
+          </a:prstGeom>
+          <a:ln>
+            <a:tailEnd type="triangle"/>
+          </a:ln>
+        </p:spPr>
+        <p:style>
+          <a:lnRef idx="3">
+            <a:schemeClr val="dk1"/>
+          </a:lnRef>
+          <a:fillRef idx="0">
+            <a:schemeClr val="dk1"/>
+          </a:fillRef>
+          <a:effectRef idx="2">
+            <a:schemeClr val="dk1"/>
+          </a:effectRef>
+          <a:fontRef idx="minor">
+            <a:schemeClr val="tx1"/>
+          </a:fontRef>
+        </p:style>
+      </p:cxnSp>
       <p:grpSp>
         <p:nvGrpSpPr>
-          <p:cNvPr id="12" name="组合 11">
+          <p:cNvPr id="11" name="组合 10">
             <a:extLst>
               <a:ext uri="{FF2B5EF4-FFF2-40B4-BE49-F238E27FC236}">
-                <a16:creationId xmlns:a16="http://schemas.microsoft.com/office/drawing/2014/main" id="{941A6BD4-4697-4971-9134-BE92FEF2600E}"/>
+                <a16:creationId xmlns:a16="http://schemas.microsoft.com/office/drawing/2014/main" id="{0410A513-959B-469A-9395-64D2E35B4686}"/>
               </a:ext>
             </a:extLst>
           </p:cNvPr>
@@ -2902,10 +2984,10 @@
         </p:nvGrpSpPr>
         <p:grpSpPr>
           <a:xfrm>
-            <a:off x="2968646" y="1591491"/>
-            <a:ext cx="3301669" cy="2506797"/>
-            <a:chOff x="2968646" y="1591491"/>
-            <a:chExt cx="3301669" cy="2506797"/>
+            <a:off x="2968646" y="1794773"/>
+            <a:ext cx="3301669" cy="1248513"/>
+            <a:chOff x="2968646" y="1794773"/>
+            <a:chExt cx="3301669" cy="1248513"/>
           </a:xfrm>
         </p:grpSpPr>
         <p:grpSp>
@@ -2923,9 +3005,9 @@
           <p:grpSpPr>
             <a:xfrm>
               <a:off x="3833913" y="2269930"/>
-              <a:ext cx="1102955" cy="768782"/>
+              <a:ext cx="1102955" cy="745698"/>
               <a:chOff x="7581350" y="3715581"/>
-              <a:chExt cx="1102955" cy="768782"/>
+              <a:chExt cx="1102955" cy="745698"/>
             </a:xfrm>
           </p:grpSpPr>
           <p:pic>
@@ -2961,7 +3043,7 @@
             <p:spPr>
               <a:xfrm>
                 <a:off x="7581350" y="4230447"/>
-                <a:ext cx="1102955" cy="253916"/>
+                <a:ext cx="1102955" cy="230832"/>
               </a:xfrm>
               <a:prstGeom prst="rect">
                 <a:avLst/>
@@ -2976,7 +3058,7 @@
               <a:p>
                 <a:pPr algn="ctr"/>
                 <a:r>
-                  <a:rPr lang="en-US" altLang="zh-CN" sz="1050" b="1" dirty="0"/>
+                  <a:rPr lang="en-US" altLang="zh-CN" sz="900" b="1" dirty="0"/>
                   <a:t>Global Model</a:t>
                 </a:r>
               </a:p>
@@ -2998,9 +3080,9 @@
           <p:grpSpPr>
             <a:xfrm>
               <a:off x="2968646" y="1966132"/>
-              <a:ext cx="945947" cy="848851"/>
+              <a:ext cx="945947" cy="825767"/>
               <a:chOff x="6754915" y="2142173"/>
-              <a:chExt cx="945947" cy="848851"/>
+              <a:chExt cx="945947" cy="825767"/>
             </a:xfrm>
           </p:grpSpPr>
           <p:pic>
@@ -3048,7 +3130,7 @@
             <p:spPr>
               <a:xfrm>
                 <a:off x="6754915" y="2737108"/>
-                <a:ext cx="945947" cy="253916"/>
+                <a:ext cx="945947" cy="230832"/>
               </a:xfrm>
               <a:prstGeom prst="rect">
                 <a:avLst/>
@@ -3063,7 +3145,7 @@
               <a:p>
                 <a:pPr algn="ctr"/>
                 <a:r>
-                  <a:rPr lang="en-US" altLang="zh-CN" sz="1050" b="1" i="1" dirty="0"/>
+                  <a:rPr lang="en-US" altLang="zh-CN" sz="900" b="1" i="1" dirty="0"/>
                   <a:t>FL Server</a:t>
                 </a:r>
               </a:p>
@@ -3085,9 +3167,9 @@
           <p:grpSpPr>
             <a:xfrm>
               <a:off x="5029329" y="2236064"/>
-              <a:ext cx="1240986" cy="797980"/>
+              <a:ext cx="1240986" cy="774896"/>
               <a:chOff x="6264427" y="2510771"/>
-              <a:chExt cx="1240986" cy="797980"/>
+              <a:chExt cx="1240986" cy="774896"/>
             </a:xfrm>
           </p:grpSpPr>
           <p:pic>
@@ -3135,7 +3217,7 @@
             <p:spPr>
               <a:xfrm>
                 <a:off x="6264427" y="3054835"/>
-                <a:ext cx="1240986" cy="253916"/>
+                <a:ext cx="1240986" cy="230832"/>
               </a:xfrm>
               <a:prstGeom prst="rect">
                 <a:avLst/>
@@ -3150,7 +3232,7 @@
               <a:p>
                 <a:pPr algn="ctr"/>
                 <a:r>
-                  <a:rPr lang="en-US" altLang="zh-CN" sz="1050" b="1" dirty="0"/>
+                  <a:rPr lang="en-US" altLang="zh-CN" sz="900" b="1" dirty="0"/>
                   <a:t>Gradient Update</a:t>
                 </a:r>
               </a:p>
@@ -3171,7 +3253,7 @@
           </p:nvGrpSpPr>
           <p:grpSpPr>
             <a:xfrm>
-              <a:off x="4109748" y="1594466"/>
+              <a:off x="4109748" y="1794773"/>
               <a:ext cx="1841514" cy="550802"/>
               <a:chOff x="3346766" y="3392131"/>
               <a:chExt cx="1841514" cy="550802"/>
@@ -3246,7 +3328,7 @@
                 <a:lstStyle/>
                 <a:p>
                   <a:pPr algn="ctr"/>
-                  <a:endParaRPr lang="zh-CN" altLang="en-US" sz="1050"/>
+                  <a:endParaRPr lang="zh-CN" altLang="en-US" sz="900"/>
                 </a:p>
               </p:txBody>
             </p:sp>
@@ -3325,7 +3407,7 @@
               <p:spPr>
                 <a:xfrm>
                   <a:off x="4013401" y="997355"/>
-                  <a:ext cx="420478" cy="253916"/>
+                  <a:ext cx="420478" cy="230832"/>
                 </a:xfrm>
                 <a:prstGeom prst="rect">
                   <a:avLst/>
@@ -3340,10 +3422,10 @@
                 <a:p>
                   <a:pPr algn="ctr"/>
                   <a:r>
-                    <a:rPr lang="en-US" altLang="zh-CN" sz="1050" b="1" dirty="0"/>
+                    <a:rPr lang="en-US" altLang="zh-CN" sz="900" b="1" dirty="0"/>
                     <a:t>+…+</a:t>
                   </a:r>
-                  <a:endParaRPr lang="zh-CN" altLang="en-US" sz="1050" b="1" dirty="0"/>
+                  <a:endParaRPr lang="zh-CN" altLang="en-US" sz="900" b="1" dirty="0"/>
                 </a:p>
               </p:txBody>
             </p:sp>
@@ -3363,7 +3445,7 @@
             <p:spPr>
               <a:xfrm>
                 <a:off x="3504462" y="3675435"/>
-                <a:ext cx="1641374" cy="253916"/>
+                <a:ext cx="1641374" cy="230832"/>
               </a:xfrm>
               <a:prstGeom prst="rect">
                 <a:avLst/>
@@ -3378,7 +3460,7 @@
               <a:p>
                 <a:pPr algn="ctr"/>
                 <a:r>
-                  <a:rPr lang="en-US" altLang="zh-CN" sz="1050" b="1" dirty="0"/>
+                  <a:rPr lang="en-US" altLang="zh-CN" sz="900" b="1" dirty="0"/>
                   <a:t>Aggregation Process</a:t>
                 </a:r>
               </a:p>
@@ -3429,7 +3511,7 @@
             <p:spPr>
               <a:xfrm>
                 <a:off x="4406048" y="3534521"/>
-                <a:ext cx="266509" cy="253916"/>
+                <a:ext cx="266509" cy="230832"/>
               </a:xfrm>
               <a:prstGeom prst="rect">
                 <a:avLst/>
@@ -3444,51 +3526,56 @@
               <a:p>
                 <a:pPr algn="ctr"/>
                 <a:r>
-                  <a:rPr lang="en-US" altLang="zh-CN" sz="1050" b="1" dirty="0"/>
+                  <a:rPr lang="en-US" altLang="zh-CN" sz="900" b="1" dirty="0"/>
                   <a:t>+</a:t>
                 </a:r>
-                <a:endParaRPr lang="zh-CN" altLang="en-US" sz="1050" b="1" dirty="0"/>
+                <a:endParaRPr lang="zh-CN" altLang="en-US" sz="900" b="1" dirty="0"/>
               </a:p>
             </p:txBody>
           </p:sp>
         </p:grpSp>
         <p:cxnSp>
           <p:nvCxnSpPr>
-            <p:cNvPr id="8" name="直接箭头连接符 157">
+            <p:cNvPr id="25" name="Connector: Curved 24">
               <a:extLst>
                 <a:ext uri="{FF2B5EF4-FFF2-40B4-BE49-F238E27FC236}">
-                  <a16:creationId xmlns:a16="http://schemas.microsoft.com/office/drawing/2014/main" id="{9C92BEB3-35DE-4FB5-ABBE-FB0D1181B59A}"/>
+                  <a16:creationId xmlns:a16="http://schemas.microsoft.com/office/drawing/2014/main" id="{3FEFF79F-9F25-46D4-8BF3-592F0BC193A8}"/>
                 </a:ext>
               </a:extLst>
             </p:cNvPr>
             <p:cNvCxnSpPr>
               <a:cxnSpLocks/>
-              <a:stCxn id="103" idx="0"/>
-              <a:endCxn id="135" idx="2"/>
+              <a:stCxn id="132" idx="3"/>
+              <a:endCxn id="141" idx="0"/>
             </p:cNvCxnSpPr>
             <p:nvPr/>
           </p:nvCxnSpPr>
           <p:spPr>
-            <a:xfrm flipV="1">
-              <a:off x="5648634" y="3034044"/>
-              <a:ext cx="1188" cy="282008"/>
+            <a:xfrm flipH="1" flipV="1">
+              <a:off x="5949727" y="2070174"/>
+              <a:ext cx="60095" cy="489890"/>
             </a:xfrm>
-            <a:prstGeom prst="straightConnector1">
-              <a:avLst/>
+            <a:prstGeom prst="curvedConnector3">
+              <a:avLst>
+                <a:gd name="adj1" fmla="val -380398"/>
+              </a:avLst>
             </a:prstGeom>
-            <a:ln>
+            <a:ln w="19050">
+              <a:solidFill>
+                <a:schemeClr val="tx1"/>
+              </a:solidFill>
               <a:tailEnd type="triangle"/>
             </a:ln>
           </p:spPr>
           <p:style>
-            <a:lnRef idx="3">
-              <a:schemeClr val="dk1"/>
+            <a:lnRef idx="1">
+              <a:schemeClr val="accent1"/>
             </a:lnRef>
             <a:fillRef idx="0">
-              <a:schemeClr val="dk1"/>
+              <a:schemeClr val="accent1"/>
             </a:fillRef>
-            <a:effectRef idx="2">
-              <a:schemeClr val="dk1"/>
+            <a:effectRef idx="0">
+              <a:schemeClr val="accent1"/>
             </a:effectRef>
             <a:fontRef idx="minor">
               <a:schemeClr val="tx1"/>
@@ -3497,46 +3584,121 @@
         </p:cxnSp>
         <p:cxnSp>
           <p:nvCxnSpPr>
-            <p:cNvPr id="13" name="直接箭头连接符 157">
+            <p:cNvPr id="29" name="Connector: Curved 28">
               <a:extLst>
                 <a:ext uri="{FF2B5EF4-FFF2-40B4-BE49-F238E27FC236}">
-                  <a16:creationId xmlns:a16="http://schemas.microsoft.com/office/drawing/2014/main" id="{A336C3A6-2AAD-4FDC-AA58-86321B4E3562}"/>
+                  <a16:creationId xmlns:a16="http://schemas.microsoft.com/office/drawing/2014/main" id="{3BCF2BA8-63FF-4072-95FD-8BE15C8F1582}"/>
                 </a:ext>
               </a:extLst>
             </p:cNvPr>
             <p:cNvCxnSpPr>
               <a:cxnSpLocks/>
-              <a:stCxn id="134" idx="2"/>
+              <a:stCxn id="141" idx="2"/>
+              <a:endCxn id="74" idx="1"/>
             </p:cNvCxnSpPr>
             <p:nvPr/>
           </p:nvCxnSpPr>
           <p:spPr>
-            <a:xfrm flipH="1">
-              <a:off x="4385223" y="3038712"/>
-              <a:ext cx="168" cy="277340"/>
+            <a:xfrm rot="10800000" flipV="1">
+              <a:off x="4097844" y="2070174"/>
+              <a:ext cx="17616" cy="505756"/>
             </a:xfrm>
-            <a:prstGeom prst="straightConnector1">
-              <a:avLst/>
+            <a:prstGeom prst="curvedConnector3">
+              <a:avLst>
+                <a:gd name="adj1" fmla="val 1397684"/>
+              </a:avLst>
             </a:prstGeom>
-            <a:ln>
+            <a:ln w="19050">
+              <a:solidFill>
+                <a:schemeClr val="tx1"/>
+              </a:solidFill>
               <a:tailEnd type="triangle"/>
             </a:ln>
           </p:spPr>
           <p:style>
-            <a:lnRef idx="3">
-              <a:schemeClr val="dk1"/>
+            <a:lnRef idx="1">
+              <a:schemeClr val="accent1"/>
             </a:lnRef>
             <a:fillRef idx="0">
-              <a:schemeClr val="dk1"/>
+              <a:schemeClr val="accent1"/>
             </a:fillRef>
-            <a:effectRef idx="2">
-              <a:schemeClr val="dk1"/>
+            <a:effectRef idx="0">
+              <a:schemeClr val="accent1"/>
             </a:effectRef>
             <a:fontRef idx="minor">
               <a:schemeClr val="tx1"/>
             </a:fontRef>
           </p:style>
         </p:cxnSp>
+        <p:sp>
+          <p:nvSpPr>
+            <p:cNvPr id="35" name="Rectangle 34">
+              <a:extLst>
+                <a:ext uri="{FF2B5EF4-FFF2-40B4-BE49-F238E27FC236}">
+                  <a16:creationId xmlns:a16="http://schemas.microsoft.com/office/drawing/2014/main" id="{E19D297B-B578-4636-A547-CFAFB39AC86D}"/>
+                </a:ext>
+              </a:extLst>
+            </p:cNvPr>
+            <p:cNvSpPr/>
+            <p:nvPr/>
+          </p:nvSpPr>
+          <p:spPr>
+            <a:xfrm>
+              <a:off x="3801664" y="1794773"/>
+              <a:ext cx="2465375" cy="1248513"/>
+            </a:xfrm>
+            <a:prstGeom prst="rect">
+              <a:avLst/>
+            </a:prstGeom>
+            <a:noFill/>
+            <a:ln w="19050">
+              <a:prstDash val="dash"/>
+            </a:ln>
+          </p:spPr>
+          <p:style>
+            <a:lnRef idx="2">
+              <a:schemeClr val="accent1"/>
+            </a:lnRef>
+            <a:fillRef idx="1">
+              <a:schemeClr val="lt1"/>
+            </a:fillRef>
+            <a:effectRef idx="0">
+              <a:schemeClr val="accent1"/>
+            </a:effectRef>
+            <a:fontRef idx="minor">
+              <a:schemeClr val="dk1"/>
+            </a:fontRef>
+          </p:style>
+          <p:txBody>
+            <a:bodyPr rtlCol="0" anchor="ctr"/>
+            <a:lstStyle/>
+            <a:p>
+              <a:pPr algn="ctr"/>
+              <a:endParaRPr lang="en-US" sz="900"/>
+            </a:p>
+          </p:txBody>
+        </p:sp>
+      </p:grpSp>
+      <p:grpSp>
+        <p:nvGrpSpPr>
+          <p:cNvPr id="10" name="组合 9">
+            <a:extLst>
+              <a:ext uri="{FF2B5EF4-FFF2-40B4-BE49-F238E27FC236}">
+                <a16:creationId xmlns:a16="http://schemas.microsoft.com/office/drawing/2014/main" id="{B280E09E-9E4A-45B1-B116-A16F06086474}"/>
+              </a:ext>
+            </a:extLst>
+          </p:cNvPr>
+          <p:cNvGrpSpPr/>
+          <p:nvPr/>
+        </p:nvGrpSpPr>
+        <p:grpSpPr>
+          <a:xfrm>
+            <a:off x="2986817" y="3130264"/>
+            <a:ext cx="3280222" cy="811085"/>
+            <a:chOff x="2988005" y="3264119"/>
+            <a:chExt cx="3280222" cy="811085"/>
+          </a:xfrm>
+        </p:grpSpPr>
         <p:grpSp>
           <p:nvGrpSpPr>
             <p:cNvPr id="34" name="Group 33">
@@ -3552,9 +3714,9 @@
           <p:grpSpPr>
             <a:xfrm>
               <a:off x="2988005" y="3264119"/>
-              <a:ext cx="3280222" cy="834169"/>
+              <a:ext cx="3280222" cy="811085"/>
               <a:chOff x="2221651" y="5129621"/>
-              <a:chExt cx="3280222" cy="834169"/>
+              <a:chExt cx="3280222" cy="811085"/>
             </a:xfrm>
           </p:grpSpPr>
           <p:grpSp>
@@ -3572,9 +3734,9 @@
             <p:grpSpPr>
               <a:xfrm>
                 <a:off x="2933676" y="5129621"/>
-                <a:ext cx="1395057" cy="830365"/>
+                <a:ext cx="1395057" cy="807281"/>
                 <a:chOff x="3428337" y="4084320"/>
-                <a:chExt cx="1395057" cy="830365"/>
+                <a:chExt cx="1395057" cy="807281"/>
               </a:xfrm>
             </p:grpSpPr>
             <p:pic>
@@ -3610,7 +3772,7 @@
               <p:spPr>
                 <a:xfrm>
                   <a:off x="3428337" y="4660769"/>
-                  <a:ext cx="1395057" cy="253916"/>
+                  <a:ext cx="1395057" cy="230832"/>
                 </a:xfrm>
                 <a:prstGeom prst="rect">
                   <a:avLst/>
@@ -3625,7 +3787,7 @@
                 <a:p>
                   <a:pPr algn="ctr"/>
                   <a:r>
-                    <a:rPr lang="en-US" altLang="zh-CN" sz="1050" b="1" dirty="0"/>
+                    <a:rPr lang="en-US" altLang="zh-CN" sz="900" b="1" dirty="0"/>
                     <a:t>Poisoned Dataset</a:t>
                   </a:r>
                 </a:p>
@@ -3671,9 +3833,9 @@
             <p:grpSpPr>
               <a:xfrm>
                 <a:off x="2221651" y="5181554"/>
-                <a:ext cx="906113" cy="782236"/>
+                <a:ext cx="906113" cy="759152"/>
                 <a:chOff x="2055828" y="4084320"/>
-                <a:chExt cx="906113" cy="782236"/>
+                <a:chExt cx="906113" cy="759152"/>
               </a:xfrm>
             </p:grpSpPr>
             <p:pic>
@@ -3715,7 +3877,7 @@
               <p:spPr>
                 <a:xfrm>
                   <a:off x="2055828" y="4612640"/>
-                  <a:ext cx="906113" cy="253916"/>
+                  <a:ext cx="906113" cy="230832"/>
                 </a:xfrm>
                 <a:prstGeom prst="rect">
                   <a:avLst/>
@@ -3730,7 +3892,7 @@
                 <a:p>
                   <a:pPr algn="ctr"/>
                   <a:r>
-                    <a:rPr lang="en-US" altLang="zh-CN" sz="1050" b="1" i="1" dirty="0"/>
+                    <a:rPr lang="en-US" altLang="zh-CN" sz="900" b="1" i="1" dirty="0"/>
                     <a:t>FL Client</a:t>
                   </a:r>
                 </a:p>
@@ -3752,9 +3914,9 @@
             <p:grpSpPr>
               <a:xfrm>
                 <a:off x="4227965" y="5181554"/>
-                <a:ext cx="1273908" cy="778637"/>
+                <a:ext cx="1273908" cy="755553"/>
                 <a:chOff x="2140217" y="3844591"/>
-                <a:chExt cx="1273908" cy="778637"/>
+                <a:chExt cx="1273908" cy="755553"/>
               </a:xfrm>
             </p:grpSpPr>
             <p:grpSp>
@@ -3772,9 +3934,9 @@
               <p:grpSpPr>
                 <a:xfrm>
                   <a:off x="2140217" y="3844591"/>
-                  <a:ext cx="1273908" cy="778637"/>
+                  <a:ext cx="1273908" cy="755553"/>
                   <a:chOff x="7302666" y="3737852"/>
-                  <a:chExt cx="1273908" cy="778637"/>
+                  <a:chExt cx="1273908" cy="755553"/>
                 </a:xfrm>
               </p:grpSpPr>
               <p:pic>
@@ -3822,7 +3984,7 @@
                 <p:spPr>
                   <a:xfrm>
                     <a:off x="7302666" y="4262573"/>
-                    <a:ext cx="1273908" cy="253916"/>
+                    <a:ext cx="1273908" cy="230832"/>
                   </a:xfrm>
                   <a:prstGeom prst="rect">
                     <a:avLst/>
@@ -3837,7 +3999,7 @@
                   <a:p>
                     <a:pPr algn="ctr"/>
                     <a:r>
-                      <a:rPr lang="en-US" altLang="zh-CN" sz="1050" b="1" dirty="0"/>
+                      <a:rPr lang="en-US" altLang="zh-CN" sz="900" b="1" dirty="0"/>
                       <a:t>Poisoned Model</a:t>
                     </a:r>
                   </a:p>
@@ -3919,150 +4081,6 @@
             </p:style>
           </p:cxnSp>
         </p:grpSp>
-        <p:cxnSp>
-          <p:nvCxnSpPr>
-            <p:cNvPr id="25" name="Connector: Curved 24">
-              <a:extLst>
-                <a:ext uri="{FF2B5EF4-FFF2-40B4-BE49-F238E27FC236}">
-                  <a16:creationId xmlns:a16="http://schemas.microsoft.com/office/drawing/2014/main" id="{3FEFF79F-9F25-46D4-8BF3-592F0BC193A8}"/>
-                </a:ext>
-              </a:extLst>
-            </p:cNvPr>
-            <p:cNvCxnSpPr>
-              <a:cxnSpLocks/>
-              <a:stCxn id="132" idx="3"/>
-              <a:endCxn id="141" idx="0"/>
-            </p:cNvCxnSpPr>
-            <p:nvPr/>
-          </p:nvCxnSpPr>
-          <p:spPr>
-            <a:xfrm flipH="1" flipV="1">
-              <a:off x="5949727" y="1869867"/>
-              <a:ext cx="60095" cy="690197"/>
-            </a:xfrm>
-            <a:prstGeom prst="curvedConnector3">
-              <a:avLst>
-                <a:gd name="adj1" fmla="val -380398"/>
-              </a:avLst>
-            </a:prstGeom>
-            <a:ln w="19050">
-              <a:solidFill>
-                <a:schemeClr val="tx1"/>
-              </a:solidFill>
-              <a:tailEnd type="triangle"/>
-            </a:ln>
-          </p:spPr>
-          <p:style>
-            <a:lnRef idx="1">
-              <a:schemeClr val="accent1"/>
-            </a:lnRef>
-            <a:fillRef idx="0">
-              <a:schemeClr val="accent1"/>
-            </a:fillRef>
-            <a:effectRef idx="0">
-              <a:schemeClr val="accent1"/>
-            </a:effectRef>
-            <a:fontRef idx="minor">
-              <a:schemeClr val="tx1"/>
-            </a:fontRef>
-          </p:style>
-        </p:cxnSp>
-        <p:cxnSp>
-          <p:nvCxnSpPr>
-            <p:cNvPr id="29" name="Connector: Curved 28">
-              <a:extLst>
-                <a:ext uri="{FF2B5EF4-FFF2-40B4-BE49-F238E27FC236}">
-                  <a16:creationId xmlns:a16="http://schemas.microsoft.com/office/drawing/2014/main" id="{3BCF2BA8-63FF-4072-95FD-8BE15C8F1582}"/>
-                </a:ext>
-              </a:extLst>
-            </p:cNvPr>
-            <p:cNvCxnSpPr>
-              <a:cxnSpLocks/>
-              <a:stCxn id="141" idx="2"/>
-              <a:endCxn id="74" idx="1"/>
-            </p:cNvCxnSpPr>
-            <p:nvPr/>
-          </p:nvCxnSpPr>
-          <p:spPr>
-            <a:xfrm rot="10800000" flipV="1">
-              <a:off x="4097844" y="1869866"/>
-              <a:ext cx="17616" cy="706063"/>
-            </a:xfrm>
-            <a:prstGeom prst="curvedConnector3">
-              <a:avLst>
-                <a:gd name="adj1" fmla="val 1397684"/>
-              </a:avLst>
-            </a:prstGeom>
-            <a:ln w="19050">
-              <a:solidFill>
-                <a:schemeClr val="tx1"/>
-              </a:solidFill>
-              <a:tailEnd type="triangle"/>
-            </a:ln>
-          </p:spPr>
-          <p:style>
-            <a:lnRef idx="1">
-              <a:schemeClr val="accent1"/>
-            </a:lnRef>
-            <a:fillRef idx="0">
-              <a:schemeClr val="accent1"/>
-            </a:fillRef>
-            <a:effectRef idx="0">
-              <a:schemeClr val="accent1"/>
-            </a:effectRef>
-            <a:fontRef idx="minor">
-              <a:schemeClr val="tx1"/>
-            </a:fontRef>
-          </p:style>
-        </p:cxnSp>
-        <p:sp>
-          <p:nvSpPr>
-            <p:cNvPr id="35" name="Rectangle 34">
-              <a:extLst>
-                <a:ext uri="{FF2B5EF4-FFF2-40B4-BE49-F238E27FC236}">
-                  <a16:creationId xmlns:a16="http://schemas.microsoft.com/office/drawing/2014/main" id="{E19D297B-B578-4636-A547-CFAFB39AC86D}"/>
-                </a:ext>
-              </a:extLst>
-            </p:cNvPr>
-            <p:cNvSpPr/>
-            <p:nvPr/>
-          </p:nvSpPr>
-          <p:spPr>
-            <a:xfrm>
-              <a:off x="3801664" y="1591491"/>
-              <a:ext cx="2465375" cy="1451795"/>
-            </a:xfrm>
-            <a:prstGeom prst="rect">
-              <a:avLst/>
-            </a:prstGeom>
-            <a:noFill/>
-            <a:ln w="19050">
-              <a:prstDash val="dash"/>
-            </a:ln>
-          </p:spPr>
-          <p:style>
-            <a:lnRef idx="2">
-              <a:schemeClr val="accent1"/>
-            </a:lnRef>
-            <a:fillRef idx="1">
-              <a:schemeClr val="lt1"/>
-            </a:fillRef>
-            <a:effectRef idx="0">
-              <a:schemeClr val="accent1"/>
-            </a:effectRef>
-            <a:fontRef idx="minor">
-              <a:schemeClr val="dk1"/>
-            </a:fontRef>
-          </p:style>
-          <p:txBody>
-            <a:bodyPr rtlCol="0" anchor="ctr"/>
-            <a:lstStyle/>
-            <a:p>
-              <a:pPr algn="ctr"/>
-              <a:endParaRPr lang="en-US" sz="1050"/>
-            </a:p>
-          </p:txBody>
-        </p:sp>
         <p:sp>
           <p:nvSpPr>
             <p:cNvPr id="36" name="Rectangle 35">
@@ -4110,7 +4128,7 @@
             <a:lstStyle/>
             <a:p>
               <a:pPr algn="ctr"/>
-              <a:endParaRPr lang="en-US" sz="1050"/>
+              <a:endParaRPr lang="en-US" sz="900"/>
             </a:p>
           </p:txBody>
         </p:sp>

--- a/Manuscript/figures/Figure_System.pptx
+++ b/Manuscript/figures/Figure_System.pptx
@@ -2888,94 +2888,12 @@
           <a:chExt cx="0" cy="0"/>
         </a:xfrm>
       </p:grpSpPr>
-      <p:cxnSp>
-        <p:nvCxnSpPr>
-          <p:cNvPr id="8" name="直接箭头连接符 157">
+      <p:grpSp>
+        <p:nvGrpSpPr>
+          <p:cNvPr id="16" name="组合 15">
             <a:extLst>
               <a:ext uri="{FF2B5EF4-FFF2-40B4-BE49-F238E27FC236}">
-                <a16:creationId xmlns:a16="http://schemas.microsoft.com/office/drawing/2014/main" id="{9C92BEB3-35DE-4FB5-ABBE-FB0D1181B59A}"/>
-              </a:ext>
-            </a:extLst>
-          </p:cNvPr>
-          <p:cNvCxnSpPr>
-            <a:cxnSpLocks/>
-          </p:cNvCxnSpPr>
-          <p:nvPr/>
-        </p:nvCxnSpPr>
-        <p:spPr>
-          <a:xfrm flipV="1">
-            <a:off x="5674681" y="3043286"/>
-            <a:ext cx="0" cy="144000"/>
-          </a:xfrm>
-          <a:prstGeom prst="straightConnector1">
-            <a:avLst/>
-          </a:prstGeom>
-          <a:ln>
-            <a:tailEnd type="triangle"/>
-          </a:ln>
-        </p:spPr>
-        <p:style>
-          <a:lnRef idx="3">
-            <a:schemeClr val="dk1"/>
-          </a:lnRef>
-          <a:fillRef idx="0">
-            <a:schemeClr val="dk1"/>
-          </a:fillRef>
-          <a:effectRef idx="2">
-            <a:schemeClr val="dk1"/>
-          </a:effectRef>
-          <a:fontRef idx="minor">
-            <a:schemeClr val="tx1"/>
-          </a:fontRef>
-        </p:style>
-      </p:cxnSp>
-      <p:cxnSp>
-        <p:nvCxnSpPr>
-          <p:cNvPr id="13" name="直接箭头连接符 157">
-            <a:extLst>
-              <a:ext uri="{FF2B5EF4-FFF2-40B4-BE49-F238E27FC236}">
-                <a16:creationId xmlns:a16="http://schemas.microsoft.com/office/drawing/2014/main" id="{A336C3A6-2AAD-4FDC-AA58-86321B4E3562}"/>
-              </a:ext>
-            </a:extLst>
-          </p:cNvPr>
-          <p:cNvCxnSpPr>
-            <a:cxnSpLocks/>
-          </p:cNvCxnSpPr>
-          <p:nvPr/>
-        </p:nvCxnSpPr>
-        <p:spPr>
-          <a:xfrm>
-            <a:off x="4384035" y="3043286"/>
-            <a:ext cx="0" cy="144000"/>
-          </a:xfrm>
-          <a:prstGeom prst="straightConnector1">
-            <a:avLst/>
-          </a:prstGeom>
-          <a:ln>
-            <a:tailEnd type="triangle"/>
-          </a:ln>
-        </p:spPr>
-        <p:style>
-          <a:lnRef idx="3">
-            <a:schemeClr val="dk1"/>
-          </a:lnRef>
-          <a:fillRef idx="0">
-            <a:schemeClr val="dk1"/>
-          </a:fillRef>
-          <a:effectRef idx="2">
-            <a:schemeClr val="dk1"/>
-          </a:effectRef>
-          <a:fontRef idx="minor">
-            <a:schemeClr val="tx1"/>
-          </a:fontRef>
-        </p:style>
-      </p:cxnSp>
-      <p:grpSp>
-        <p:nvGrpSpPr>
-          <p:cNvPr id="11" name="组合 10">
-            <a:extLst>
-              <a:ext uri="{FF2B5EF4-FFF2-40B4-BE49-F238E27FC236}">
-                <a16:creationId xmlns:a16="http://schemas.microsoft.com/office/drawing/2014/main" id="{0410A513-959B-469A-9395-64D2E35B4686}"/>
+                <a16:creationId xmlns:a16="http://schemas.microsoft.com/office/drawing/2014/main" id="{B352BBD5-9AE1-47AA-8012-368E3D4329DE}"/>
               </a:ext>
             </a:extLst>
           </p:cNvPr>
@@ -2985,17 +2903,17 @@
         <p:grpSpPr>
           <a:xfrm>
             <a:off x="2968646" y="1794773"/>
-            <a:ext cx="3301669" cy="1248513"/>
+            <a:ext cx="3301669" cy="2151679"/>
             <a:chOff x="2968646" y="1794773"/>
-            <a:chExt cx="3301669" cy="1248513"/>
+            <a:chExt cx="3301669" cy="2151679"/>
           </a:xfrm>
         </p:grpSpPr>
         <p:grpSp>
           <p:nvGrpSpPr>
-            <p:cNvPr id="6" name="组合 5">
+            <p:cNvPr id="42" name="组合 41">
               <a:extLst>
                 <a:ext uri="{FF2B5EF4-FFF2-40B4-BE49-F238E27FC236}">
-                  <a16:creationId xmlns:a16="http://schemas.microsoft.com/office/drawing/2014/main" id="{5F5E36BA-112C-4774-AC10-048AB2314A45}"/>
+                  <a16:creationId xmlns:a16="http://schemas.microsoft.com/office/drawing/2014/main" id="{73925A77-4AF8-43E2-A218-8F1C9950E6B4}"/>
                 </a:ext>
               </a:extLst>
             </p:cNvPr>
@@ -3004,15 +2922,1436 @@
           </p:nvGrpSpPr>
           <p:grpSpPr>
             <a:xfrm>
-              <a:off x="3833913" y="2269930"/>
-              <a:ext cx="1102955" cy="745698"/>
-              <a:chOff x="7581350" y="3715581"/>
-              <a:chExt cx="1102955" cy="745698"/>
+              <a:off x="5402337" y="3223300"/>
+              <a:ext cx="540000" cy="540000"/>
+              <a:chOff x="7679563" y="1172136"/>
+              <a:chExt cx="976750" cy="986490"/>
+            </a:xfrm>
+          </p:grpSpPr>
+          <p:sp>
+            <p:nvSpPr>
+              <p:cNvPr id="43" name="流程图: 接点 42">
+                <a:extLst>
+                  <a:ext uri="{FF2B5EF4-FFF2-40B4-BE49-F238E27FC236}">
+                    <a16:creationId xmlns:a16="http://schemas.microsoft.com/office/drawing/2014/main" id="{94F8610D-5028-4404-936E-BC3D15722620}"/>
+                  </a:ext>
+                </a:extLst>
+              </p:cNvPr>
+              <p:cNvSpPr/>
+              <p:nvPr/>
+            </p:nvSpPr>
+            <p:spPr>
+              <a:xfrm>
+                <a:off x="7679563" y="1307746"/>
+                <a:ext cx="180000" cy="180000"/>
+              </a:xfrm>
+              <a:prstGeom prst="flowChartConnector">
+                <a:avLst/>
+              </a:prstGeom>
+            </p:spPr>
+            <p:style>
+              <a:lnRef idx="1">
+                <a:schemeClr val="dk1"/>
+              </a:lnRef>
+              <a:fillRef idx="2">
+                <a:schemeClr val="dk1"/>
+              </a:fillRef>
+              <a:effectRef idx="1">
+                <a:schemeClr val="dk1"/>
+              </a:effectRef>
+              <a:fontRef idx="minor">
+                <a:schemeClr val="dk1"/>
+              </a:fontRef>
+            </p:style>
+            <p:txBody>
+              <a:bodyPr rtlCol="0" anchor="ctr"/>
+              <a:lstStyle/>
+              <a:p>
+                <a:pPr algn="ctr"/>
+                <a:endParaRPr lang="zh-CN" altLang="en-US"/>
+              </a:p>
+            </p:txBody>
+          </p:sp>
+          <p:sp>
+            <p:nvSpPr>
+              <p:cNvPr id="44" name="流程图: 接点 43">
+                <a:extLst>
+                  <a:ext uri="{FF2B5EF4-FFF2-40B4-BE49-F238E27FC236}">
+                    <a16:creationId xmlns:a16="http://schemas.microsoft.com/office/drawing/2014/main" id="{FC2E4F4A-F85B-46FC-97AD-91338CD3E9E3}"/>
+                  </a:ext>
+                </a:extLst>
+              </p:cNvPr>
+              <p:cNvSpPr/>
+              <p:nvPr/>
+            </p:nvSpPr>
+            <p:spPr>
+              <a:xfrm>
+                <a:off x="7679563" y="1576576"/>
+                <a:ext cx="180000" cy="180000"/>
+              </a:xfrm>
+              <a:prstGeom prst="flowChartConnector">
+                <a:avLst/>
+              </a:prstGeom>
+            </p:spPr>
+            <p:style>
+              <a:lnRef idx="1">
+                <a:schemeClr val="dk1"/>
+              </a:lnRef>
+              <a:fillRef idx="2">
+                <a:schemeClr val="dk1"/>
+              </a:fillRef>
+              <a:effectRef idx="1">
+                <a:schemeClr val="dk1"/>
+              </a:effectRef>
+              <a:fontRef idx="minor">
+                <a:schemeClr val="dk1"/>
+              </a:fontRef>
+            </p:style>
+            <p:txBody>
+              <a:bodyPr rtlCol="0" anchor="ctr"/>
+              <a:lstStyle/>
+              <a:p>
+                <a:pPr algn="ctr"/>
+                <a:endParaRPr lang="zh-CN" altLang="en-US"/>
+              </a:p>
+            </p:txBody>
+          </p:sp>
+          <p:sp>
+            <p:nvSpPr>
+              <p:cNvPr id="45" name="流程图: 接点 44">
+                <a:extLst>
+                  <a:ext uri="{FF2B5EF4-FFF2-40B4-BE49-F238E27FC236}">
+                    <a16:creationId xmlns:a16="http://schemas.microsoft.com/office/drawing/2014/main" id="{CC28EFD5-859A-40F1-B56A-EE3A3E967350}"/>
+                  </a:ext>
+                </a:extLst>
+              </p:cNvPr>
+              <p:cNvSpPr/>
+              <p:nvPr/>
+            </p:nvSpPr>
+            <p:spPr>
+              <a:xfrm>
+                <a:off x="7679563" y="1845406"/>
+                <a:ext cx="180000" cy="180000"/>
+              </a:xfrm>
+              <a:prstGeom prst="flowChartConnector">
+                <a:avLst/>
+              </a:prstGeom>
+            </p:spPr>
+            <p:style>
+              <a:lnRef idx="1">
+                <a:schemeClr val="dk1"/>
+              </a:lnRef>
+              <a:fillRef idx="2">
+                <a:schemeClr val="dk1"/>
+              </a:fillRef>
+              <a:effectRef idx="1">
+                <a:schemeClr val="dk1"/>
+              </a:effectRef>
+              <a:fontRef idx="minor">
+                <a:schemeClr val="dk1"/>
+              </a:fontRef>
+            </p:style>
+            <p:txBody>
+              <a:bodyPr rtlCol="0" anchor="ctr"/>
+              <a:lstStyle/>
+              <a:p>
+                <a:pPr algn="ctr"/>
+                <a:endParaRPr lang="zh-CN" altLang="en-US"/>
+              </a:p>
+            </p:txBody>
+          </p:sp>
+          <p:sp>
+            <p:nvSpPr>
+              <p:cNvPr id="46" name="流程图: 接点 45">
+                <a:extLst>
+                  <a:ext uri="{FF2B5EF4-FFF2-40B4-BE49-F238E27FC236}">
+                    <a16:creationId xmlns:a16="http://schemas.microsoft.com/office/drawing/2014/main" id="{7562231A-4A40-465E-8981-9A8AE51A2D7B}"/>
+                  </a:ext>
+                </a:extLst>
+              </p:cNvPr>
+              <p:cNvSpPr/>
+              <p:nvPr/>
+            </p:nvSpPr>
+            <p:spPr>
+              <a:xfrm>
+                <a:off x="8087940" y="1978626"/>
+                <a:ext cx="180000" cy="180000"/>
+              </a:xfrm>
+              <a:prstGeom prst="flowChartConnector">
+                <a:avLst/>
+              </a:prstGeom>
+            </p:spPr>
+            <p:style>
+              <a:lnRef idx="1">
+                <a:schemeClr val="dk1"/>
+              </a:lnRef>
+              <a:fillRef idx="2">
+                <a:schemeClr val="dk1"/>
+              </a:fillRef>
+              <a:effectRef idx="1">
+                <a:schemeClr val="dk1"/>
+              </a:effectRef>
+              <a:fontRef idx="minor">
+                <a:schemeClr val="dk1"/>
+              </a:fontRef>
+            </p:style>
+            <p:txBody>
+              <a:bodyPr rtlCol="0" anchor="ctr"/>
+              <a:lstStyle/>
+              <a:p>
+                <a:pPr algn="ctr"/>
+                <a:endParaRPr lang="zh-CN" altLang="en-US"/>
+              </a:p>
+            </p:txBody>
+          </p:sp>
+          <p:sp>
+            <p:nvSpPr>
+              <p:cNvPr id="47" name="流程图: 接点 46">
+                <a:extLst>
+                  <a:ext uri="{FF2B5EF4-FFF2-40B4-BE49-F238E27FC236}">
+                    <a16:creationId xmlns:a16="http://schemas.microsoft.com/office/drawing/2014/main" id="{C0008B9E-7743-4A2C-83DE-26C3B82B9762}"/>
+                  </a:ext>
+                </a:extLst>
+              </p:cNvPr>
+              <p:cNvSpPr/>
+              <p:nvPr/>
+            </p:nvSpPr>
+            <p:spPr>
+              <a:xfrm>
+                <a:off x="8087940" y="1172136"/>
+                <a:ext cx="180000" cy="180000"/>
+              </a:xfrm>
+              <a:prstGeom prst="flowChartConnector">
+                <a:avLst/>
+              </a:prstGeom>
+            </p:spPr>
+            <p:style>
+              <a:lnRef idx="1">
+                <a:schemeClr val="dk1"/>
+              </a:lnRef>
+              <a:fillRef idx="2">
+                <a:schemeClr val="dk1"/>
+              </a:fillRef>
+              <a:effectRef idx="1">
+                <a:schemeClr val="dk1"/>
+              </a:effectRef>
+              <a:fontRef idx="minor">
+                <a:schemeClr val="dk1"/>
+              </a:fontRef>
+            </p:style>
+            <p:txBody>
+              <a:bodyPr rtlCol="0" anchor="ctr"/>
+              <a:lstStyle/>
+              <a:p>
+                <a:pPr algn="ctr"/>
+                <a:endParaRPr lang="zh-CN" altLang="en-US"/>
+              </a:p>
+            </p:txBody>
+          </p:sp>
+          <p:sp>
+            <p:nvSpPr>
+              <p:cNvPr id="48" name="流程图: 接点 47">
+                <a:extLst>
+                  <a:ext uri="{FF2B5EF4-FFF2-40B4-BE49-F238E27FC236}">
+                    <a16:creationId xmlns:a16="http://schemas.microsoft.com/office/drawing/2014/main" id="{AD287495-6A09-48F1-9596-A08973AF85F2}"/>
+                  </a:ext>
+                </a:extLst>
+              </p:cNvPr>
+              <p:cNvSpPr/>
+              <p:nvPr/>
+            </p:nvSpPr>
+            <p:spPr>
+              <a:xfrm>
+                <a:off x="8087940" y="1440966"/>
+                <a:ext cx="180000" cy="180000"/>
+              </a:xfrm>
+              <a:prstGeom prst="flowChartConnector">
+                <a:avLst/>
+              </a:prstGeom>
+            </p:spPr>
+            <p:style>
+              <a:lnRef idx="1">
+                <a:schemeClr val="dk1"/>
+              </a:lnRef>
+              <a:fillRef idx="2">
+                <a:schemeClr val="dk1"/>
+              </a:fillRef>
+              <a:effectRef idx="1">
+                <a:schemeClr val="dk1"/>
+              </a:effectRef>
+              <a:fontRef idx="minor">
+                <a:schemeClr val="dk1"/>
+              </a:fontRef>
+            </p:style>
+            <p:txBody>
+              <a:bodyPr rtlCol="0" anchor="ctr"/>
+              <a:lstStyle/>
+              <a:p>
+                <a:pPr algn="ctr"/>
+                <a:endParaRPr lang="zh-CN" altLang="en-US"/>
+              </a:p>
+            </p:txBody>
+          </p:sp>
+          <p:sp>
+            <p:nvSpPr>
+              <p:cNvPr id="49" name="流程图: 接点 48">
+                <a:extLst>
+                  <a:ext uri="{FF2B5EF4-FFF2-40B4-BE49-F238E27FC236}">
+                    <a16:creationId xmlns:a16="http://schemas.microsoft.com/office/drawing/2014/main" id="{B44C1A97-B55E-4D28-A60F-36E0AC01D3F5}"/>
+                  </a:ext>
+                </a:extLst>
+              </p:cNvPr>
+              <p:cNvSpPr/>
+              <p:nvPr/>
+            </p:nvSpPr>
+            <p:spPr>
+              <a:xfrm>
+                <a:off x="8087940" y="1709796"/>
+                <a:ext cx="180000" cy="180000"/>
+              </a:xfrm>
+              <a:prstGeom prst="flowChartConnector">
+                <a:avLst/>
+              </a:prstGeom>
+            </p:spPr>
+            <p:style>
+              <a:lnRef idx="1">
+                <a:schemeClr val="dk1"/>
+              </a:lnRef>
+              <a:fillRef idx="2">
+                <a:schemeClr val="dk1"/>
+              </a:fillRef>
+              <a:effectRef idx="1">
+                <a:schemeClr val="dk1"/>
+              </a:effectRef>
+              <a:fontRef idx="minor">
+                <a:schemeClr val="dk1"/>
+              </a:fontRef>
+            </p:style>
+            <p:txBody>
+              <a:bodyPr rtlCol="0" anchor="ctr"/>
+              <a:lstStyle/>
+              <a:p>
+                <a:pPr algn="ctr"/>
+                <a:endParaRPr lang="zh-CN" altLang="en-US"/>
+              </a:p>
+            </p:txBody>
+          </p:sp>
+          <p:sp>
+            <p:nvSpPr>
+              <p:cNvPr id="50" name="流程图: 接点 49">
+                <a:extLst>
+                  <a:ext uri="{FF2B5EF4-FFF2-40B4-BE49-F238E27FC236}">
+                    <a16:creationId xmlns:a16="http://schemas.microsoft.com/office/drawing/2014/main" id="{0CE4C594-A812-4CE1-AEFF-93F579B10598}"/>
+                  </a:ext>
+                </a:extLst>
+              </p:cNvPr>
+              <p:cNvSpPr/>
+              <p:nvPr/>
+            </p:nvSpPr>
+            <p:spPr>
+              <a:xfrm>
+                <a:off x="8476313" y="1311307"/>
+                <a:ext cx="180000" cy="180000"/>
+              </a:xfrm>
+              <a:prstGeom prst="flowChartConnector">
+                <a:avLst/>
+              </a:prstGeom>
+            </p:spPr>
+            <p:style>
+              <a:lnRef idx="1">
+                <a:schemeClr val="dk1"/>
+              </a:lnRef>
+              <a:fillRef idx="2">
+                <a:schemeClr val="dk1"/>
+              </a:fillRef>
+              <a:effectRef idx="1">
+                <a:schemeClr val="dk1"/>
+              </a:effectRef>
+              <a:fontRef idx="minor">
+                <a:schemeClr val="dk1"/>
+              </a:fontRef>
+            </p:style>
+            <p:txBody>
+              <a:bodyPr rtlCol="0" anchor="ctr"/>
+              <a:lstStyle/>
+              <a:p>
+                <a:pPr algn="ctr"/>
+                <a:endParaRPr lang="zh-CN" altLang="en-US"/>
+              </a:p>
+            </p:txBody>
+          </p:sp>
+          <p:sp>
+            <p:nvSpPr>
+              <p:cNvPr id="51" name="流程图: 接点 50">
+                <a:extLst>
+                  <a:ext uri="{FF2B5EF4-FFF2-40B4-BE49-F238E27FC236}">
+                    <a16:creationId xmlns:a16="http://schemas.microsoft.com/office/drawing/2014/main" id="{AFC23E91-971D-48BB-A302-2D7FFE083355}"/>
+                  </a:ext>
+                </a:extLst>
+              </p:cNvPr>
+              <p:cNvSpPr/>
+              <p:nvPr/>
+            </p:nvSpPr>
+            <p:spPr>
+              <a:xfrm>
+                <a:off x="8476313" y="1848967"/>
+                <a:ext cx="180000" cy="180000"/>
+              </a:xfrm>
+              <a:prstGeom prst="flowChartConnector">
+                <a:avLst/>
+              </a:prstGeom>
+            </p:spPr>
+            <p:style>
+              <a:lnRef idx="1">
+                <a:schemeClr val="dk1"/>
+              </a:lnRef>
+              <a:fillRef idx="2">
+                <a:schemeClr val="dk1"/>
+              </a:fillRef>
+              <a:effectRef idx="1">
+                <a:schemeClr val="dk1"/>
+              </a:effectRef>
+              <a:fontRef idx="minor">
+                <a:schemeClr val="dk1"/>
+              </a:fontRef>
+            </p:style>
+            <p:txBody>
+              <a:bodyPr rtlCol="0" anchor="ctr"/>
+              <a:lstStyle/>
+              <a:p>
+                <a:pPr algn="ctr"/>
+                <a:endParaRPr lang="zh-CN" altLang="en-US"/>
+              </a:p>
+            </p:txBody>
+          </p:sp>
+          <p:cxnSp>
+            <p:nvCxnSpPr>
+              <p:cNvPr id="52" name="直接连接符 51">
+                <a:extLst>
+                  <a:ext uri="{FF2B5EF4-FFF2-40B4-BE49-F238E27FC236}">
+                    <a16:creationId xmlns:a16="http://schemas.microsoft.com/office/drawing/2014/main" id="{31097D53-ECFD-4A9A-A2D8-D5848FE6E63D}"/>
+                  </a:ext>
+                </a:extLst>
+              </p:cNvPr>
+              <p:cNvCxnSpPr>
+                <a:cxnSpLocks/>
+                <a:stCxn id="43" idx="6"/>
+                <a:endCxn id="47" idx="2"/>
+              </p:cNvCxnSpPr>
+              <p:nvPr/>
+            </p:nvCxnSpPr>
+            <p:spPr>
+              <a:xfrm flipV="1">
+                <a:off x="7859563" y="1262136"/>
+                <a:ext cx="228377" cy="135610"/>
+              </a:xfrm>
+              <a:prstGeom prst="line">
+                <a:avLst/>
+              </a:prstGeom>
+            </p:spPr>
+            <p:style>
+              <a:lnRef idx="1">
+                <a:schemeClr val="dk1"/>
+              </a:lnRef>
+              <a:fillRef idx="2">
+                <a:schemeClr val="dk1"/>
+              </a:fillRef>
+              <a:effectRef idx="1">
+                <a:schemeClr val="dk1"/>
+              </a:effectRef>
+              <a:fontRef idx="minor">
+                <a:schemeClr val="dk1"/>
+              </a:fontRef>
+            </p:style>
+          </p:cxnSp>
+          <p:cxnSp>
+            <p:nvCxnSpPr>
+              <p:cNvPr id="53" name="直接连接符 52">
+                <a:extLst>
+                  <a:ext uri="{FF2B5EF4-FFF2-40B4-BE49-F238E27FC236}">
+                    <a16:creationId xmlns:a16="http://schemas.microsoft.com/office/drawing/2014/main" id="{ED2D28F9-6D90-4994-BED0-DD172B0DA7D2}"/>
+                  </a:ext>
+                </a:extLst>
+              </p:cNvPr>
+              <p:cNvCxnSpPr>
+                <a:cxnSpLocks/>
+                <a:stCxn id="43" idx="6"/>
+                <a:endCxn id="48" idx="2"/>
+              </p:cNvCxnSpPr>
+              <p:nvPr/>
+            </p:nvCxnSpPr>
+            <p:spPr>
+              <a:xfrm>
+                <a:off x="7859563" y="1397746"/>
+                <a:ext cx="228377" cy="133220"/>
+              </a:xfrm>
+              <a:prstGeom prst="line">
+                <a:avLst/>
+              </a:prstGeom>
+            </p:spPr>
+            <p:style>
+              <a:lnRef idx="1">
+                <a:schemeClr val="dk1"/>
+              </a:lnRef>
+              <a:fillRef idx="2">
+                <a:schemeClr val="dk1"/>
+              </a:fillRef>
+              <a:effectRef idx="1">
+                <a:schemeClr val="dk1"/>
+              </a:effectRef>
+              <a:fontRef idx="minor">
+                <a:schemeClr val="dk1"/>
+              </a:fontRef>
+            </p:style>
+          </p:cxnSp>
+          <p:cxnSp>
+            <p:nvCxnSpPr>
+              <p:cNvPr id="54" name="直接连接符 53">
+                <a:extLst>
+                  <a:ext uri="{FF2B5EF4-FFF2-40B4-BE49-F238E27FC236}">
+                    <a16:creationId xmlns:a16="http://schemas.microsoft.com/office/drawing/2014/main" id="{A73298A7-373D-4098-BA00-A378E6C42C85}"/>
+                  </a:ext>
+                </a:extLst>
+              </p:cNvPr>
+              <p:cNvCxnSpPr>
+                <a:cxnSpLocks/>
+                <a:stCxn id="43" idx="6"/>
+                <a:endCxn id="49" idx="2"/>
+              </p:cNvCxnSpPr>
+              <p:nvPr/>
+            </p:nvCxnSpPr>
+            <p:spPr>
+              <a:xfrm>
+                <a:off x="7859563" y="1397746"/>
+                <a:ext cx="228377" cy="402050"/>
+              </a:xfrm>
+              <a:prstGeom prst="line">
+                <a:avLst/>
+              </a:prstGeom>
+            </p:spPr>
+            <p:style>
+              <a:lnRef idx="1">
+                <a:schemeClr val="dk1"/>
+              </a:lnRef>
+              <a:fillRef idx="2">
+                <a:schemeClr val="dk1"/>
+              </a:fillRef>
+              <a:effectRef idx="1">
+                <a:schemeClr val="dk1"/>
+              </a:effectRef>
+              <a:fontRef idx="minor">
+                <a:schemeClr val="dk1"/>
+              </a:fontRef>
+            </p:style>
+          </p:cxnSp>
+          <p:cxnSp>
+            <p:nvCxnSpPr>
+              <p:cNvPr id="55" name="直接连接符 54">
+                <a:extLst>
+                  <a:ext uri="{FF2B5EF4-FFF2-40B4-BE49-F238E27FC236}">
+                    <a16:creationId xmlns:a16="http://schemas.microsoft.com/office/drawing/2014/main" id="{04EC73AD-635A-4E89-BBD7-3F850380E18C}"/>
+                  </a:ext>
+                </a:extLst>
+              </p:cNvPr>
+              <p:cNvCxnSpPr>
+                <a:cxnSpLocks/>
+                <a:stCxn id="43" idx="6"/>
+                <a:endCxn id="46" idx="2"/>
+              </p:cNvCxnSpPr>
+              <p:nvPr/>
+            </p:nvCxnSpPr>
+            <p:spPr>
+              <a:xfrm>
+                <a:off x="7859563" y="1397746"/>
+                <a:ext cx="228377" cy="670880"/>
+              </a:xfrm>
+              <a:prstGeom prst="line">
+                <a:avLst/>
+              </a:prstGeom>
+            </p:spPr>
+            <p:style>
+              <a:lnRef idx="1">
+                <a:schemeClr val="dk1"/>
+              </a:lnRef>
+              <a:fillRef idx="2">
+                <a:schemeClr val="dk1"/>
+              </a:fillRef>
+              <a:effectRef idx="1">
+                <a:schemeClr val="dk1"/>
+              </a:effectRef>
+              <a:fontRef idx="minor">
+                <a:schemeClr val="dk1"/>
+              </a:fontRef>
+            </p:style>
+          </p:cxnSp>
+          <p:cxnSp>
+            <p:nvCxnSpPr>
+              <p:cNvPr id="56" name="直接连接符 55">
+                <a:extLst>
+                  <a:ext uri="{FF2B5EF4-FFF2-40B4-BE49-F238E27FC236}">
+                    <a16:creationId xmlns:a16="http://schemas.microsoft.com/office/drawing/2014/main" id="{2AC163F1-443E-4EE3-B0D8-7CA345972B1B}"/>
+                  </a:ext>
+                </a:extLst>
+              </p:cNvPr>
+              <p:cNvCxnSpPr>
+                <a:cxnSpLocks/>
+                <a:stCxn id="44" idx="6"/>
+                <a:endCxn id="47" idx="2"/>
+              </p:cNvCxnSpPr>
+              <p:nvPr/>
+            </p:nvCxnSpPr>
+            <p:spPr>
+              <a:xfrm flipV="1">
+                <a:off x="7859563" y="1262136"/>
+                <a:ext cx="228377" cy="404440"/>
+              </a:xfrm>
+              <a:prstGeom prst="line">
+                <a:avLst/>
+              </a:prstGeom>
+            </p:spPr>
+            <p:style>
+              <a:lnRef idx="1">
+                <a:schemeClr val="dk1"/>
+              </a:lnRef>
+              <a:fillRef idx="2">
+                <a:schemeClr val="dk1"/>
+              </a:fillRef>
+              <a:effectRef idx="1">
+                <a:schemeClr val="dk1"/>
+              </a:effectRef>
+              <a:fontRef idx="minor">
+                <a:schemeClr val="dk1"/>
+              </a:fontRef>
+            </p:style>
+          </p:cxnSp>
+          <p:cxnSp>
+            <p:nvCxnSpPr>
+              <p:cNvPr id="57" name="直接连接符 56">
+                <a:extLst>
+                  <a:ext uri="{FF2B5EF4-FFF2-40B4-BE49-F238E27FC236}">
+                    <a16:creationId xmlns:a16="http://schemas.microsoft.com/office/drawing/2014/main" id="{071387B3-0D24-470C-834F-EF1DB63C8932}"/>
+                  </a:ext>
+                </a:extLst>
+              </p:cNvPr>
+              <p:cNvCxnSpPr>
+                <a:cxnSpLocks/>
+                <a:stCxn id="44" idx="6"/>
+                <a:endCxn id="48" idx="2"/>
+              </p:cNvCxnSpPr>
+              <p:nvPr/>
+            </p:nvCxnSpPr>
+            <p:spPr>
+              <a:xfrm flipV="1">
+                <a:off x="7859563" y="1530966"/>
+                <a:ext cx="228377" cy="135610"/>
+              </a:xfrm>
+              <a:prstGeom prst="line">
+                <a:avLst/>
+              </a:prstGeom>
+            </p:spPr>
+            <p:style>
+              <a:lnRef idx="1">
+                <a:schemeClr val="dk1"/>
+              </a:lnRef>
+              <a:fillRef idx="2">
+                <a:schemeClr val="dk1"/>
+              </a:fillRef>
+              <a:effectRef idx="1">
+                <a:schemeClr val="dk1"/>
+              </a:effectRef>
+              <a:fontRef idx="minor">
+                <a:schemeClr val="dk1"/>
+              </a:fontRef>
+            </p:style>
+          </p:cxnSp>
+          <p:cxnSp>
+            <p:nvCxnSpPr>
+              <p:cNvPr id="58" name="直接连接符 57">
+                <a:extLst>
+                  <a:ext uri="{FF2B5EF4-FFF2-40B4-BE49-F238E27FC236}">
+                    <a16:creationId xmlns:a16="http://schemas.microsoft.com/office/drawing/2014/main" id="{ED4FEBC1-A239-4241-B5BB-8EC23EF053DA}"/>
+                  </a:ext>
+                </a:extLst>
+              </p:cNvPr>
+              <p:cNvCxnSpPr>
+                <a:cxnSpLocks/>
+                <a:stCxn id="44" idx="6"/>
+                <a:endCxn id="49" idx="2"/>
+              </p:cNvCxnSpPr>
+              <p:nvPr/>
+            </p:nvCxnSpPr>
+            <p:spPr>
+              <a:xfrm>
+                <a:off x="7859563" y="1666576"/>
+                <a:ext cx="228377" cy="133220"/>
+              </a:xfrm>
+              <a:prstGeom prst="line">
+                <a:avLst/>
+              </a:prstGeom>
+            </p:spPr>
+            <p:style>
+              <a:lnRef idx="1">
+                <a:schemeClr val="dk1"/>
+              </a:lnRef>
+              <a:fillRef idx="2">
+                <a:schemeClr val="dk1"/>
+              </a:fillRef>
+              <a:effectRef idx="1">
+                <a:schemeClr val="dk1"/>
+              </a:effectRef>
+              <a:fontRef idx="minor">
+                <a:schemeClr val="dk1"/>
+              </a:fontRef>
+            </p:style>
+          </p:cxnSp>
+          <p:cxnSp>
+            <p:nvCxnSpPr>
+              <p:cNvPr id="59" name="直接连接符 58">
+                <a:extLst>
+                  <a:ext uri="{FF2B5EF4-FFF2-40B4-BE49-F238E27FC236}">
+                    <a16:creationId xmlns:a16="http://schemas.microsoft.com/office/drawing/2014/main" id="{F55A2169-EFE3-4772-B639-3CDE4F528DD4}"/>
+                  </a:ext>
+                </a:extLst>
+              </p:cNvPr>
+              <p:cNvCxnSpPr>
+                <a:cxnSpLocks/>
+                <a:stCxn id="44" idx="6"/>
+                <a:endCxn id="46" idx="2"/>
+              </p:cNvCxnSpPr>
+              <p:nvPr/>
+            </p:nvCxnSpPr>
+            <p:spPr>
+              <a:xfrm>
+                <a:off x="7859563" y="1666576"/>
+                <a:ext cx="228377" cy="402050"/>
+              </a:xfrm>
+              <a:prstGeom prst="line">
+                <a:avLst/>
+              </a:prstGeom>
+            </p:spPr>
+            <p:style>
+              <a:lnRef idx="1">
+                <a:schemeClr val="dk1"/>
+              </a:lnRef>
+              <a:fillRef idx="2">
+                <a:schemeClr val="dk1"/>
+              </a:fillRef>
+              <a:effectRef idx="1">
+                <a:schemeClr val="dk1"/>
+              </a:effectRef>
+              <a:fontRef idx="minor">
+                <a:schemeClr val="dk1"/>
+              </a:fontRef>
+            </p:style>
+          </p:cxnSp>
+          <p:cxnSp>
+            <p:nvCxnSpPr>
+              <p:cNvPr id="60" name="直接连接符 59">
+                <a:extLst>
+                  <a:ext uri="{FF2B5EF4-FFF2-40B4-BE49-F238E27FC236}">
+                    <a16:creationId xmlns:a16="http://schemas.microsoft.com/office/drawing/2014/main" id="{1217563E-B568-48A0-B00B-B724607F0CBB}"/>
+                  </a:ext>
+                </a:extLst>
+              </p:cNvPr>
+              <p:cNvCxnSpPr>
+                <a:cxnSpLocks/>
+                <a:stCxn id="45" idx="6"/>
+                <a:endCxn id="47" idx="2"/>
+              </p:cNvCxnSpPr>
+              <p:nvPr/>
+            </p:nvCxnSpPr>
+            <p:spPr>
+              <a:xfrm flipV="1">
+                <a:off x="7859563" y="1262136"/>
+                <a:ext cx="228377" cy="673270"/>
+              </a:xfrm>
+              <a:prstGeom prst="line">
+                <a:avLst/>
+              </a:prstGeom>
+            </p:spPr>
+            <p:style>
+              <a:lnRef idx="1">
+                <a:schemeClr val="dk1"/>
+              </a:lnRef>
+              <a:fillRef idx="2">
+                <a:schemeClr val="dk1"/>
+              </a:fillRef>
+              <a:effectRef idx="1">
+                <a:schemeClr val="dk1"/>
+              </a:effectRef>
+              <a:fontRef idx="minor">
+                <a:schemeClr val="dk1"/>
+              </a:fontRef>
+            </p:style>
+          </p:cxnSp>
+          <p:cxnSp>
+            <p:nvCxnSpPr>
+              <p:cNvPr id="61" name="直接连接符 60">
+                <a:extLst>
+                  <a:ext uri="{FF2B5EF4-FFF2-40B4-BE49-F238E27FC236}">
+                    <a16:creationId xmlns:a16="http://schemas.microsoft.com/office/drawing/2014/main" id="{782B7755-F57B-4A45-9745-BB71051B5F57}"/>
+                  </a:ext>
+                </a:extLst>
+              </p:cNvPr>
+              <p:cNvCxnSpPr>
+                <a:cxnSpLocks/>
+                <a:stCxn id="45" idx="6"/>
+                <a:endCxn id="48" idx="2"/>
+              </p:cNvCxnSpPr>
+              <p:nvPr/>
+            </p:nvCxnSpPr>
+            <p:spPr>
+              <a:xfrm flipV="1">
+                <a:off x="7859563" y="1530966"/>
+                <a:ext cx="228377" cy="404440"/>
+              </a:xfrm>
+              <a:prstGeom prst="line">
+                <a:avLst/>
+              </a:prstGeom>
+            </p:spPr>
+            <p:style>
+              <a:lnRef idx="1">
+                <a:schemeClr val="dk1"/>
+              </a:lnRef>
+              <a:fillRef idx="2">
+                <a:schemeClr val="dk1"/>
+              </a:fillRef>
+              <a:effectRef idx="1">
+                <a:schemeClr val="dk1"/>
+              </a:effectRef>
+              <a:fontRef idx="minor">
+                <a:schemeClr val="dk1"/>
+              </a:fontRef>
+            </p:style>
+          </p:cxnSp>
+          <p:cxnSp>
+            <p:nvCxnSpPr>
+              <p:cNvPr id="62" name="直接连接符 61">
+                <a:extLst>
+                  <a:ext uri="{FF2B5EF4-FFF2-40B4-BE49-F238E27FC236}">
+                    <a16:creationId xmlns:a16="http://schemas.microsoft.com/office/drawing/2014/main" id="{2DC3F545-C739-4D43-88D5-EF965B6AF711}"/>
+                  </a:ext>
+                </a:extLst>
+              </p:cNvPr>
+              <p:cNvCxnSpPr>
+                <a:cxnSpLocks/>
+                <a:stCxn id="45" idx="6"/>
+                <a:endCxn id="49" idx="2"/>
+              </p:cNvCxnSpPr>
+              <p:nvPr/>
+            </p:nvCxnSpPr>
+            <p:spPr>
+              <a:xfrm flipV="1">
+                <a:off x="7859563" y="1799796"/>
+                <a:ext cx="228377" cy="135610"/>
+              </a:xfrm>
+              <a:prstGeom prst="line">
+                <a:avLst/>
+              </a:prstGeom>
+            </p:spPr>
+            <p:style>
+              <a:lnRef idx="1">
+                <a:schemeClr val="dk1"/>
+              </a:lnRef>
+              <a:fillRef idx="2">
+                <a:schemeClr val="dk1"/>
+              </a:fillRef>
+              <a:effectRef idx="1">
+                <a:schemeClr val="dk1"/>
+              </a:effectRef>
+              <a:fontRef idx="minor">
+                <a:schemeClr val="dk1"/>
+              </a:fontRef>
+            </p:style>
+          </p:cxnSp>
+          <p:cxnSp>
+            <p:nvCxnSpPr>
+              <p:cNvPr id="63" name="直接连接符 62">
+                <a:extLst>
+                  <a:ext uri="{FF2B5EF4-FFF2-40B4-BE49-F238E27FC236}">
+                    <a16:creationId xmlns:a16="http://schemas.microsoft.com/office/drawing/2014/main" id="{F1A21504-B5B6-4D96-9335-0BD66A057219}"/>
+                  </a:ext>
+                </a:extLst>
+              </p:cNvPr>
+              <p:cNvCxnSpPr>
+                <a:cxnSpLocks/>
+                <a:stCxn id="45" idx="6"/>
+                <a:endCxn id="46" idx="2"/>
+              </p:cNvCxnSpPr>
+              <p:nvPr/>
+            </p:nvCxnSpPr>
+            <p:spPr>
+              <a:xfrm>
+                <a:off x="7859563" y="1935406"/>
+                <a:ext cx="228377" cy="133220"/>
+              </a:xfrm>
+              <a:prstGeom prst="line">
+                <a:avLst/>
+              </a:prstGeom>
+            </p:spPr>
+            <p:style>
+              <a:lnRef idx="1">
+                <a:schemeClr val="dk1"/>
+              </a:lnRef>
+              <a:fillRef idx="2">
+                <a:schemeClr val="dk1"/>
+              </a:fillRef>
+              <a:effectRef idx="1">
+                <a:schemeClr val="dk1"/>
+              </a:effectRef>
+              <a:fontRef idx="minor">
+                <a:schemeClr val="dk1"/>
+              </a:fontRef>
+            </p:style>
+          </p:cxnSp>
+          <p:cxnSp>
+            <p:nvCxnSpPr>
+              <p:cNvPr id="64" name="直接连接符 63">
+                <a:extLst>
+                  <a:ext uri="{FF2B5EF4-FFF2-40B4-BE49-F238E27FC236}">
+                    <a16:creationId xmlns:a16="http://schemas.microsoft.com/office/drawing/2014/main" id="{77D4A698-B6AA-4CDF-8C23-22EFDDCE6EA7}"/>
+                  </a:ext>
+                </a:extLst>
+              </p:cNvPr>
+              <p:cNvCxnSpPr>
+                <a:cxnSpLocks/>
+                <a:stCxn id="47" idx="6"/>
+                <a:endCxn id="50" idx="2"/>
+              </p:cNvCxnSpPr>
+              <p:nvPr/>
+            </p:nvCxnSpPr>
+            <p:spPr>
+              <a:xfrm>
+                <a:off x="8267940" y="1262136"/>
+                <a:ext cx="208373" cy="139171"/>
+              </a:xfrm>
+              <a:prstGeom prst="line">
+                <a:avLst/>
+              </a:prstGeom>
+            </p:spPr>
+            <p:style>
+              <a:lnRef idx="1">
+                <a:schemeClr val="dk1"/>
+              </a:lnRef>
+              <a:fillRef idx="2">
+                <a:schemeClr val="dk1"/>
+              </a:fillRef>
+              <a:effectRef idx="1">
+                <a:schemeClr val="dk1"/>
+              </a:effectRef>
+              <a:fontRef idx="minor">
+                <a:schemeClr val="dk1"/>
+              </a:fontRef>
+            </p:style>
+          </p:cxnSp>
+          <p:cxnSp>
+            <p:nvCxnSpPr>
+              <p:cNvPr id="65" name="直接连接符 64">
+                <a:extLst>
+                  <a:ext uri="{FF2B5EF4-FFF2-40B4-BE49-F238E27FC236}">
+                    <a16:creationId xmlns:a16="http://schemas.microsoft.com/office/drawing/2014/main" id="{6DED564A-8AB2-4998-B450-2E383C6A6DC0}"/>
+                  </a:ext>
+                </a:extLst>
+              </p:cNvPr>
+              <p:cNvCxnSpPr>
+                <a:cxnSpLocks/>
+                <a:stCxn id="48" idx="6"/>
+                <a:endCxn id="50" idx="2"/>
+              </p:cNvCxnSpPr>
+              <p:nvPr/>
+            </p:nvCxnSpPr>
+            <p:spPr>
+              <a:xfrm flipV="1">
+                <a:off x="8267940" y="1401307"/>
+                <a:ext cx="208373" cy="129659"/>
+              </a:xfrm>
+              <a:prstGeom prst="line">
+                <a:avLst/>
+              </a:prstGeom>
+            </p:spPr>
+            <p:style>
+              <a:lnRef idx="1">
+                <a:schemeClr val="dk1"/>
+              </a:lnRef>
+              <a:fillRef idx="2">
+                <a:schemeClr val="dk1"/>
+              </a:fillRef>
+              <a:effectRef idx="1">
+                <a:schemeClr val="dk1"/>
+              </a:effectRef>
+              <a:fontRef idx="minor">
+                <a:schemeClr val="dk1"/>
+              </a:fontRef>
+            </p:style>
+          </p:cxnSp>
+          <p:cxnSp>
+            <p:nvCxnSpPr>
+              <p:cNvPr id="66" name="直接连接符 65">
+                <a:extLst>
+                  <a:ext uri="{FF2B5EF4-FFF2-40B4-BE49-F238E27FC236}">
+                    <a16:creationId xmlns:a16="http://schemas.microsoft.com/office/drawing/2014/main" id="{2AE2563E-9391-4867-A962-A5222635C70D}"/>
+                  </a:ext>
+                </a:extLst>
+              </p:cNvPr>
+              <p:cNvCxnSpPr>
+                <a:cxnSpLocks/>
+                <a:stCxn id="49" idx="6"/>
+                <a:endCxn id="50" idx="2"/>
+              </p:cNvCxnSpPr>
+              <p:nvPr/>
+            </p:nvCxnSpPr>
+            <p:spPr>
+              <a:xfrm flipV="1">
+                <a:off x="8267940" y="1401307"/>
+                <a:ext cx="208373" cy="398489"/>
+              </a:xfrm>
+              <a:prstGeom prst="line">
+                <a:avLst/>
+              </a:prstGeom>
+            </p:spPr>
+            <p:style>
+              <a:lnRef idx="1">
+                <a:schemeClr val="dk1"/>
+              </a:lnRef>
+              <a:fillRef idx="2">
+                <a:schemeClr val="dk1"/>
+              </a:fillRef>
+              <a:effectRef idx="1">
+                <a:schemeClr val="dk1"/>
+              </a:effectRef>
+              <a:fontRef idx="minor">
+                <a:schemeClr val="dk1"/>
+              </a:fontRef>
+            </p:style>
+          </p:cxnSp>
+          <p:cxnSp>
+            <p:nvCxnSpPr>
+              <p:cNvPr id="67" name="直接连接符 66">
+                <a:extLst>
+                  <a:ext uri="{FF2B5EF4-FFF2-40B4-BE49-F238E27FC236}">
+                    <a16:creationId xmlns:a16="http://schemas.microsoft.com/office/drawing/2014/main" id="{755399B5-B387-476F-8E03-780CCEFEE697}"/>
+                  </a:ext>
+                </a:extLst>
+              </p:cNvPr>
+              <p:cNvCxnSpPr>
+                <a:cxnSpLocks/>
+                <a:stCxn id="46" idx="6"/>
+                <a:endCxn id="50" idx="2"/>
+              </p:cNvCxnSpPr>
+              <p:nvPr/>
+            </p:nvCxnSpPr>
+            <p:spPr>
+              <a:xfrm flipV="1">
+                <a:off x="8267940" y="1401307"/>
+                <a:ext cx="208373" cy="667319"/>
+              </a:xfrm>
+              <a:prstGeom prst="line">
+                <a:avLst/>
+              </a:prstGeom>
+            </p:spPr>
+            <p:style>
+              <a:lnRef idx="1">
+                <a:schemeClr val="dk1"/>
+              </a:lnRef>
+              <a:fillRef idx="2">
+                <a:schemeClr val="dk1"/>
+              </a:fillRef>
+              <a:effectRef idx="1">
+                <a:schemeClr val="dk1"/>
+              </a:effectRef>
+              <a:fontRef idx="minor">
+                <a:schemeClr val="dk1"/>
+              </a:fontRef>
+            </p:style>
+          </p:cxnSp>
+          <p:cxnSp>
+            <p:nvCxnSpPr>
+              <p:cNvPr id="68" name="直接连接符 67">
+                <a:extLst>
+                  <a:ext uri="{FF2B5EF4-FFF2-40B4-BE49-F238E27FC236}">
+                    <a16:creationId xmlns:a16="http://schemas.microsoft.com/office/drawing/2014/main" id="{45B242D5-14FA-463B-BADF-997886D3D1CF}"/>
+                  </a:ext>
+                </a:extLst>
+              </p:cNvPr>
+              <p:cNvCxnSpPr>
+                <a:cxnSpLocks/>
+                <a:stCxn id="51" idx="2"/>
+                <a:endCxn id="47" idx="6"/>
+              </p:cNvCxnSpPr>
+              <p:nvPr/>
+            </p:nvCxnSpPr>
+            <p:spPr>
+              <a:xfrm flipH="1" flipV="1">
+                <a:off x="8267940" y="1262136"/>
+                <a:ext cx="208373" cy="676831"/>
+              </a:xfrm>
+              <a:prstGeom prst="line">
+                <a:avLst/>
+              </a:prstGeom>
+            </p:spPr>
+            <p:style>
+              <a:lnRef idx="1">
+                <a:schemeClr val="dk1"/>
+              </a:lnRef>
+              <a:fillRef idx="2">
+                <a:schemeClr val="dk1"/>
+              </a:fillRef>
+              <a:effectRef idx="1">
+                <a:schemeClr val="dk1"/>
+              </a:effectRef>
+              <a:fontRef idx="minor">
+                <a:schemeClr val="dk1"/>
+              </a:fontRef>
+            </p:style>
+          </p:cxnSp>
+          <p:cxnSp>
+            <p:nvCxnSpPr>
+              <p:cNvPr id="69" name="直接连接符 68">
+                <a:extLst>
+                  <a:ext uri="{FF2B5EF4-FFF2-40B4-BE49-F238E27FC236}">
+                    <a16:creationId xmlns:a16="http://schemas.microsoft.com/office/drawing/2014/main" id="{B821A31E-6FDB-402C-9E1F-19EE0E163D84}"/>
+                  </a:ext>
+                </a:extLst>
+              </p:cNvPr>
+              <p:cNvCxnSpPr>
+                <a:cxnSpLocks/>
+                <a:stCxn id="51" idx="2"/>
+                <a:endCxn id="48" idx="6"/>
+              </p:cNvCxnSpPr>
+              <p:nvPr/>
+            </p:nvCxnSpPr>
+            <p:spPr>
+              <a:xfrm flipH="1" flipV="1">
+                <a:off x="8267940" y="1530966"/>
+                <a:ext cx="208373" cy="408001"/>
+              </a:xfrm>
+              <a:prstGeom prst="line">
+                <a:avLst/>
+              </a:prstGeom>
+            </p:spPr>
+            <p:style>
+              <a:lnRef idx="1">
+                <a:schemeClr val="dk1"/>
+              </a:lnRef>
+              <a:fillRef idx="2">
+                <a:schemeClr val="dk1"/>
+              </a:fillRef>
+              <a:effectRef idx="1">
+                <a:schemeClr val="dk1"/>
+              </a:effectRef>
+              <a:fontRef idx="minor">
+                <a:schemeClr val="dk1"/>
+              </a:fontRef>
+            </p:style>
+          </p:cxnSp>
+          <p:cxnSp>
+            <p:nvCxnSpPr>
+              <p:cNvPr id="70" name="直接连接符 69">
+                <a:extLst>
+                  <a:ext uri="{FF2B5EF4-FFF2-40B4-BE49-F238E27FC236}">
+                    <a16:creationId xmlns:a16="http://schemas.microsoft.com/office/drawing/2014/main" id="{C383019C-F766-49E3-8E57-92E8366E1260}"/>
+                  </a:ext>
+                </a:extLst>
+              </p:cNvPr>
+              <p:cNvCxnSpPr>
+                <a:cxnSpLocks/>
+                <a:stCxn id="51" idx="2"/>
+                <a:endCxn id="49" idx="6"/>
+              </p:cNvCxnSpPr>
+              <p:nvPr/>
+            </p:nvCxnSpPr>
+            <p:spPr>
+              <a:xfrm flipH="1" flipV="1">
+                <a:off x="8267940" y="1799796"/>
+                <a:ext cx="208373" cy="139171"/>
+              </a:xfrm>
+              <a:prstGeom prst="line">
+                <a:avLst/>
+              </a:prstGeom>
+            </p:spPr>
+            <p:style>
+              <a:lnRef idx="1">
+                <a:schemeClr val="dk1"/>
+              </a:lnRef>
+              <a:fillRef idx="2">
+                <a:schemeClr val="dk1"/>
+              </a:fillRef>
+              <a:effectRef idx="1">
+                <a:schemeClr val="dk1"/>
+              </a:effectRef>
+              <a:fontRef idx="minor">
+                <a:schemeClr val="dk1"/>
+              </a:fontRef>
+            </p:style>
+          </p:cxnSp>
+          <p:cxnSp>
+            <p:nvCxnSpPr>
+              <p:cNvPr id="72" name="直接连接符 71">
+                <a:extLst>
+                  <a:ext uri="{FF2B5EF4-FFF2-40B4-BE49-F238E27FC236}">
+                    <a16:creationId xmlns:a16="http://schemas.microsoft.com/office/drawing/2014/main" id="{28ECDBF1-B0C4-4979-9AFE-2E9BD742F679}"/>
+                  </a:ext>
+                </a:extLst>
+              </p:cNvPr>
+              <p:cNvCxnSpPr>
+                <a:cxnSpLocks/>
+                <a:stCxn id="51" idx="2"/>
+                <a:endCxn id="46" idx="6"/>
+              </p:cNvCxnSpPr>
+              <p:nvPr/>
+            </p:nvCxnSpPr>
+            <p:spPr>
+              <a:xfrm flipH="1">
+                <a:off x="8267940" y="1938967"/>
+                <a:ext cx="208373" cy="129659"/>
+              </a:xfrm>
+              <a:prstGeom prst="line">
+                <a:avLst/>
+              </a:prstGeom>
+            </p:spPr>
+            <p:style>
+              <a:lnRef idx="1">
+                <a:schemeClr val="dk1"/>
+              </a:lnRef>
+              <a:fillRef idx="2">
+                <a:schemeClr val="dk1"/>
+              </a:fillRef>
+              <a:effectRef idx="1">
+                <a:schemeClr val="dk1"/>
+              </a:effectRef>
+              <a:fontRef idx="minor">
+                <a:schemeClr val="dk1"/>
+              </a:fontRef>
+            </p:style>
+          </p:cxnSp>
+          <p:sp>
+            <p:nvSpPr>
+              <p:cNvPr id="75" name="流程图: 接点 74">
+                <a:extLst>
+                  <a:ext uri="{FF2B5EF4-FFF2-40B4-BE49-F238E27FC236}">
+                    <a16:creationId xmlns:a16="http://schemas.microsoft.com/office/drawing/2014/main" id="{5B42C9EC-B30F-4AE1-BAB1-39D94336A28D}"/>
+                  </a:ext>
+                </a:extLst>
+              </p:cNvPr>
+              <p:cNvSpPr/>
+              <p:nvPr/>
+            </p:nvSpPr>
+            <p:spPr>
+              <a:xfrm>
+                <a:off x="8476313" y="1576576"/>
+                <a:ext cx="180000" cy="180000"/>
+              </a:xfrm>
+              <a:prstGeom prst="flowChartConnector">
+                <a:avLst/>
+              </a:prstGeom>
+            </p:spPr>
+            <p:style>
+              <a:lnRef idx="1">
+                <a:schemeClr val="dk1"/>
+              </a:lnRef>
+              <a:fillRef idx="2">
+                <a:schemeClr val="dk1"/>
+              </a:fillRef>
+              <a:effectRef idx="1">
+                <a:schemeClr val="dk1"/>
+              </a:effectRef>
+              <a:fontRef idx="minor">
+                <a:schemeClr val="dk1"/>
+              </a:fontRef>
+            </p:style>
+            <p:txBody>
+              <a:bodyPr rtlCol="0" anchor="ctr"/>
+              <a:lstStyle/>
+              <a:p>
+                <a:pPr algn="ctr"/>
+                <a:endParaRPr lang="zh-CN" altLang="en-US"/>
+              </a:p>
+            </p:txBody>
+          </p:sp>
+          <p:cxnSp>
+            <p:nvCxnSpPr>
+              <p:cNvPr id="76" name="直接连接符 75">
+                <a:extLst>
+                  <a:ext uri="{FF2B5EF4-FFF2-40B4-BE49-F238E27FC236}">
+                    <a16:creationId xmlns:a16="http://schemas.microsoft.com/office/drawing/2014/main" id="{7E65CE25-CBF6-4CBB-82B9-E64851EB7218}"/>
+                  </a:ext>
+                </a:extLst>
+              </p:cNvPr>
+              <p:cNvCxnSpPr>
+                <a:cxnSpLocks/>
+                <a:stCxn id="47" idx="6"/>
+                <a:endCxn id="75" idx="2"/>
+              </p:cNvCxnSpPr>
+              <p:nvPr/>
+            </p:nvCxnSpPr>
+            <p:spPr>
+              <a:xfrm>
+                <a:off x="8267940" y="1262136"/>
+                <a:ext cx="208373" cy="404440"/>
+              </a:xfrm>
+              <a:prstGeom prst="line">
+                <a:avLst/>
+              </a:prstGeom>
+            </p:spPr>
+            <p:style>
+              <a:lnRef idx="1">
+                <a:schemeClr val="dk1"/>
+              </a:lnRef>
+              <a:fillRef idx="2">
+                <a:schemeClr val="dk1"/>
+              </a:fillRef>
+              <a:effectRef idx="1">
+                <a:schemeClr val="dk1"/>
+              </a:effectRef>
+              <a:fontRef idx="minor">
+                <a:schemeClr val="dk1"/>
+              </a:fontRef>
+            </p:style>
+          </p:cxnSp>
+          <p:cxnSp>
+            <p:nvCxnSpPr>
+              <p:cNvPr id="77" name="直接连接符 76">
+                <a:extLst>
+                  <a:ext uri="{FF2B5EF4-FFF2-40B4-BE49-F238E27FC236}">
+                    <a16:creationId xmlns:a16="http://schemas.microsoft.com/office/drawing/2014/main" id="{E529A21C-3046-457A-98ED-D7E410BA31D8}"/>
+                  </a:ext>
+                </a:extLst>
+              </p:cNvPr>
+              <p:cNvCxnSpPr>
+                <a:cxnSpLocks/>
+                <a:stCxn id="46" idx="6"/>
+                <a:endCxn id="75" idx="2"/>
+              </p:cNvCxnSpPr>
+              <p:nvPr/>
+            </p:nvCxnSpPr>
+            <p:spPr>
+              <a:xfrm flipV="1">
+                <a:off x="8267940" y="1666576"/>
+                <a:ext cx="208373" cy="402050"/>
+              </a:xfrm>
+              <a:prstGeom prst="line">
+                <a:avLst/>
+              </a:prstGeom>
+            </p:spPr>
+            <p:style>
+              <a:lnRef idx="1">
+                <a:schemeClr val="dk1"/>
+              </a:lnRef>
+              <a:fillRef idx="2">
+                <a:schemeClr val="dk1"/>
+              </a:fillRef>
+              <a:effectRef idx="1">
+                <a:schemeClr val="dk1"/>
+              </a:effectRef>
+              <a:fontRef idx="minor">
+                <a:schemeClr val="dk1"/>
+              </a:fontRef>
+            </p:style>
+          </p:cxnSp>
+          <p:cxnSp>
+            <p:nvCxnSpPr>
+              <p:cNvPr id="78" name="直接连接符 77">
+                <a:extLst>
+                  <a:ext uri="{FF2B5EF4-FFF2-40B4-BE49-F238E27FC236}">
+                    <a16:creationId xmlns:a16="http://schemas.microsoft.com/office/drawing/2014/main" id="{B332A8EA-D448-488A-9C3E-94B2BEE2477C}"/>
+                  </a:ext>
+                </a:extLst>
+              </p:cNvPr>
+              <p:cNvCxnSpPr>
+                <a:cxnSpLocks/>
+                <a:stCxn id="49" idx="6"/>
+                <a:endCxn id="75" idx="2"/>
+              </p:cNvCxnSpPr>
+              <p:nvPr/>
+            </p:nvCxnSpPr>
+            <p:spPr>
+              <a:xfrm flipV="1">
+                <a:off x="8267940" y="1666576"/>
+                <a:ext cx="208373" cy="133220"/>
+              </a:xfrm>
+              <a:prstGeom prst="line">
+                <a:avLst/>
+              </a:prstGeom>
+            </p:spPr>
+            <p:style>
+              <a:lnRef idx="1">
+                <a:schemeClr val="dk1"/>
+              </a:lnRef>
+              <a:fillRef idx="2">
+                <a:schemeClr val="dk1"/>
+              </a:fillRef>
+              <a:effectRef idx="1">
+                <a:schemeClr val="dk1"/>
+              </a:effectRef>
+              <a:fontRef idx="minor">
+                <a:schemeClr val="dk1"/>
+              </a:fontRef>
+            </p:style>
+          </p:cxnSp>
+          <p:cxnSp>
+            <p:nvCxnSpPr>
+              <p:cNvPr id="79" name="直接连接符 78">
+                <a:extLst>
+                  <a:ext uri="{FF2B5EF4-FFF2-40B4-BE49-F238E27FC236}">
+                    <a16:creationId xmlns:a16="http://schemas.microsoft.com/office/drawing/2014/main" id="{641E4EE3-8569-4090-AC85-AA8DAEE55FE8}"/>
+                  </a:ext>
+                </a:extLst>
+              </p:cNvPr>
+              <p:cNvCxnSpPr>
+                <a:cxnSpLocks/>
+                <a:stCxn id="48" idx="6"/>
+                <a:endCxn id="75" idx="2"/>
+              </p:cNvCxnSpPr>
+              <p:nvPr/>
+            </p:nvCxnSpPr>
+            <p:spPr>
+              <a:xfrm>
+                <a:off x="8267940" y="1530966"/>
+                <a:ext cx="208373" cy="135610"/>
+              </a:xfrm>
+              <a:prstGeom prst="line">
+                <a:avLst/>
+              </a:prstGeom>
+            </p:spPr>
+            <p:style>
+              <a:lnRef idx="1">
+                <a:schemeClr val="dk1"/>
+              </a:lnRef>
+              <a:fillRef idx="2">
+                <a:schemeClr val="dk1"/>
+              </a:fillRef>
+              <a:effectRef idx="1">
+                <a:schemeClr val="dk1"/>
+              </a:effectRef>
+              <a:fontRef idx="minor">
+                <a:schemeClr val="dk1"/>
+              </a:fontRef>
+            </p:style>
+          </p:cxnSp>
+        </p:grpSp>
+        <p:grpSp>
+          <p:nvGrpSpPr>
+            <p:cNvPr id="4" name="组合 3">
+              <a:extLst>
+                <a:ext uri="{FF2B5EF4-FFF2-40B4-BE49-F238E27FC236}">
+                  <a16:creationId xmlns:a16="http://schemas.microsoft.com/office/drawing/2014/main" id="{7B0E9611-6E2E-4402-BE41-33F0618616CE}"/>
+                </a:ext>
+              </a:extLst>
+            </p:cNvPr>
+            <p:cNvGrpSpPr/>
+            <p:nvPr/>
+          </p:nvGrpSpPr>
+          <p:grpSpPr>
+            <a:xfrm>
+              <a:off x="3697686" y="3135367"/>
+              <a:ext cx="1395057" cy="807281"/>
+              <a:chOff x="3428337" y="4084320"/>
+              <a:chExt cx="1395057" cy="807281"/>
             </a:xfrm>
           </p:grpSpPr>
           <p:pic>
             <p:nvPicPr>
-              <p:cNvPr id="74" name="图片 73" descr="人工智能"/>
+              <p:cNvPr id="71" name="图片 70" descr="数据 (2)"/>
               <p:cNvPicPr>
                 <a:picLocks noChangeAspect="1"/>
               </p:cNvPicPr>
@@ -3026,8 +4365,8 @@
             </p:blipFill>
             <p:spPr>
               <a:xfrm>
-                <a:off x="7845281" y="3715581"/>
-                <a:ext cx="612000" cy="612000"/>
+                <a:off x="3753485" y="4084320"/>
+                <a:ext cx="720090" cy="720090"/>
               </a:xfrm>
               <a:prstGeom prst="rect">
                 <a:avLst/>
@@ -3036,14 +4375,14 @@
           </p:pic>
           <p:sp>
             <p:nvSpPr>
-              <p:cNvPr id="134" name="文本框 133"/>
+              <p:cNvPr id="113" name="文本框 112"/>
               <p:cNvSpPr txBox="1"/>
               <p:nvPr/>
             </p:nvSpPr>
             <p:spPr>
               <a:xfrm>
-                <a:off x="7581350" y="4230447"/>
-                <a:ext cx="1102955" cy="230832"/>
+                <a:off x="3428337" y="4660769"/>
+                <a:ext cx="1395057" cy="230832"/>
               </a:xfrm>
               <a:prstGeom prst="rect">
                 <a:avLst/>
@@ -3059,18 +4398,42 @@
                 <a:pPr algn="ctr"/>
                 <a:r>
                   <a:rPr lang="en-US" altLang="zh-CN" sz="900" b="1" dirty="0"/>
-                  <a:t>Global Model</a:t>
+                  <a:t>Poisoned Dataset</a:t>
                 </a:r>
               </a:p>
             </p:txBody>
           </p:sp>
+          <p:pic>
+            <p:nvPicPr>
+              <p:cNvPr id="73" name="图片 72" descr="病毒 (1)"/>
+              <p:cNvPicPr>
+                <a:picLocks noChangeAspect="1"/>
+              </p:cNvPicPr>
+              <p:nvPr/>
+            </p:nvPicPr>
+            <p:blipFill>
+              <a:blip r:embed="rId3"/>
+              <a:stretch>
+                <a:fillRect/>
+              </a:stretch>
+            </p:blipFill>
+            <p:spPr>
+              <a:xfrm>
+                <a:off x="4100125" y="4368609"/>
+                <a:ext cx="360045" cy="360045"/>
+              </a:xfrm>
+              <a:prstGeom prst="rect">
+                <a:avLst/>
+              </a:prstGeom>
+            </p:spPr>
+          </p:pic>
         </p:grpSp>
         <p:grpSp>
           <p:nvGrpSpPr>
-            <p:cNvPr id="118" name="组合 117">
+            <p:cNvPr id="2" name="组合 1">
               <a:extLst>
                 <a:ext uri="{FF2B5EF4-FFF2-40B4-BE49-F238E27FC236}">
-                  <a16:creationId xmlns:a16="http://schemas.microsoft.com/office/drawing/2014/main" id="{496155B3-8DC6-4700-AD45-CE0F9F47F906}"/>
+                  <a16:creationId xmlns:a16="http://schemas.microsoft.com/office/drawing/2014/main" id="{FE05EDA2-74CC-4A7A-A62E-140DA5E6EFA3}"/>
                 </a:ext>
               </a:extLst>
             </p:cNvPr>
@@ -3079,36 +4442,30 @@
           </p:nvGrpSpPr>
           <p:grpSpPr>
             <a:xfrm>
-              <a:off x="2968646" y="1966132"/>
-              <a:ext cx="945947" cy="825767"/>
-              <a:chOff x="6754915" y="2142173"/>
-              <a:chExt cx="945947" cy="825767"/>
+              <a:off x="2985661" y="3187300"/>
+              <a:ext cx="906113" cy="759152"/>
+              <a:chOff x="2055828" y="4084320"/>
+              <a:chExt cx="906113" cy="759152"/>
             </a:xfrm>
           </p:grpSpPr>
           <p:pic>
             <p:nvPicPr>
-              <p:cNvPr id="128" name="图片 127" descr="服务器 server rack">
-                <a:extLst>
-                  <a:ext uri="{FF2B5EF4-FFF2-40B4-BE49-F238E27FC236}">
-                    <a16:creationId xmlns:a16="http://schemas.microsoft.com/office/drawing/2014/main" id="{92421B17-9B36-45B9-9210-F77380C3691D}"/>
-                  </a:ext>
-                </a:extLst>
-              </p:cNvPr>
+              <p:cNvPr id="9" name="图片 8" descr="用户 (1)"/>
               <p:cNvPicPr>
                 <a:picLocks noChangeAspect="1"/>
               </p:cNvPicPr>
               <p:nvPr/>
             </p:nvPicPr>
             <p:blipFill>
-              <a:blip r:embed="rId3"/>
+              <a:blip r:embed="rId4"/>
               <a:stretch>
                 <a:fillRect/>
               </a:stretch>
             </p:blipFill>
             <p:spPr>
-              <a:xfrm>
-                <a:off x="6867843" y="2142173"/>
-                <a:ext cx="720090" cy="720090"/>
+              <a:xfrm flipH="1">
+                <a:off x="2141220" y="4084320"/>
+                <a:ext cx="735330" cy="720090"/>
               </a:xfrm>
               <a:prstGeom prst="rect">
                 <a:avLst/>
@@ -3117,10 +4474,10 @@
           </p:pic>
           <p:sp>
             <p:nvSpPr>
-              <p:cNvPr id="129" name="文本框 128">
-                <a:extLst>
-                  <a:ext uri="{FF2B5EF4-FFF2-40B4-BE49-F238E27FC236}">
-                    <a16:creationId xmlns:a16="http://schemas.microsoft.com/office/drawing/2014/main" id="{9F8611C7-E079-4458-BA20-EE0FA4F53D4B}"/>
+              <p:cNvPr id="93" name="文本框 92">
+                <a:extLst>
+                  <a:ext uri="{FF2B5EF4-FFF2-40B4-BE49-F238E27FC236}">
+                    <a16:creationId xmlns:a16="http://schemas.microsoft.com/office/drawing/2014/main" id="{6A624DD8-361E-4F1C-AC7B-B4A620C8D8B9}"/>
                   </a:ext>
                 </a:extLst>
               </p:cNvPr>
@@ -3129,8 +4486,8 @@
             </p:nvSpPr>
             <p:spPr>
               <a:xfrm>
-                <a:off x="6754915" y="2737108"/>
-                <a:ext cx="945947" cy="230832"/>
+                <a:off x="2055828" y="4612640"/>
+                <a:ext cx="906113" cy="230832"/>
               </a:xfrm>
               <a:prstGeom prst="rect">
                 <a:avLst/>
@@ -3146,7 +4503,7 @@
                 <a:pPr algn="ctr"/>
                 <a:r>
                   <a:rPr lang="en-US" altLang="zh-CN" sz="900" b="1" i="1" dirty="0"/>
-                  <a:t>FL Server</a:t>
+                  <a:t>FL Client</a:t>
                 </a:r>
               </a:p>
             </p:txBody>
@@ -3154,10 +4511,10 @@
         </p:grpSp>
         <p:grpSp>
           <p:nvGrpSpPr>
-            <p:cNvPr id="30" name="组合 29">
+            <p:cNvPr id="21" name="组合 20">
               <a:extLst>
                 <a:ext uri="{FF2B5EF4-FFF2-40B4-BE49-F238E27FC236}">
-                  <a16:creationId xmlns:a16="http://schemas.microsoft.com/office/drawing/2014/main" id="{DE44E831-F5C8-4B2F-82C7-92DD881C6B8C}"/>
+                  <a16:creationId xmlns:a16="http://schemas.microsoft.com/office/drawing/2014/main" id="{02A24C02-63F3-4474-92E8-44B507AD397C}"/>
                 </a:ext>
               </a:extLst>
             </p:cNvPr>
@@ -3166,48 +4523,18 @@
           </p:nvGrpSpPr>
           <p:grpSpPr>
             <a:xfrm>
-              <a:off x="5029329" y="2236064"/>
-              <a:ext cx="1240986" cy="774896"/>
-              <a:chOff x="6264427" y="2510771"/>
-              <a:chExt cx="1240986" cy="774896"/>
+              <a:off x="4991975" y="3439069"/>
+              <a:ext cx="1273908" cy="503784"/>
+              <a:chOff x="2140217" y="4096360"/>
+              <a:chExt cx="1273908" cy="503784"/>
             </a:xfrm>
           </p:grpSpPr>
-          <p:pic>
-            <p:nvPicPr>
-              <p:cNvPr id="132" name="图片 131" descr="数据下降">
-                <a:extLst>
-                  <a:ext uri="{FF2B5EF4-FFF2-40B4-BE49-F238E27FC236}">
-                    <a16:creationId xmlns:a16="http://schemas.microsoft.com/office/drawing/2014/main" id="{8B2A225B-4C65-40FD-BF00-8F077F4BFF5F}"/>
-                  </a:ext>
-                </a:extLst>
-              </p:cNvPr>
-              <p:cNvPicPr>
-                <a:picLocks noChangeAspect="1"/>
-              </p:cNvPicPr>
-              <p:nvPr/>
-            </p:nvPicPr>
-            <p:blipFill>
-              <a:blip r:embed="rId4"/>
-              <a:stretch>
-                <a:fillRect/>
-              </a:stretch>
-            </p:blipFill>
-            <p:spPr>
-              <a:xfrm>
-                <a:off x="6524920" y="2510771"/>
-                <a:ext cx="720000" cy="648000"/>
-              </a:xfrm>
-              <a:prstGeom prst="rect">
-                <a:avLst/>
-              </a:prstGeom>
-            </p:spPr>
-          </p:pic>
           <p:sp>
             <p:nvSpPr>
-              <p:cNvPr id="135" name="文本框 134">
-                <a:extLst>
-                  <a:ext uri="{FF2B5EF4-FFF2-40B4-BE49-F238E27FC236}">
-                    <a16:creationId xmlns:a16="http://schemas.microsoft.com/office/drawing/2014/main" id="{EE0E68E3-377D-4AB8-B5B3-E8AEF4200171}"/>
+              <p:cNvPr id="104" name="文本框 103">
+                <a:extLst>
+                  <a:ext uri="{FF2B5EF4-FFF2-40B4-BE49-F238E27FC236}">
+                    <a16:creationId xmlns:a16="http://schemas.microsoft.com/office/drawing/2014/main" id="{EC2AC9C0-33F3-4643-86C1-311B95D12101}"/>
                   </a:ext>
                 </a:extLst>
               </p:cNvPr>
@@ -3216,8 +4543,8 @@
             </p:nvSpPr>
             <p:spPr>
               <a:xfrm>
-                <a:off x="6264427" y="3054835"/>
-                <a:ext cx="1240986" cy="230832"/>
+                <a:off x="2140217" y="4369312"/>
+                <a:ext cx="1273908" cy="230832"/>
               </a:xfrm>
               <a:prstGeom prst="rect">
                 <a:avLst/>
@@ -3233,245 +4560,17 @@
                 <a:pPr algn="ctr"/>
                 <a:r>
                   <a:rPr lang="en-US" altLang="zh-CN" sz="900" b="1" dirty="0"/>
-                  <a:t>Gradient Update</a:t>
-                </a:r>
-              </a:p>
-            </p:txBody>
-          </p:sp>
-        </p:grpSp>
-        <p:grpSp>
-          <p:nvGrpSpPr>
-            <p:cNvPr id="7" name="Group 6">
-              <a:extLst>
-                <a:ext uri="{FF2B5EF4-FFF2-40B4-BE49-F238E27FC236}">
-                  <a16:creationId xmlns:a16="http://schemas.microsoft.com/office/drawing/2014/main" id="{B898E3B4-B2F3-4DAC-9225-10A9E6777121}"/>
-                </a:ext>
-              </a:extLst>
-            </p:cNvPr>
-            <p:cNvGrpSpPr/>
-            <p:nvPr/>
-          </p:nvGrpSpPr>
-          <p:grpSpPr>
-            <a:xfrm>
-              <a:off x="4109748" y="1794773"/>
-              <a:ext cx="1841514" cy="550802"/>
-              <a:chOff x="3346766" y="3392131"/>
-              <a:chExt cx="1841514" cy="550802"/>
-            </a:xfrm>
-          </p:grpSpPr>
-          <p:grpSp>
-            <p:nvGrpSpPr>
-              <p:cNvPr id="87" name="组合 86">
-                <a:extLst>
-                  <a:ext uri="{FF2B5EF4-FFF2-40B4-BE49-F238E27FC236}">
-                    <a16:creationId xmlns:a16="http://schemas.microsoft.com/office/drawing/2014/main" id="{0AECDB6A-3DBE-4ECC-9FB5-039A8A98186C}"/>
-                  </a:ext>
-                </a:extLst>
-              </p:cNvPr>
-              <p:cNvGrpSpPr/>
-              <p:nvPr/>
-            </p:nvGrpSpPr>
-            <p:grpSpPr>
-              <a:xfrm>
-                <a:off x="3346766" y="3392131"/>
-                <a:ext cx="1841514" cy="550802"/>
-                <a:chOff x="3557848" y="854964"/>
-                <a:chExt cx="1841514" cy="550802"/>
-              </a:xfrm>
-            </p:grpSpPr>
-            <p:sp>
-              <p:nvSpPr>
-                <p:cNvPr id="141" name="云形 140">
-                  <a:extLst>
-                    <a:ext uri="{FF2B5EF4-FFF2-40B4-BE49-F238E27FC236}">
-                      <a16:creationId xmlns:a16="http://schemas.microsoft.com/office/drawing/2014/main" id="{2368CAF7-C8C4-43F5-A84D-515135ACF451}"/>
-                    </a:ext>
-                  </a:extLst>
-                </p:cNvPr>
-                <p:cNvSpPr/>
-                <p:nvPr/>
-              </p:nvSpPr>
-              <p:spPr>
-                <a:xfrm>
-                  <a:off x="3557848" y="854964"/>
-                  <a:ext cx="1841514" cy="550802"/>
-                </a:xfrm>
-                <a:prstGeom prst="cloud">
-                  <a:avLst/>
-                </a:prstGeom>
-                <a:solidFill>
-                  <a:schemeClr val="accent1">
-                    <a:lumMod val="20000"/>
-                    <a:lumOff val="80000"/>
-                  </a:schemeClr>
-                </a:solidFill>
-                <a:ln>
-                  <a:noFill/>
-                </a:ln>
-              </p:spPr>
-              <p:style>
-                <a:lnRef idx="2">
-                  <a:schemeClr val="accent6"/>
-                </a:lnRef>
-                <a:fillRef idx="1">
-                  <a:schemeClr val="lt1"/>
-                </a:fillRef>
-                <a:effectRef idx="0">
-                  <a:schemeClr val="accent6"/>
-                </a:effectRef>
-                <a:fontRef idx="minor">
-                  <a:schemeClr val="dk1"/>
-                </a:fontRef>
-              </p:style>
-              <p:txBody>
-                <a:bodyPr rtlCol="0" anchor="ctr"/>
-                <a:lstStyle/>
-                <a:p>
-                  <a:pPr algn="ctr"/>
-                  <a:endParaRPr lang="zh-CN" altLang="en-US" sz="900"/>
-                </a:p>
-              </p:txBody>
-            </p:sp>
-            <p:pic>
-              <p:nvPicPr>
-                <p:cNvPr id="142" name="图片 141" descr="数据下降">
-                  <a:extLst>
-                    <a:ext uri="{FF2B5EF4-FFF2-40B4-BE49-F238E27FC236}">
-                      <a16:creationId xmlns:a16="http://schemas.microsoft.com/office/drawing/2014/main" id="{EE899CDA-935B-4393-9F10-4F3C7628CB53}"/>
-                    </a:ext>
-                  </a:extLst>
-                </p:cNvPr>
-                <p:cNvPicPr>
-                  <a:picLocks noChangeAspect="1"/>
-                </p:cNvPicPr>
-                <p:nvPr/>
-              </p:nvPicPr>
-              <p:blipFill>
-                <a:blip r:embed="rId4"/>
-                <a:stretch>
-                  <a:fillRect/>
-                </a:stretch>
-              </p:blipFill>
-              <p:spPr>
-                <a:xfrm>
-                  <a:off x="3703216" y="891498"/>
-                  <a:ext cx="400000" cy="360000"/>
-                </a:xfrm>
-                <a:prstGeom prst="rect">
-                  <a:avLst/>
-                </a:prstGeom>
-              </p:spPr>
-            </p:pic>
-            <p:pic>
-              <p:nvPicPr>
-                <p:cNvPr id="145" name="图片 144" descr="数据下降">
-                  <a:extLst>
-                    <a:ext uri="{FF2B5EF4-FFF2-40B4-BE49-F238E27FC236}">
-                      <a16:creationId xmlns:a16="http://schemas.microsoft.com/office/drawing/2014/main" id="{4BADF3FA-EA50-4CFA-8802-78D152C251EB}"/>
-                    </a:ext>
-                  </a:extLst>
-                </p:cNvPr>
-                <p:cNvPicPr>
-                  <a:picLocks noChangeAspect="1"/>
-                </p:cNvPicPr>
-                <p:nvPr/>
-              </p:nvPicPr>
-              <p:blipFill>
-                <a:blip r:embed="rId4"/>
-                <a:stretch>
-                  <a:fillRect/>
-                </a:stretch>
-              </p:blipFill>
-              <p:spPr>
-                <a:xfrm>
-                  <a:off x="4808246" y="883860"/>
-                  <a:ext cx="400000" cy="360000"/>
-                </a:xfrm>
-                <a:prstGeom prst="rect">
-                  <a:avLst/>
-                </a:prstGeom>
-              </p:spPr>
-            </p:pic>
-            <p:sp>
-              <p:nvSpPr>
-                <p:cNvPr id="146" name="文本框 145">
-                  <a:extLst>
-                    <a:ext uri="{FF2B5EF4-FFF2-40B4-BE49-F238E27FC236}">
-                      <a16:creationId xmlns:a16="http://schemas.microsoft.com/office/drawing/2014/main" id="{F2CCE7BF-655D-472F-ABEF-C26CEB8074CA}"/>
-                    </a:ext>
-                  </a:extLst>
-                </p:cNvPr>
-                <p:cNvSpPr txBox="1"/>
-                <p:nvPr/>
-              </p:nvSpPr>
-              <p:spPr>
-                <a:xfrm>
-                  <a:off x="4013401" y="997355"/>
-                  <a:ext cx="420478" cy="230832"/>
-                </a:xfrm>
-                <a:prstGeom prst="rect">
-                  <a:avLst/>
-                </a:prstGeom>
-                <a:noFill/>
-              </p:spPr>
-              <p:txBody>
-                <a:bodyPr wrap="square" rtlCol="0">
-                  <a:spAutoFit/>
-                </a:bodyPr>
-                <a:lstStyle/>
-                <a:p>
-                  <a:pPr algn="ctr"/>
-                  <a:r>
-                    <a:rPr lang="en-US" altLang="zh-CN" sz="900" b="1" dirty="0"/>
-                    <a:t>+…+</a:t>
-                  </a:r>
-                  <a:endParaRPr lang="zh-CN" altLang="en-US" sz="900" b="1" dirty="0"/>
-                </a:p>
-              </p:txBody>
-            </p:sp>
-          </p:grpSp>
-          <p:sp>
-            <p:nvSpPr>
-              <p:cNvPr id="149" name="文本框 148">
-                <a:extLst>
-                  <a:ext uri="{FF2B5EF4-FFF2-40B4-BE49-F238E27FC236}">
-                    <a16:creationId xmlns:a16="http://schemas.microsoft.com/office/drawing/2014/main" id="{4C4CDFE3-D9B1-488F-AFA9-67CA387B2420}"/>
-                  </a:ext>
-                </a:extLst>
-              </p:cNvPr>
-              <p:cNvSpPr txBox="1"/>
-              <p:nvPr/>
-            </p:nvSpPr>
-            <p:spPr>
-              <a:xfrm>
-                <a:off x="3504462" y="3675435"/>
-                <a:ext cx="1641374" cy="230832"/>
-              </a:xfrm>
-              <a:prstGeom prst="rect">
-                <a:avLst/>
-              </a:prstGeom>
-              <a:noFill/>
-            </p:spPr>
-            <p:txBody>
-              <a:bodyPr wrap="square" rtlCol="0">
-                <a:spAutoFit/>
-              </a:bodyPr>
-              <a:lstStyle/>
-              <a:p>
-                <a:pPr algn="ctr"/>
-                <a:r>
-                  <a:rPr lang="en-US" altLang="zh-CN" sz="900" b="1" dirty="0"/>
-                  <a:t>Aggregation Process</a:t>
+                  <a:t>Poisoned Model</a:t>
                 </a:r>
               </a:p>
             </p:txBody>
           </p:sp>
           <p:pic>
             <p:nvPicPr>
-              <p:cNvPr id="3" name="图片 144" descr="数据下降">
-                <a:extLst>
-                  <a:ext uri="{FF2B5EF4-FFF2-40B4-BE49-F238E27FC236}">
-                    <a16:creationId xmlns:a16="http://schemas.microsoft.com/office/drawing/2014/main" id="{25510D89-FE22-4EDE-973D-8D8E6AC4024D}"/>
+              <p:cNvPr id="105" name="图片 104" descr="病毒 (1)">
+                <a:extLst>
+                  <a:ext uri="{FF2B5EF4-FFF2-40B4-BE49-F238E27FC236}">
+                    <a16:creationId xmlns:a16="http://schemas.microsoft.com/office/drawing/2014/main" id="{21291630-BAC6-41A8-95E5-B4230B1A2EF6}"/>
                   </a:ext>
                 </a:extLst>
               </p:cNvPr>
@@ -3481,606 +4580,64 @@
               <p:nvPr/>
             </p:nvPicPr>
             <p:blipFill>
-              <a:blip r:embed="rId4"/>
+              <a:blip r:embed="rId3"/>
               <a:stretch>
                 <a:fillRect/>
               </a:stretch>
             </p:blipFill>
             <p:spPr>
               <a:xfrm>
-                <a:off x="4126620" y="3425039"/>
-                <a:ext cx="400000" cy="360000"/>
+                <a:off x="2821767" y="4096360"/>
+                <a:ext cx="360045" cy="360045"/>
               </a:xfrm>
               <a:prstGeom prst="rect">
                 <a:avLst/>
               </a:prstGeom>
             </p:spPr>
           </p:pic>
-          <p:sp>
-            <p:nvSpPr>
-              <p:cNvPr id="5" name="文本框 145">
-                <a:extLst>
-                  <a:ext uri="{FF2B5EF4-FFF2-40B4-BE49-F238E27FC236}">
-                    <a16:creationId xmlns:a16="http://schemas.microsoft.com/office/drawing/2014/main" id="{DD5DEA71-D48B-4CC4-8658-F60415C4247D}"/>
-                  </a:ext>
-                </a:extLst>
-              </p:cNvPr>
-              <p:cNvSpPr txBox="1"/>
-              <p:nvPr/>
-            </p:nvSpPr>
-            <p:spPr>
-              <a:xfrm>
-                <a:off x="4406048" y="3534521"/>
-                <a:ext cx="266509" cy="230832"/>
-              </a:xfrm>
-              <a:prstGeom prst="rect">
-                <a:avLst/>
-              </a:prstGeom>
-              <a:noFill/>
-            </p:spPr>
-            <p:txBody>
-              <a:bodyPr wrap="square" rtlCol="0">
-                <a:spAutoFit/>
-              </a:bodyPr>
-              <a:lstStyle/>
-              <a:p>
-                <a:pPr algn="ctr"/>
-                <a:r>
-                  <a:rPr lang="en-US" altLang="zh-CN" sz="900" b="1" dirty="0"/>
-                  <a:t>+</a:t>
-                </a:r>
-                <a:endParaRPr lang="zh-CN" altLang="en-US" sz="900" b="1" dirty="0"/>
-              </a:p>
-            </p:txBody>
-          </p:sp>
         </p:grpSp>
         <p:cxnSp>
           <p:nvCxnSpPr>
-            <p:cNvPr id="25" name="Connector: Curved 24">
+            <p:cNvPr id="18" name="直接箭头连接符 157">
               <a:extLst>
                 <a:ext uri="{FF2B5EF4-FFF2-40B4-BE49-F238E27FC236}">
-                  <a16:creationId xmlns:a16="http://schemas.microsoft.com/office/drawing/2014/main" id="{3FEFF79F-9F25-46D4-8BF3-592F0BC193A8}"/>
+                  <a16:creationId xmlns:a16="http://schemas.microsoft.com/office/drawing/2014/main" id="{C058DD50-AE19-4B33-890F-3EEEF07F328B}"/>
                 </a:ext>
               </a:extLst>
             </p:cNvPr>
             <p:cNvCxnSpPr>
               <a:cxnSpLocks/>
-              <a:stCxn id="132" idx="3"/>
-              <a:endCxn id="141" idx="0"/>
+              <a:stCxn id="71" idx="3"/>
             </p:cNvCxnSpPr>
             <p:nvPr/>
           </p:nvCxnSpPr>
           <p:spPr>
-            <a:xfrm flipH="1" flipV="1">
-              <a:off x="5949727" y="2070174"/>
-              <a:ext cx="60095" cy="489890"/>
+            <a:xfrm flipV="1">
+              <a:off x="4742924" y="3493300"/>
+              <a:ext cx="597366" cy="2112"/>
             </a:xfrm>
-            <a:prstGeom prst="curvedConnector3">
-              <a:avLst>
-                <a:gd name="adj1" fmla="val -380398"/>
-              </a:avLst>
+            <a:prstGeom prst="straightConnector1">
+              <a:avLst/>
             </a:prstGeom>
-            <a:ln w="19050">
-              <a:solidFill>
-                <a:schemeClr val="tx1"/>
-              </a:solidFill>
+            <a:ln>
               <a:tailEnd type="triangle"/>
             </a:ln>
           </p:spPr>
           <p:style>
-            <a:lnRef idx="1">
-              <a:schemeClr val="accent1"/>
+            <a:lnRef idx="3">
+              <a:schemeClr val="dk1"/>
             </a:lnRef>
             <a:fillRef idx="0">
-              <a:schemeClr val="accent1"/>
+              <a:schemeClr val="dk1"/>
             </a:fillRef>
-            <a:effectRef idx="0">
-              <a:schemeClr val="accent1"/>
+            <a:effectRef idx="2">
+              <a:schemeClr val="dk1"/>
             </a:effectRef>
             <a:fontRef idx="minor">
               <a:schemeClr val="tx1"/>
             </a:fontRef>
           </p:style>
         </p:cxnSp>
-        <p:cxnSp>
-          <p:nvCxnSpPr>
-            <p:cNvPr id="29" name="Connector: Curved 28">
-              <a:extLst>
-                <a:ext uri="{FF2B5EF4-FFF2-40B4-BE49-F238E27FC236}">
-                  <a16:creationId xmlns:a16="http://schemas.microsoft.com/office/drawing/2014/main" id="{3BCF2BA8-63FF-4072-95FD-8BE15C8F1582}"/>
-                </a:ext>
-              </a:extLst>
-            </p:cNvPr>
-            <p:cNvCxnSpPr>
-              <a:cxnSpLocks/>
-              <a:stCxn id="141" idx="2"/>
-              <a:endCxn id="74" idx="1"/>
-            </p:cNvCxnSpPr>
-            <p:nvPr/>
-          </p:nvCxnSpPr>
-          <p:spPr>
-            <a:xfrm rot="10800000" flipV="1">
-              <a:off x="4097844" y="2070174"/>
-              <a:ext cx="17616" cy="505756"/>
-            </a:xfrm>
-            <a:prstGeom prst="curvedConnector3">
-              <a:avLst>
-                <a:gd name="adj1" fmla="val 1397684"/>
-              </a:avLst>
-            </a:prstGeom>
-            <a:ln w="19050">
-              <a:solidFill>
-                <a:schemeClr val="tx1"/>
-              </a:solidFill>
-              <a:tailEnd type="triangle"/>
-            </a:ln>
-          </p:spPr>
-          <p:style>
-            <a:lnRef idx="1">
-              <a:schemeClr val="accent1"/>
-            </a:lnRef>
-            <a:fillRef idx="0">
-              <a:schemeClr val="accent1"/>
-            </a:fillRef>
-            <a:effectRef idx="0">
-              <a:schemeClr val="accent1"/>
-            </a:effectRef>
-            <a:fontRef idx="minor">
-              <a:schemeClr val="tx1"/>
-            </a:fontRef>
-          </p:style>
-        </p:cxnSp>
-        <p:sp>
-          <p:nvSpPr>
-            <p:cNvPr id="35" name="Rectangle 34">
-              <a:extLst>
-                <a:ext uri="{FF2B5EF4-FFF2-40B4-BE49-F238E27FC236}">
-                  <a16:creationId xmlns:a16="http://schemas.microsoft.com/office/drawing/2014/main" id="{E19D297B-B578-4636-A547-CFAFB39AC86D}"/>
-                </a:ext>
-              </a:extLst>
-            </p:cNvPr>
-            <p:cNvSpPr/>
-            <p:nvPr/>
-          </p:nvSpPr>
-          <p:spPr>
-            <a:xfrm>
-              <a:off x="3801664" y="1794773"/>
-              <a:ext cx="2465375" cy="1248513"/>
-            </a:xfrm>
-            <a:prstGeom prst="rect">
-              <a:avLst/>
-            </a:prstGeom>
-            <a:noFill/>
-            <a:ln w="19050">
-              <a:prstDash val="dash"/>
-            </a:ln>
-          </p:spPr>
-          <p:style>
-            <a:lnRef idx="2">
-              <a:schemeClr val="accent1"/>
-            </a:lnRef>
-            <a:fillRef idx="1">
-              <a:schemeClr val="lt1"/>
-            </a:fillRef>
-            <a:effectRef idx="0">
-              <a:schemeClr val="accent1"/>
-            </a:effectRef>
-            <a:fontRef idx="minor">
-              <a:schemeClr val="dk1"/>
-            </a:fontRef>
-          </p:style>
-          <p:txBody>
-            <a:bodyPr rtlCol="0" anchor="ctr"/>
-            <a:lstStyle/>
-            <a:p>
-              <a:pPr algn="ctr"/>
-              <a:endParaRPr lang="en-US" sz="900"/>
-            </a:p>
-          </p:txBody>
-        </p:sp>
-      </p:grpSp>
-      <p:grpSp>
-        <p:nvGrpSpPr>
-          <p:cNvPr id="10" name="组合 9">
-            <a:extLst>
-              <a:ext uri="{FF2B5EF4-FFF2-40B4-BE49-F238E27FC236}">
-                <a16:creationId xmlns:a16="http://schemas.microsoft.com/office/drawing/2014/main" id="{B280E09E-9E4A-45B1-B116-A16F06086474}"/>
-              </a:ext>
-            </a:extLst>
-          </p:cNvPr>
-          <p:cNvGrpSpPr/>
-          <p:nvPr/>
-        </p:nvGrpSpPr>
-        <p:grpSpPr>
-          <a:xfrm>
-            <a:off x="2986817" y="3130264"/>
-            <a:ext cx="3280222" cy="811085"/>
-            <a:chOff x="2988005" y="3264119"/>
-            <a:chExt cx="3280222" cy="811085"/>
-          </a:xfrm>
-        </p:grpSpPr>
-        <p:grpSp>
-          <p:nvGrpSpPr>
-            <p:cNvPr id="34" name="Group 33">
-              <a:extLst>
-                <a:ext uri="{FF2B5EF4-FFF2-40B4-BE49-F238E27FC236}">
-                  <a16:creationId xmlns:a16="http://schemas.microsoft.com/office/drawing/2014/main" id="{203D71ED-FDF7-4749-8695-7073D8BB0658}"/>
-                </a:ext>
-              </a:extLst>
-            </p:cNvPr>
-            <p:cNvGrpSpPr/>
-            <p:nvPr/>
-          </p:nvGrpSpPr>
-          <p:grpSpPr>
-            <a:xfrm>
-              <a:off x="2988005" y="3264119"/>
-              <a:ext cx="3280222" cy="811085"/>
-              <a:chOff x="2221651" y="5129621"/>
-              <a:chExt cx="3280222" cy="811085"/>
-            </a:xfrm>
-          </p:grpSpPr>
-          <p:grpSp>
-            <p:nvGrpSpPr>
-              <p:cNvPr id="4" name="组合 3">
-                <a:extLst>
-                  <a:ext uri="{FF2B5EF4-FFF2-40B4-BE49-F238E27FC236}">
-                    <a16:creationId xmlns:a16="http://schemas.microsoft.com/office/drawing/2014/main" id="{7B0E9611-6E2E-4402-BE41-33F0618616CE}"/>
-                  </a:ext>
-                </a:extLst>
-              </p:cNvPr>
-              <p:cNvGrpSpPr/>
-              <p:nvPr/>
-            </p:nvGrpSpPr>
-            <p:grpSpPr>
-              <a:xfrm>
-                <a:off x="2933676" y="5129621"/>
-                <a:ext cx="1395057" cy="807281"/>
-                <a:chOff x="3428337" y="4084320"/>
-                <a:chExt cx="1395057" cy="807281"/>
-              </a:xfrm>
-            </p:grpSpPr>
-            <p:pic>
-              <p:nvPicPr>
-                <p:cNvPr id="71" name="图片 70" descr="数据 (2)"/>
-                <p:cNvPicPr>
-                  <a:picLocks noChangeAspect="1"/>
-                </p:cNvPicPr>
-                <p:nvPr/>
-              </p:nvPicPr>
-              <p:blipFill>
-                <a:blip r:embed="rId5"/>
-                <a:stretch>
-                  <a:fillRect/>
-                </a:stretch>
-              </p:blipFill>
-              <p:spPr>
-                <a:xfrm>
-                  <a:off x="3753485" y="4084320"/>
-                  <a:ext cx="720090" cy="720090"/>
-                </a:xfrm>
-                <a:prstGeom prst="rect">
-                  <a:avLst/>
-                </a:prstGeom>
-              </p:spPr>
-            </p:pic>
-            <p:sp>
-              <p:nvSpPr>
-                <p:cNvPr id="113" name="文本框 112"/>
-                <p:cNvSpPr txBox="1"/>
-                <p:nvPr/>
-              </p:nvSpPr>
-              <p:spPr>
-                <a:xfrm>
-                  <a:off x="3428337" y="4660769"/>
-                  <a:ext cx="1395057" cy="230832"/>
-                </a:xfrm>
-                <a:prstGeom prst="rect">
-                  <a:avLst/>
-                </a:prstGeom>
-                <a:noFill/>
-              </p:spPr>
-              <p:txBody>
-                <a:bodyPr wrap="square" rtlCol="0">
-                  <a:spAutoFit/>
-                </a:bodyPr>
-                <a:lstStyle/>
-                <a:p>
-                  <a:pPr algn="ctr"/>
-                  <a:r>
-                    <a:rPr lang="en-US" altLang="zh-CN" sz="900" b="1" dirty="0"/>
-                    <a:t>Poisoned Dataset</a:t>
-                  </a:r>
-                </a:p>
-              </p:txBody>
-            </p:sp>
-            <p:pic>
-              <p:nvPicPr>
-                <p:cNvPr id="73" name="图片 72" descr="病毒 (1)"/>
-                <p:cNvPicPr>
-                  <a:picLocks noChangeAspect="1"/>
-                </p:cNvPicPr>
-                <p:nvPr/>
-              </p:nvPicPr>
-              <p:blipFill>
-                <a:blip r:embed="rId6"/>
-                <a:stretch>
-                  <a:fillRect/>
-                </a:stretch>
-              </p:blipFill>
-              <p:spPr>
-                <a:xfrm>
-                  <a:off x="4100125" y="4368609"/>
-                  <a:ext cx="360045" cy="360045"/>
-                </a:xfrm>
-                <a:prstGeom prst="rect">
-                  <a:avLst/>
-                </a:prstGeom>
-              </p:spPr>
-            </p:pic>
-          </p:grpSp>
-          <p:grpSp>
-            <p:nvGrpSpPr>
-              <p:cNvPr id="2" name="组合 1">
-                <a:extLst>
-                  <a:ext uri="{FF2B5EF4-FFF2-40B4-BE49-F238E27FC236}">
-                    <a16:creationId xmlns:a16="http://schemas.microsoft.com/office/drawing/2014/main" id="{FE05EDA2-74CC-4A7A-A62E-140DA5E6EFA3}"/>
-                  </a:ext>
-                </a:extLst>
-              </p:cNvPr>
-              <p:cNvGrpSpPr/>
-              <p:nvPr/>
-            </p:nvGrpSpPr>
-            <p:grpSpPr>
-              <a:xfrm>
-                <a:off x="2221651" y="5181554"/>
-                <a:ext cx="906113" cy="759152"/>
-                <a:chOff x="2055828" y="4084320"/>
-                <a:chExt cx="906113" cy="759152"/>
-              </a:xfrm>
-            </p:grpSpPr>
-            <p:pic>
-              <p:nvPicPr>
-                <p:cNvPr id="9" name="图片 8" descr="用户 (1)"/>
-                <p:cNvPicPr>
-                  <a:picLocks noChangeAspect="1"/>
-                </p:cNvPicPr>
-                <p:nvPr/>
-              </p:nvPicPr>
-              <p:blipFill>
-                <a:blip r:embed="rId7"/>
-                <a:stretch>
-                  <a:fillRect/>
-                </a:stretch>
-              </p:blipFill>
-              <p:spPr>
-                <a:xfrm flipH="1">
-                  <a:off x="2141220" y="4084320"/>
-                  <a:ext cx="735330" cy="720090"/>
-                </a:xfrm>
-                <a:prstGeom prst="rect">
-                  <a:avLst/>
-                </a:prstGeom>
-              </p:spPr>
-            </p:pic>
-            <p:sp>
-              <p:nvSpPr>
-                <p:cNvPr id="93" name="文本框 92">
-                  <a:extLst>
-                    <a:ext uri="{FF2B5EF4-FFF2-40B4-BE49-F238E27FC236}">
-                      <a16:creationId xmlns:a16="http://schemas.microsoft.com/office/drawing/2014/main" id="{6A624DD8-361E-4F1C-AC7B-B4A620C8D8B9}"/>
-                    </a:ext>
-                  </a:extLst>
-                </p:cNvPr>
-                <p:cNvSpPr txBox="1"/>
-                <p:nvPr/>
-              </p:nvSpPr>
-              <p:spPr>
-                <a:xfrm>
-                  <a:off x="2055828" y="4612640"/>
-                  <a:ext cx="906113" cy="230832"/>
-                </a:xfrm>
-                <a:prstGeom prst="rect">
-                  <a:avLst/>
-                </a:prstGeom>
-                <a:noFill/>
-              </p:spPr>
-              <p:txBody>
-                <a:bodyPr wrap="square" rtlCol="0">
-                  <a:spAutoFit/>
-                </a:bodyPr>
-                <a:lstStyle/>
-                <a:p>
-                  <a:pPr algn="ctr"/>
-                  <a:r>
-                    <a:rPr lang="en-US" altLang="zh-CN" sz="900" b="1" i="1" dirty="0"/>
-                    <a:t>FL Client</a:t>
-                  </a:r>
-                </a:p>
-              </p:txBody>
-            </p:sp>
-          </p:grpSp>
-          <p:grpSp>
-            <p:nvGrpSpPr>
-              <p:cNvPr id="21" name="组合 20">
-                <a:extLst>
-                  <a:ext uri="{FF2B5EF4-FFF2-40B4-BE49-F238E27FC236}">
-                    <a16:creationId xmlns:a16="http://schemas.microsoft.com/office/drawing/2014/main" id="{02A24C02-63F3-4474-92E8-44B507AD397C}"/>
-                  </a:ext>
-                </a:extLst>
-              </p:cNvPr>
-              <p:cNvGrpSpPr/>
-              <p:nvPr/>
-            </p:nvGrpSpPr>
-            <p:grpSpPr>
-              <a:xfrm>
-                <a:off x="4227965" y="5181554"/>
-                <a:ext cx="1273908" cy="755553"/>
-                <a:chOff x="2140217" y="3844591"/>
-                <a:chExt cx="1273908" cy="755553"/>
-              </a:xfrm>
-            </p:grpSpPr>
-            <p:grpSp>
-              <p:nvGrpSpPr>
-                <p:cNvPr id="102" name="组合 101">
-                  <a:extLst>
-                    <a:ext uri="{FF2B5EF4-FFF2-40B4-BE49-F238E27FC236}">
-                      <a16:creationId xmlns:a16="http://schemas.microsoft.com/office/drawing/2014/main" id="{C58481CD-A263-41FC-A97C-15C1CE00BDF6}"/>
-                    </a:ext>
-                  </a:extLst>
-                </p:cNvPr>
-                <p:cNvGrpSpPr/>
-                <p:nvPr/>
-              </p:nvGrpSpPr>
-              <p:grpSpPr>
-                <a:xfrm>
-                  <a:off x="2140217" y="3844591"/>
-                  <a:ext cx="1273908" cy="755553"/>
-                  <a:chOff x="7302666" y="3737852"/>
-                  <a:chExt cx="1273908" cy="755553"/>
-                </a:xfrm>
-              </p:grpSpPr>
-              <p:pic>
-                <p:nvPicPr>
-                  <p:cNvPr id="103" name="图片 102" descr="人工智能">
-                    <a:extLst>
-                      <a:ext uri="{FF2B5EF4-FFF2-40B4-BE49-F238E27FC236}">
-                        <a16:creationId xmlns:a16="http://schemas.microsoft.com/office/drawing/2014/main" id="{44FE7E78-0388-4E2B-AA03-4C5C9F0E7B3C}"/>
-                      </a:ext>
-                    </a:extLst>
-                  </p:cNvPr>
-                  <p:cNvPicPr>
-                    <a:picLocks noChangeAspect="1"/>
-                  </p:cNvPicPr>
-                  <p:nvPr/>
-                </p:nvPicPr>
-                <p:blipFill>
-                  <a:blip r:embed="rId2"/>
-                  <a:stretch>
-                    <a:fillRect/>
-                  </a:stretch>
-                </p:blipFill>
-                <p:spPr>
-                  <a:xfrm>
-                    <a:off x="7650981" y="3737852"/>
-                    <a:ext cx="612000" cy="612000"/>
-                  </a:xfrm>
-                  <a:prstGeom prst="rect">
-                    <a:avLst/>
-                  </a:prstGeom>
-                </p:spPr>
-              </p:pic>
-              <p:sp>
-                <p:nvSpPr>
-                  <p:cNvPr id="104" name="文本框 103">
-                    <a:extLst>
-                      <a:ext uri="{FF2B5EF4-FFF2-40B4-BE49-F238E27FC236}">
-                        <a16:creationId xmlns:a16="http://schemas.microsoft.com/office/drawing/2014/main" id="{EC2AC9C0-33F3-4643-86C1-311B95D12101}"/>
-                      </a:ext>
-                    </a:extLst>
-                  </p:cNvPr>
-                  <p:cNvSpPr txBox="1"/>
-                  <p:nvPr/>
-                </p:nvSpPr>
-                <p:spPr>
-                  <a:xfrm>
-                    <a:off x="7302666" y="4262573"/>
-                    <a:ext cx="1273908" cy="230832"/>
-                  </a:xfrm>
-                  <a:prstGeom prst="rect">
-                    <a:avLst/>
-                  </a:prstGeom>
-                  <a:noFill/>
-                </p:spPr>
-                <p:txBody>
-                  <a:bodyPr wrap="square" rtlCol="0">
-                    <a:spAutoFit/>
-                  </a:bodyPr>
-                  <a:lstStyle/>
-                  <a:p>
-                    <a:pPr algn="ctr"/>
-                    <a:r>
-                      <a:rPr lang="en-US" altLang="zh-CN" sz="900" b="1" dirty="0"/>
-                      <a:t>Poisoned Model</a:t>
-                    </a:r>
-                  </a:p>
-                </p:txBody>
-              </p:sp>
-            </p:grpSp>
-            <p:pic>
-              <p:nvPicPr>
-                <p:cNvPr id="105" name="图片 104" descr="病毒 (1)">
-                  <a:extLst>
-                    <a:ext uri="{FF2B5EF4-FFF2-40B4-BE49-F238E27FC236}">
-                      <a16:creationId xmlns:a16="http://schemas.microsoft.com/office/drawing/2014/main" id="{21291630-BAC6-41A8-95E5-B4230B1A2EF6}"/>
-                    </a:ext>
-                  </a:extLst>
-                </p:cNvPr>
-                <p:cNvPicPr>
-                  <a:picLocks noChangeAspect="1"/>
-                </p:cNvPicPr>
-                <p:nvPr/>
-              </p:nvPicPr>
-              <p:blipFill>
-                <a:blip r:embed="rId6"/>
-                <a:stretch>
-                  <a:fillRect/>
-                </a:stretch>
-              </p:blipFill>
-              <p:spPr>
-                <a:xfrm>
-                  <a:off x="2821767" y="4096360"/>
-                  <a:ext cx="360045" cy="360045"/>
-                </a:xfrm>
-                <a:prstGeom prst="rect">
-                  <a:avLst/>
-                </a:prstGeom>
-              </p:spPr>
-            </p:pic>
-          </p:grpSp>
-          <p:cxnSp>
-            <p:nvCxnSpPr>
-              <p:cNvPr id="18" name="直接箭头连接符 157">
-                <a:extLst>
-                  <a:ext uri="{FF2B5EF4-FFF2-40B4-BE49-F238E27FC236}">
-                    <a16:creationId xmlns:a16="http://schemas.microsoft.com/office/drawing/2014/main" id="{C058DD50-AE19-4B33-890F-3EEEF07F328B}"/>
-                  </a:ext>
-                </a:extLst>
-              </p:cNvPr>
-              <p:cNvCxnSpPr>
-                <a:cxnSpLocks/>
-                <a:stCxn id="71" idx="3"/>
-                <a:endCxn id="103" idx="1"/>
-              </p:cNvCxnSpPr>
-              <p:nvPr/>
-            </p:nvCxnSpPr>
-            <p:spPr>
-              <a:xfrm flipV="1">
-                <a:off x="3978914" y="5487554"/>
-                <a:ext cx="597366" cy="2112"/>
-              </a:xfrm>
-              <a:prstGeom prst="straightConnector1">
-                <a:avLst/>
-              </a:prstGeom>
-              <a:ln>
-                <a:tailEnd type="triangle"/>
-              </a:ln>
-            </p:spPr>
-            <p:style>
-              <a:lnRef idx="3">
-                <a:schemeClr val="dk1"/>
-              </a:lnRef>
-              <a:fillRef idx="0">
-                <a:schemeClr val="dk1"/>
-              </a:fillRef>
-              <a:effectRef idx="2">
-                <a:schemeClr val="dk1"/>
-              </a:effectRef>
-              <a:fontRef idx="minor">
-                <a:schemeClr val="tx1"/>
-              </a:fontRef>
-            </p:style>
-          </p:cxnSp>
-        </p:grpSp>
         <p:sp>
           <p:nvSpPr>
             <p:cNvPr id="36" name="Rectangle 35">
@@ -4095,7 +4652,7 @@
           </p:nvSpPr>
           <p:spPr>
             <a:xfrm>
-              <a:off x="3801664" y="3317936"/>
+              <a:off x="3799320" y="3189184"/>
               <a:ext cx="2465375" cy="743466"/>
             </a:xfrm>
             <a:prstGeom prst="rect">
@@ -4132,6 +4689,2172 @@
             </a:p>
           </p:txBody>
         </p:sp>
+        <p:cxnSp>
+          <p:nvCxnSpPr>
+            <p:cNvPr id="8" name="直接箭头连接符 157">
+              <a:extLst>
+                <a:ext uri="{FF2B5EF4-FFF2-40B4-BE49-F238E27FC236}">
+                  <a16:creationId xmlns:a16="http://schemas.microsoft.com/office/drawing/2014/main" id="{9C92BEB3-35DE-4FB5-ABBE-FB0D1181B59A}"/>
+                </a:ext>
+              </a:extLst>
+            </p:cNvPr>
+            <p:cNvCxnSpPr>
+              <a:cxnSpLocks/>
+            </p:cNvCxnSpPr>
+            <p:nvPr/>
+          </p:nvCxnSpPr>
+          <p:spPr>
+            <a:xfrm flipV="1">
+              <a:off x="5674681" y="3043286"/>
+              <a:ext cx="0" cy="144000"/>
+            </a:xfrm>
+            <a:prstGeom prst="straightConnector1">
+              <a:avLst/>
+            </a:prstGeom>
+            <a:ln>
+              <a:tailEnd type="triangle"/>
+            </a:ln>
+          </p:spPr>
+          <p:style>
+            <a:lnRef idx="3">
+              <a:schemeClr val="dk1"/>
+            </a:lnRef>
+            <a:fillRef idx="0">
+              <a:schemeClr val="dk1"/>
+            </a:fillRef>
+            <a:effectRef idx="2">
+              <a:schemeClr val="dk1"/>
+            </a:effectRef>
+            <a:fontRef idx="minor">
+              <a:schemeClr val="tx1"/>
+            </a:fontRef>
+          </p:style>
+        </p:cxnSp>
+        <p:cxnSp>
+          <p:nvCxnSpPr>
+            <p:cNvPr id="13" name="直接箭头连接符 157">
+              <a:extLst>
+                <a:ext uri="{FF2B5EF4-FFF2-40B4-BE49-F238E27FC236}">
+                  <a16:creationId xmlns:a16="http://schemas.microsoft.com/office/drawing/2014/main" id="{A336C3A6-2AAD-4FDC-AA58-86321B4E3562}"/>
+                </a:ext>
+              </a:extLst>
+            </p:cNvPr>
+            <p:cNvCxnSpPr>
+              <a:cxnSpLocks/>
+            </p:cNvCxnSpPr>
+            <p:nvPr/>
+          </p:nvCxnSpPr>
+          <p:spPr>
+            <a:xfrm>
+              <a:off x="4384035" y="3043286"/>
+              <a:ext cx="0" cy="144000"/>
+            </a:xfrm>
+            <a:prstGeom prst="straightConnector1">
+              <a:avLst/>
+            </a:prstGeom>
+            <a:ln>
+              <a:tailEnd type="triangle"/>
+            </a:ln>
+          </p:spPr>
+          <p:style>
+            <a:lnRef idx="3">
+              <a:schemeClr val="dk1"/>
+            </a:lnRef>
+            <a:fillRef idx="0">
+              <a:schemeClr val="dk1"/>
+            </a:fillRef>
+            <a:effectRef idx="2">
+              <a:schemeClr val="dk1"/>
+            </a:effectRef>
+            <a:fontRef idx="minor">
+              <a:schemeClr val="tx1"/>
+            </a:fontRef>
+          </p:style>
+        </p:cxnSp>
+        <p:grpSp>
+          <p:nvGrpSpPr>
+            <p:cNvPr id="11" name="组合 10">
+              <a:extLst>
+                <a:ext uri="{FF2B5EF4-FFF2-40B4-BE49-F238E27FC236}">
+                  <a16:creationId xmlns:a16="http://schemas.microsoft.com/office/drawing/2014/main" id="{0410A513-959B-469A-9395-64D2E35B4686}"/>
+                </a:ext>
+              </a:extLst>
+            </p:cNvPr>
+            <p:cNvGrpSpPr/>
+            <p:nvPr/>
+          </p:nvGrpSpPr>
+          <p:grpSpPr>
+            <a:xfrm>
+              <a:off x="2968646" y="1794773"/>
+              <a:ext cx="3301669" cy="1248513"/>
+              <a:chOff x="2968646" y="1794773"/>
+              <a:chExt cx="3301669" cy="1248513"/>
+            </a:xfrm>
+          </p:grpSpPr>
+          <p:sp>
+            <p:nvSpPr>
+              <p:cNvPr id="134" name="文本框 133"/>
+              <p:cNvSpPr txBox="1"/>
+              <p:nvPr/>
+            </p:nvSpPr>
+            <p:spPr>
+              <a:xfrm>
+                <a:off x="3833913" y="2784796"/>
+                <a:ext cx="1102955" cy="230832"/>
+              </a:xfrm>
+              <a:prstGeom prst="rect">
+                <a:avLst/>
+              </a:prstGeom>
+              <a:noFill/>
+            </p:spPr>
+            <p:txBody>
+              <a:bodyPr wrap="square" rtlCol="0">
+                <a:spAutoFit/>
+              </a:bodyPr>
+              <a:lstStyle/>
+              <a:p>
+                <a:pPr algn="ctr"/>
+                <a:r>
+                  <a:rPr lang="en-US" altLang="zh-CN" sz="900" b="1" dirty="0"/>
+                  <a:t>Global Model</a:t>
+                </a:r>
+              </a:p>
+            </p:txBody>
+          </p:sp>
+          <p:grpSp>
+            <p:nvGrpSpPr>
+              <p:cNvPr id="118" name="组合 117">
+                <a:extLst>
+                  <a:ext uri="{FF2B5EF4-FFF2-40B4-BE49-F238E27FC236}">
+                    <a16:creationId xmlns:a16="http://schemas.microsoft.com/office/drawing/2014/main" id="{496155B3-8DC6-4700-AD45-CE0F9F47F906}"/>
+                  </a:ext>
+                </a:extLst>
+              </p:cNvPr>
+              <p:cNvGrpSpPr/>
+              <p:nvPr/>
+            </p:nvGrpSpPr>
+            <p:grpSpPr>
+              <a:xfrm>
+                <a:off x="2968646" y="1966132"/>
+                <a:ext cx="945947" cy="825767"/>
+                <a:chOff x="6754915" y="2142173"/>
+                <a:chExt cx="945947" cy="825767"/>
+              </a:xfrm>
+            </p:grpSpPr>
+            <p:pic>
+              <p:nvPicPr>
+                <p:cNvPr id="128" name="图片 127" descr="服务器 server rack">
+                  <a:extLst>
+                    <a:ext uri="{FF2B5EF4-FFF2-40B4-BE49-F238E27FC236}">
+                      <a16:creationId xmlns:a16="http://schemas.microsoft.com/office/drawing/2014/main" id="{92421B17-9B36-45B9-9210-F77380C3691D}"/>
+                    </a:ext>
+                  </a:extLst>
+                </p:cNvPr>
+                <p:cNvPicPr>
+                  <a:picLocks noChangeAspect="1"/>
+                </p:cNvPicPr>
+                <p:nvPr/>
+              </p:nvPicPr>
+              <p:blipFill>
+                <a:blip r:embed="rId5"/>
+                <a:stretch>
+                  <a:fillRect/>
+                </a:stretch>
+              </p:blipFill>
+              <p:spPr>
+                <a:xfrm>
+                  <a:off x="6867843" y="2142173"/>
+                  <a:ext cx="720090" cy="720090"/>
+                </a:xfrm>
+                <a:prstGeom prst="rect">
+                  <a:avLst/>
+                </a:prstGeom>
+              </p:spPr>
+            </p:pic>
+            <p:sp>
+              <p:nvSpPr>
+                <p:cNvPr id="129" name="文本框 128">
+                  <a:extLst>
+                    <a:ext uri="{FF2B5EF4-FFF2-40B4-BE49-F238E27FC236}">
+                      <a16:creationId xmlns:a16="http://schemas.microsoft.com/office/drawing/2014/main" id="{9F8611C7-E079-4458-BA20-EE0FA4F53D4B}"/>
+                    </a:ext>
+                  </a:extLst>
+                </p:cNvPr>
+                <p:cNvSpPr txBox="1"/>
+                <p:nvPr/>
+              </p:nvSpPr>
+              <p:spPr>
+                <a:xfrm>
+                  <a:off x="6754915" y="2737108"/>
+                  <a:ext cx="945947" cy="230832"/>
+                </a:xfrm>
+                <a:prstGeom prst="rect">
+                  <a:avLst/>
+                </a:prstGeom>
+                <a:noFill/>
+              </p:spPr>
+              <p:txBody>
+                <a:bodyPr wrap="square" rtlCol="0">
+                  <a:spAutoFit/>
+                </a:bodyPr>
+                <a:lstStyle/>
+                <a:p>
+                  <a:pPr algn="ctr"/>
+                  <a:r>
+                    <a:rPr lang="en-US" altLang="zh-CN" sz="900" b="1" i="1" dirty="0"/>
+                    <a:t>FL Server</a:t>
+                  </a:r>
+                </a:p>
+              </p:txBody>
+            </p:sp>
+          </p:grpSp>
+          <p:grpSp>
+            <p:nvGrpSpPr>
+              <p:cNvPr id="30" name="组合 29">
+                <a:extLst>
+                  <a:ext uri="{FF2B5EF4-FFF2-40B4-BE49-F238E27FC236}">
+                    <a16:creationId xmlns:a16="http://schemas.microsoft.com/office/drawing/2014/main" id="{DE44E831-F5C8-4B2F-82C7-92DD881C6B8C}"/>
+                  </a:ext>
+                </a:extLst>
+              </p:cNvPr>
+              <p:cNvGrpSpPr/>
+              <p:nvPr/>
+            </p:nvGrpSpPr>
+            <p:grpSpPr>
+              <a:xfrm>
+                <a:off x="5029329" y="2236064"/>
+                <a:ext cx="1240986" cy="774896"/>
+                <a:chOff x="6264427" y="2510771"/>
+                <a:chExt cx="1240986" cy="774896"/>
+              </a:xfrm>
+            </p:grpSpPr>
+            <p:pic>
+              <p:nvPicPr>
+                <p:cNvPr id="132" name="图片 131" descr="数据下降">
+                  <a:extLst>
+                    <a:ext uri="{FF2B5EF4-FFF2-40B4-BE49-F238E27FC236}">
+                      <a16:creationId xmlns:a16="http://schemas.microsoft.com/office/drawing/2014/main" id="{8B2A225B-4C65-40FD-BF00-8F077F4BFF5F}"/>
+                    </a:ext>
+                  </a:extLst>
+                </p:cNvPr>
+                <p:cNvPicPr>
+                  <a:picLocks noChangeAspect="1"/>
+                </p:cNvPicPr>
+                <p:nvPr/>
+              </p:nvPicPr>
+              <p:blipFill>
+                <a:blip r:embed="rId6"/>
+                <a:stretch>
+                  <a:fillRect/>
+                </a:stretch>
+              </p:blipFill>
+              <p:spPr>
+                <a:xfrm>
+                  <a:off x="6524920" y="2510771"/>
+                  <a:ext cx="720000" cy="648000"/>
+                </a:xfrm>
+                <a:prstGeom prst="rect">
+                  <a:avLst/>
+                </a:prstGeom>
+              </p:spPr>
+            </p:pic>
+            <p:sp>
+              <p:nvSpPr>
+                <p:cNvPr id="135" name="文本框 134">
+                  <a:extLst>
+                    <a:ext uri="{FF2B5EF4-FFF2-40B4-BE49-F238E27FC236}">
+                      <a16:creationId xmlns:a16="http://schemas.microsoft.com/office/drawing/2014/main" id="{EE0E68E3-377D-4AB8-B5B3-E8AEF4200171}"/>
+                    </a:ext>
+                  </a:extLst>
+                </p:cNvPr>
+                <p:cNvSpPr txBox="1"/>
+                <p:nvPr/>
+              </p:nvSpPr>
+              <p:spPr>
+                <a:xfrm>
+                  <a:off x="6264427" y="3054835"/>
+                  <a:ext cx="1240986" cy="230832"/>
+                </a:xfrm>
+                <a:prstGeom prst="rect">
+                  <a:avLst/>
+                </a:prstGeom>
+                <a:noFill/>
+              </p:spPr>
+              <p:txBody>
+                <a:bodyPr wrap="square" rtlCol="0">
+                  <a:spAutoFit/>
+                </a:bodyPr>
+                <a:lstStyle/>
+                <a:p>
+                  <a:pPr algn="ctr"/>
+                  <a:r>
+                    <a:rPr lang="en-US" altLang="zh-CN" sz="900" b="1" dirty="0"/>
+                    <a:t>Gradient Update</a:t>
+                  </a:r>
+                </a:p>
+              </p:txBody>
+            </p:sp>
+          </p:grpSp>
+          <p:grpSp>
+            <p:nvGrpSpPr>
+              <p:cNvPr id="7" name="Group 6">
+                <a:extLst>
+                  <a:ext uri="{FF2B5EF4-FFF2-40B4-BE49-F238E27FC236}">
+                    <a16:creationId xmlns:a16="http://schemas.microsoft.com/office/drawing/2014/main" id="{B898E3B4-B2F3-4DAC-9225-10A9E6777121}"/>
+                  </a:ext>
+                </a:extLst>
+              </p:cNvPr>
+              <p:cNvGrpSpPr/>
+              <p:nvPr/>
+            </p:nvGrpSpPr>
+            <p:grpSpPr>
+              <a:xfrm>
+                <a:off x="4109748" y="1794773"/>
+                <a:ext cx="1841514" cy="550802"/>
+                <a:chOff x="3346766" y="3392131"/>
+                <a:chExt cx="1841514" cy="550802"/>
+              </a:xfrm>
+            </p:grpSpPr>
+            <p:grpSp>
+              <p:nvGrpSpPr>
+                <p:cNvPr id="87" name="组合 86">
+                  <a:extLst>
+                    <a:ext uri="{FF2B5EF4-FFF2-40B4-BE49-F238E27FC236}">
+                      <a16:creationId xmlns:a16="http://schemas.microsoft.com/office/drawing/2014/main" id="{0AECDB6A-3DBE-4ECC-9FB5-039A8A98186C}"/>
+                    </a:ext>
+                  </a:extLst>
+                </p:cNvPr>
+                <p:cNvGrpSpPr/>
+                <p:nvPr/>
+              </p:nvGrpSpPr>
+              <p:grpSpPr>
+                <a:xfrm>
+                  <a:off x="3346766" y="3392131"/>
+                  <a:ext cx="1841514" cy="550802"/>
+                  <a:chOff x="3557848" y="854964"/>
+                  <a:chExt cx="1841514" cy="550802"/>
+                </a:xfrm>
+              </p:grpSpPr>
+              <p:sp>
+                <p:nvSpPr>
+                  <p:cNvPr id="141" name="云形 140">
+                    <a:extLst>
+                      <a:ext uri="{FF2B5EF4-FFF2-40B4-BE49-F238E27FC236}">
+                        <a16:creationId xmlns:a16="http://schemas.microsoft.com/office/drawing/2014/main" id="{2368CAF7-C8C4-43F5-A84D-515135ACF451}"/>
+                      </a:ext>
+                    </a:extLst>
+                  </p:cNvPr>
+                  <p:cNvSpPr/>
+                  <p:nvPr/>
+                </p:nvSpPr>
+                <p:spPr>
+                  <a:xfrm>
+                    <a:off x="3557848" y="854964"/>
+                    <a:ext cx="1841514" cy="550802"/>
+                  </a:xfrm>
+                  <a:prstGeom prst="cloud">
+                    <a:avLst/>
+                  </a:prstGeom>
+                  <a:solidFill>
+                    <a:schemeClr val="accent1">
+                      <a:lumMod val="20000"/>
+                      <a:lumOff val="80000"/>
+                    </a:schemeClr>
+                  </a:solidFill>
+                  <a:ln>
+                    <a:noFill/>
+                  </a:ln>
+                </p:spPr>
+                <p:style>
+                  <a:lnRef idx="2">
+                    <a:schemeClr val="accent6"/>
+                  </a:lnRef>
+                  <a:fillRef idx="1">
+                    <a:schemeClr val="lt1"/>
+                  </a:fillRef>
+                  <a:effectRef idx="0">
+                    <a:schemeClr val="accent6"/>
+                  </a:effectRef>
+                  <a:fontRef idx="minor">
+                    <a:schemeClr val="dk1"/>
+                  </a:fontRef>
+                </p:style>
+                <p:txBody>
+                  <a:bodyPr rtlCol="0" anchor="ctr"/>
+                  <a:lstStyle/>
+                  <a:p>
+                    <a:pPr algn="ctr"/>
+                    <a:endParaRPr lang="zh-CN" altLang="en-US" sz="900"/>
+                  </a:p>
+                </p:txBody>
+              </p:sp>
+              <p:pic>
+                <p:nvPicPr>
+                  <p:cNvPr id="142" name="图片 141" descr="数据下降">
+                    <a:extLst>
+                      <a:ext uri="{FF2B5EF4-FFF2-40B4-BE49-F238E27FC236}">
+                        <a16:creationId xmlns:a16="http://schemas.microsoft.com/office/drawing/2014/main" id="{EE899CDA-935B-4393-9F10-4F3C7628CB53}"/>
+                      </a:ext>
+                    </a:extLst>
+                  </p:cNvPr>
+                  <p:cNvPicPr>
+                    <a:picLocks noChangeAspect="1"/>
+                  </p:cNvPicPr>
+                  <p:nvPr/>
+                </p:nvPicPr>
+                <p:blipFill>
+                  <a:blip r:embed="rId6"/>
+                  <a:stretch>
+                    <a:fillRect/>
+                  </a:stretch>
+                </p:blipFill>
+                <p:spPr>
+                  <a:xfrm>
+                    <a:off x="3703216" y="891498"/>
+                    <a:ext cx="400000" cy="360000"/>
+                  </a:xfrm>
+                  <a:prstGeom prst="rect">
+                    <a:avLst/>
+                  </a:prstGeom>
+                </p:spPr>
+              </p:pic>
+              <p:pic>
+                <p:nvPicPr>
+                  <p:cNvPr id="145" name="图片 144" descr="数据下降">
+                    <a:extLst>
+                      <a:ext uri="{FF2B5EF4-FFF2-40B4-BE49-F238E27FC236}">
+                        <a16:creationId xmlns:a16="http://schemas.microsoft.com/office/drawing/2014/main" id="{4BADF3FA-EA50-4CFA-8802-78D152C251EB}"/>
+                      </a:ext>
+                    </a:extLst>
+                  </p:cNvPr>
+                  <p:cNvPicPr>
+                    <a:picLocks noChangeAspect="1"/>
+                  </p:cNvPicPr>
+                  <p:nvPr/>
+                </p:nvPicPr>
+                <p:blipFill>
+                  <a:blip r:embed="rId6"/>
+                  <a:stretch>
+                    <a:fillRect/>
+                  </a:stretch>
+                </p:blipFill>
+                <p:spPr>
+                  <a:xfrm>
+                    <a:off x="4808246" y="883860"/>
+                    <a:ext cx="400000" cy="360000"/>
+                  </a:xfrm>
+                  <a:prstGeom prst="rect">
+                    <a:avLst/>
+                  </a:prstGeom>
+                </p:spPr>
+              </p:pic>
+              <p:sp>
+                <p:nvSpPr>
+                  <p:cNvPr id="146" name="文本框 145">
+                    <a:extLst>
+                      <a:ext uri="{FF2B5EF4-FFF2-40B4-BE49-F238E27FC236}">
+                        <a16:creationId xmlns:a16="http://schemas.microsoft.com/office/drawing/2014/main" id="{F2CCE7BF-655D-472F-ABEF-C26CEB8074CA}"/>
+                      </a:ext>
+                    </a:extLst>
+                  </p:cNvPr>
+                  <p:cNvSpPr txBox="1"/>
+                  <p:nvPr/>
+                </p:nvSpPr>
+                <p:spPr>
+                  <a:xfrm>
+                    <a:off x="4013401" y="997355"/>
+                    <a:ext cx="420478" cy="230832"/>
+                  </a:xfrm>
+                  <a:prstGeom prst="rect">
+                    <a:avLst/>
+                  </a:prstGeom>
+                  <a:noFill/>
+                </p:spPr>
+                <p:txBody>
+                  <a:bodyPr wrap="square" rtlCol="0">
+                    <a:spAutoFit/>
+                  </a:bodyPr>
+                  <a:lstStyle/>
+                  <a:p>
+                    <a:pPr algn="ctr"/>
+                    <a:r>
+                      <a:rPr lang="en-US" altLang="zh-CN" sz="900" b="1" dirty="0"/>
+                      <a:t>+…+</a:t>
+                    </a:r>
+                    <a:endParaRPr lang="zh-CN" altLang="en-US" sz="900" b="1" dirty="0"/>
+                  </a:p>
+                </p:txBody>
+              </p:sp>
+            </p:grpSp>
+            <p:sp>
+              <p:nvSpPr>
+                <p:cNvPr id="149" name="文本框 148">
+                  <a:extLst>
+                    <a:ext uri="{FF2B5EF4-FFF2-40B4-BE49-F238E27FC236}">
+                      <a16:creationId xmlns:a16="http://schemas.microsoft.com/office/drawing/2014/main" id="{4C4CDFE3-D9B1-488F-AFA9-67CA387B2420}"/>
+                    </a:ext>
+                  </a:extLst>
+                </p:cNvPr>
+                <p:cNvSpPr txBox="1"/>
+                <p:nvPr/>
+              </p:nvSpPr>
+              <p:spPr>
+                <a:xfrm>
+                  <a:off x="3504462" y="3675435"/>
+                  <a:ext cx="1641374" cy="230832"/>
+                </a:xfrm>
+                <a:prstGeom prst="rect">
+                  <a:avLst/>
+                </a:prstGeom>
+                <a:noFill/>
+              </p:spPr>
+              <p:txBody>
+                <a:bodyPr wrap="square" rtlCol="0">
+                  <a:spAutoFit/>
+                </a:bodyPr>
+                <a:lstStyle/>
+                <a:p>
+                  <a:pPr algn="ctr"/>
+                  <a:r>
+                    <a:rPr lang="en-US" altLang="zh-CN" sz="900" b="1" dirty="0"/>
+                    <a:t>Aggregation Process</a:t>
+                  </a:r>
+                </a:p>
+              </p:txBody>
+            </p:sp>
+            <p:pic>
+              <p:nvPicPr>
+                <p:cNvPr id="3" name="图片 144" descr="数据下降">
+                  <a:extLst>
+                    <a:ext uri="{FF2B5EF4-FFF2-40B4-BE49-F238E27FC236}">
+                      <a16:creationId xmlns:a16="http://schemas.microsoft.com/office/drawing/2014/main" id="{25510D89-FE22-4EDE-973D-8D8E6AC4024D}"/>
+                    </a:ext>
+                  </a:extLst>
+                </p:cNvPr>
+                <p:cNvPicPr>
+                  <a:picLocks noChangeAspect="1"/>
+                </p:cNvPicPr>
+                <p:nvPr/>
+              </p:nvPicPr>
+              <p:blipFill>
+                <a:blip r:embed="rId6"/>
+                <a:stretch>
+                  <a:fillRect/>
+                </a:stretch>
+              </p:blipFill>
+              <p:spPr>
+                <a:xfrm>
+                  <a:off x="4126620" y="3425039"/>
+                  <a:ext cx="400000" cy="360000"/>
+                </a:xfrm>
+                <a:prstGeom prst="rect">
+                  <a:avLst/>
+                </a:prstGeom>
+              </p:spPr>
+            </p:pic>
+            <p:sp>
+              <p:nvSpPr>
+                <p:cNvPr id="5" name="文本框 145">
+                  <a:extLst>
+                    <a:ext uri="{FF2B5EF4-FFF2-40B4-BE49-F238E27FC236}">
+                      <a16:creationId xmlns:a16="http://schemas.microsoft.com/office/drawing/2014/main" id="{DD5DEA71-D48B-4CC4-8658-F60415C4247D}"/>
+                    </a:ext>
+                  </a:extLst>
+                </p:cNvPr>
+                <p:cNvSpPr txBox="1"/>
+                <p:nvPr/>
+              </p:nvSpPr>
+              <p:spPr>
+                <a:xfrm>
+                  <a:off x="4406048" y="3534521"/>
+                  <a:ext cx="266509" cy="230832"/>
+                </a:xfrm>
+                <a:prstGeom prst="rect">
+                  <a:avLst/>
+                </a:prstGeom>
+                <a:noFill/>
+              </p:spPr>
+              <p:txBody>
+                <a:bodyPr wrap="square" rtlCol="0">
+                  <a:spAutoFit/>
+                </a:bodyPr>
+                <a:lstStyle/>
+                <a:p>
+                  <a:pPr algn="ctr"/>
+                  <a:r>
+                    <a:rPr lang="en-US" altLang="zh-CN" sz="900" b="1" dirty="0"/>
+                    <a:t>+</a:t>
+                  </a:r>
+                  <a:endParaRPr lang="zh-CN" altLang="en-US" sz="900" b="1" dirty="0"/>
+                </a:p>
+              </p:txBody>
+            </p:sp>
+          </p:grpSp>
+          <p:cxnSp>
+            <p:nvCxnSpPr>
+              <p:cNvPr id="25" name="Connector: Curved 24">
+                <a:extLst>
+                  <a:ext uri="{FF2B5EF4-FFF2-40B4-BE49-F238E27FC236}">
+                    <a16:creationId xmlns:a16="http://schemas.microsoft.com/office/drawing/2014/main" id="{3FEFF79F-9F25-46D4-8BF3-592F0BC193A8}"/>
+                  </a:ext>
+                </a:extLst>
+              </p:cNvPr>
+              <p:cNvCxnSpPr>
+                <a:cxnSpLocks/>
+                <a:stCxn id="132" idx="3"/>
+                <a:endCxn id="141" idx="0"/>
+              </p:cNvCxnSpPr>
+              <p:nvPr/>
+            </p:nvCxnSpPr>
+            <p:spPr>
+              <a:xfrm flipH="1" flipV="1">
+                <a:off x="5949727" y="2070174"/>
+                <a:ext cx="60095" cy="489890"/>
+              </a:xfrm>
+              <a:prstGeom prst="curvedConnector3">
+                <a:avLst>
+                  <a:gd name="adj1" fmla="val -380398"/>
+                </a:avLst>
+              </a:prstGeom>
+              <a:ln w="19050">
+                <a:solidFill>
+                  <a:schemeClr val="tx1"/>
+                </a:solidFill>
+                <a:tailEnd type="triangle"/>
+              </a:ln>
+            </p:spPr>
+            <p:style>
+              <a:lnRef idx="1">
+                <a:schemeClr val="accent1"/>
+              </a:lnRef>
+              <a:fillRef idx="0">
+                <a:schemeClr val="accent1"/>
+              </a:fillRef>
+              <a:effectRef idx="0">
+                <a:schemeClr val="accent1"/>
+              </a:effectRef>
+              <a:fontRef idx="minor">
+                <a:schemeClr val="tx1"/>
+              </a:fontRef>
+            </p:style>
+          </p:cxnSp>
+          <p:cxnSp>
+            <p:nvCxnSpPr>
+              <p:cNvPr id="29" name="Connector: Curved 28">
+                <a:extLst>
+                  <a:ext uri="{FF2B5EF4-FFF2-40B4-BE49-F238E27FC236}">
+                    <a16:creationId xmlns:a16="http://schemas.microsoft.com/office/drawing/2014/main" id="{3BCF2BA8-63FF-4072-95FD-8BE15C8F1582}"/>
+                  </a:ext>
+                </a:extLst>
+              </p:cNvPr>
+              <p:cNvCxnSpPr>
+                <a:cxnSpLocks/>
+                <a:stCxn id="141" idx="2"/>
+              </p:cNvCxnSpPr>
+              <p:nvPr/>
+            </p:nvCxnSpPr>
+            <p:spPr>
+              <a:xfrm rot="10800000" flipV="1">
+                <a:off x="4097844" y="2070174"/>
+                <a:ext cx="17616" cy="505756"/>
+              </a:xfrm>
+              <a:prstGeom prst="curvedConnector3">
+                <a:avLst>
+                  <a:gd name="adj1" fmla="val 1397684"/>
+                </a:avLst>
+              </a:prstGeom>
+              <a:ln w="19050">
+                <a:solidFill>
+                  <a:schemeClr val="tx1"/>
+                </a:solidFill>
+                <a:tailEnd type="triangle"/>
+              </a:ln>
+            </p:spPr>
+            <p:style>
+              <a:lnRef idx="1">
+                <a:schemeClr val="accent1"/>
+              </a:lnRef>
+              <a:fillRef idx="0">
+                <a:schemeClr val="accent1"/>
+              </a:fillRef>
+              <a:effectRef idx="0">
+                <a:schemeClr val="accent1"/>
+              </a:effectRef>
+              <a:fontRef idx="minor">
+                <a:schemeClr val="tx1"/>
+              </a:fontRef>
+            </p:style>
+          </p:cxnSp>
+          <p:sp>
+            <p:nvSpPr>
+              <p:cNvPr id="35" name="Rectangle 34">
+                <a:extLst>
+                  <a:ext uri="{FF2B5EF4-FFF2-40B4-BE49-F238E27FC236}">
+                    <a16:creationId xmlns:a16="http://schemas.microsoft.com/office/drawing/2014/main" id="{E19D297B-B578-4636-A547-CFAFB39AC86D}"/>
+                  </a:ext>
+                </a:extLst>
+              </p:cNvPr>
+              <p:cNvSpPr/>
+              <p:nvPr/>
+            </p:nvSpPr>
+            <p:spPr>
+              <a:xfrm>
+                <a:off x="3801664" y="1794773"/>
+                <a:ext cx="2465375" cy="1248513"/>
+              </a:xfrm>
+              <a:prstGeom prst="rect">
+                <a:avLst/>
+              </a:prstGeom>
+              <a:noFill/>
+              <a:ln w="19050">
+                <a:prstDash val="dash"/>
+              </a:ln>
+            </p:spPr>
+            <p:style>
+              <a:lnRef idx="2">
+                <a:schemeClr val="accent1"/>
+              </a:lnRef>
+              <a:fillRef idx="1">
+                <a:schemeClr val="lt1"/>
+              </a:fillRef>
+              <a:effectRef idx="0">
+                <a:schemeClr val="accent1"/>
+              </a:effectRef>
+              <a:fontRef idx="minor">
+                <a:schemeClr val="dk1"/>
+              </a:fontRef>
+            </p:style>
+            <p:txBody>
+              <a:bodyPr rtlCol="0" anchor="ctr"/>
+              <a:lstStyle/>
+              <a:p>
+                <a:pPr algn="ctr"/>
+                <a:endParaRPr lang="en-US" sz="900"/>
+              </a:p>
+            </p:txBody>
+          </p:sp>
+        </p:grpSp>
+        <p:grpSp>
+          <p:nvGrpSpPr>
+            <p:cNvPr id="80" name="组合 79">
+              <a:extLst>
+                <a:ext uri="{FF2B5EF4-FFF2-40B4-BE49-F238E27FC236}">
+                  <a16:creationId xmlns:a16="http://schemas.microsoft.com/office/drawing/2014/main" id="{99ECCEB8-739A-4742-A5DE-EB537753B852}"/>
+                </a:ext>
+              </a:extLst>
+            </p:cNvPr>
+            <p:cNvGrpSpPr/>
+            <p:nvPr/>
+          </p:nvGrpSpPr>
+          <p:grpSpPr>
+            <a:xfrm>
+              <a:off x="4113765" y="2295905"/>
+              <a:ext cx="540000" cy="540000"/>
+              <a:chOff x="7679563" y="1172136"/>
+              <a:chExt cx="976750" cy="986490"/>
+            </a:xfrm>
+          </p:grpSpPr>
+          <p:sp>
+            <p:nvSpPr>
+              <p:cNvPr id="81" name="流程图: 接点 80">
+                <a:extLst>
+                  <a:ext uri="{FF2B5EF4-FFF2-40B4-BE49-F238E27FC236}">
+                    <a16:creationId xmlns:a16="http://schemas.microsoft.com/office/drawing/2014/main" id="{57179E1D-F6ED-46F1-874A-3EE3CC7B0CB2}"/>
+                  </a:ext>
+                </a:extLst>
+              </p:cNvPr>
+              <p:cNvSpPr/>
+              <p:nvPr/>
+            </p:nvSpPr>
+            <p:spPr>
+              <a:xfrm>
+                <a:off x="7679563" y="1307746"/>
+                <a:ext cx="180000" cy="180000"/>
+              </a:xfrm>
+              <a:prstGeom prst="flowChartConnector">
+                <a:avLst/>
+              </a:prstGeom>
+            </p:spPr>
+            <p:style>
+              <a:lnRef idx="1">
+                <a:schemeClr val="dk1"/>
+              </a:lnRef>
+              <a:fillRef idx="2">
+                <a:schemeClr val="dk1"/>
+              </a:fillRef>
+              <a:effectRef idx="1">
+                <a:schemeClr val="dk1"/>
+              </a:effectRef>
+              <a:fontRef idx="minor">
+                <a:schemeClr val="dk1"/>
+              </a:fontRef>
+            </p:style>
+            <p:txBody>
+              <a:bodyPr rtlCol="0" anchor="ctr"/>
+              <a:lstStyle/>
+              <a:p>
+                <a:pPr algn="ctr"/>
+                <a:endParaRPr lang="zh-CN" altLang="en-US"/>
+              </a:p>
+            </p:txBody>
+          </p:sp>
+          <p:sp>
+            <p:nvSpPr>
+              <p:cNvPr id="82" name="流程图: 接点 81">
+                <a:extLst>
+                  <a:ext uri="{FF2B5EF4-FFF2-40B4-BE49-F238E27FC236}">
+                    <a16:creationId xmlns:a16="http://schemas.microsoft.com/office/drawing/2014/main" id="{5D465C90-6287-47D6-9B53-C44991F2AC8B}"/>
+                  </a:ext>
+                </a:extLst>
+              </p:cNvPr>
+              <p:cNvSpPr/>
+              <p:nvPr/>
+            </p:nvSpPr>
+            <p:spPr>
+              <a:xfrm>
+                <a:off x="7679563" y="1576576"/>
+                <a:ext cx="180000" cy="180000"/>
+              </a:xfrm>
+              <a:prstGeom prst="flowChartConnector">
+                <a:avLst/>
+              </a:prstGeom>
+            </p:spPr>
+            <p:style>
+              <a:lnRef idx="1">
+                <a:schemeClr val="dk1"/>
+              </a:lnRef>
+              <a:fillRef idx="2">
+                <a:schemeClr val="dk1"/>
+              </a:fillRef>
+              <a:effectRef idx="1">
+                <a:schemeClr val="dk1"/>
+              </a:effectRef>
+              <a:fontRef idx="minor">
+                <a:schemeClr val="dk1"/>
+              </a:fontRef>
+            </p:style>
+            <p:txBody>
+              <a:bodyPr rtlCol="0" anchor="ctr"/>
+              <a:lstStyle/>
+              <a:p>
+                <a:pPr algn="ctr"/>
+                <a:endParaRPr lang="zh-CN" altLang="en-US"/>
+              </a:p>
+            </p:txBody>
+          </p:sp>
+          <p:sp>
+            <p:nvSpPr>
+              <p:cNvPr id="83" name="流程图: 接点 82">
+                <a:extLst>
+                  <a:ext uri="{FF2B5EF4-FFF2-40B4-BE49-F238E27FC236}">
+                    <a16:creationId xmlns:a16="http://schemas.microsoft.com/office/drawing/2014/main" id="{11B69F5E-C62A-4C72-B420-485B48C660E8}"/>
+                  </a:ext>
+                </a:extLst>
+              </p:cNvPr>
+              <p:cNvSpPr/>
+              <p:nvPr/>
+            </p:nvSpPr>
+            <p:spPr>
+              <a:xfrm>
+                <a:off x="7679563" y="1845406"/>
+                <a:ext cx="180000" cy="180000"/>
+              </a:xfrm>
+              <a:prstGeom prst="flowChartConnector">
+                <a:avLst/>
+              </a:prstGeom>
+            </p:spPr>
+            <p:style>
+              <a:lnRef idx="1">
+                <a:schemeClr val="dk1"/>
+              </a:lnRef>
+              <a:fillRef idx="2">
+                <a:schemeClr val="dk1"/>
+              </a:fillRef>
+              <a:effectRef idx="1">
+                <a:schemeClr val="dk1"/>
+              </a:effectRef>
+              <a:fontRef idx="minor">
+                <a:schemeClr val="dk1"/>
+              </a:fontRef>
+            </p:style>
+            <p:txBody>
+              <a:bodyPr rtlCol="0" anchor="ctr"/>
+              <a:lstStyle/>
+              <a:p>
+                <a:pPr algn="ctr"/>
+                <a:endParaRPr lang="zh-CN" altLang="en-US"/>
+              </a:p>
+            </p:txBody>
+          </p:sp>
+          <p:sp>
+            <p:nvSpPr>
+              <p:cNvPr id="84" name="流程图: 接点 83">
+                <a:extLst>
+                  <a:ext uri="{FF2B5EF4-FFF2-40B4-BE49-F238E27FC236}">
+                    <a16:creationId xmlns:a16="http://schemas.microsoft.com/office/drawing/2014/main" id="{308418D7-9DFE-4E26-85E8-C2FBBDEAF77B}"/>
+                  </a:ext>
+                </a:extLst>
+              </p:cNvPr>
+              <p:cNvSpPr/>
+              <p:nvPr/>
+            </p:nvSpPr>
+            <p:spPr>
+              <a:xfrm>
+                <a:off x="8087940" y="1978626"/>
+                <a:ext cx="180000" cy="180000"/>
+              </a:xfrm>
+              <a:prstGeom prst="flowChartConnector">
+                <a:avLst/>
+              </a:prstGeom>
+            </p:spPr>
+            <p:style>
+              <a:lnRef idx="1">
+                <a:schemeClr val="dk1"/>
+              </a:lnRef>
+              <a:fillRef idx="2">
+                <a:schemeClr val="dk1"/>
+              </a:fillRef>
+              <a:effectRef idx="1">
+                <a:schemeClr val="dk1"/>
+              </a:effectRef>
+              <a:fontRef idx="minor">
+                <a:schemeClr val="dk1"/>
+              </a:fontRef>
+            </p:style>
+            <p:txBody>
+              <a:bodyPr rtlCol="0" anchor="ctr"/>
+              <a:lstStyle/>
+              <a:p>
+                <a:pPr algn="ctr"/>
+                <a:endParaRPr lang="zh-CN" altLang="en-US"/>
+              </a:p>
+            </p:txBody>
+          </p:sp>
+          <p:sp>
+            <p:nvSpPr>
+              <p:cNvPr id="85" name="流程图: 接点 84">
+                <a:extLst>
+                  <a:ext uri="{FF2B5EF4-FFF2-40B4-BE49-F238E27FC236}">
+                    <a16:creationId xmlns:a16="http://schemas.microsoft.com/office/drawing/2014/main" id="{16939817-FF34-4C28-9E78-0FC074D3F21D}"/>
+                  </a:ext>
+                </a:extLst>
+              </p:cNvPr>
+              <p:cNvSpPr/>
+              <p:nvPr/>
+            </p:nvSpPr>
+            <p:spPr>
+              <a:xfrm>
+                <a:off x="8087940" y="1172136"/>
+                <a:ext cx="180000" cy="180000"/>
+              </a:xfrm>
+              <a:prstGeom prst="flowChartConnector">
+                <a:avLst/>
+              </a:prstGeom>
+            </p:spPr>
+            <p:style>
+              <a:lnRef idx="1">
+                <a:schemeClr val="dk1"/>
+              </a:lnRef>
+              <a:fillRef idx="2">
+                <a:schemeClr val="dk1"/>
+              </a:fillRef>
+              <a:effectRef idx="1">
+                <a:schemeClr val="dk1"/>
+              </a:effectRef>
+              <a:fontRef idx="minor">
+                <a:schemeClr val="dk1"/>
+              </a:fontRef>
+            </p:style>
+            <p:txBody>
+              <a:bodyPr rtlCol="0" anchor="ctr"/>
+              <a:lstStyle/>
+              <a:p>
+                <a:pPr algn="ctr"/>
+                <a:endParaRPr lang="zh-CN" altLang="en-US"/>
+              </a:p>
+            </p:txBody>
+          </p:sp>
+          <p:sp>
+            <p:nvSpPr>
+              <p:cNvPr id="86" name="流程图: 接点 85">
+                <a:extLst>
+                  <a:ext uri="{FF2B5EF4-FFF2-40B4-BE49-F238E27FC236}">
+                    <a16:creationId xmlns:a16="http://schemas.microsoft.com/office/drawing/2014/main" id="{8C6AE10A-303A-49E5-8E28-B9B4D3819B0E}"/>
+                  </a:ext>
+                </a:extLst>
+              </p:cNvPr>
+              <p:cNvSpPr/>
+              <p:nvPr/>
+            </p:nvSpPr>
+            <p:spPr>
+              <a:xfrm>
+                <a:off x="8087940" y="1440966"/>
+                <a:ext cx="180000" cy="180000"/>
+              </a:xfrm>
+              <a:prstGeom prst="flowChartConnector">
+                <a:avLst/>
+              </a:prstGeom>
+            </p:spPr>
+            <p:style>
+              <a:lnRef idx="1">
+                <a:schemeClr val="dk1"/>
+              </a:lnRef>
+              <a:fillRef idx="2">
+                <a:schemeClr val="dk1"/>
+              </a:fillRef>
+              <a:effectRef idx="1">
+                <a:schemeClr val="dk1"/>
+              </a:effectRef>
+              <a:fontRef idx="minor">
+                <a:schemeClr val="dk1"/>
+              </a:fontRef>
+            </p:style>
+            <p:txBody>
+              <a:bodyPr rtlCol="0" anchor="ctr"/>
+              <a:lstStyle/>
+              <a:p>
+                <a:pPr algn="ctr"/>
+                <a:endParaRPr lang="zh-CN" altLang="en-US"/>
+              </a:p>
+            </p:txBody>
+          </p:sp>
+          <p:sp>
+            <p:nvSpPr>
+              <p:cNvPr id="88" name="流程图: 接点 87">
+                <a:extLst>
+                  <a:ext uri="{FF2B5EF4-FFF2-40B4-BE49-F238E27FC236}">
+                    <a16:creationId xmlns:a16="http://schemas.microsoft.com/office/drawing/2014/main" id="{1E6FF303-4E95-4F31-806A-A4AE076DE2EF}"/>
+                  </a:ext>
+                </a:extLst>
+              </p:cNvPr>
+              <p:cNvSpPr/>
+              <p:nvPr/>
+            </p:nvSpPr>
+            <p:spPr>
+              <a:xfrm>
+                <a:off x="8087940" y="1709796"/>
+                <a:ext cx="180000" cy="180000"/>
+              </a:xfrm>
+              <a:prstGeom prst="flowChartConnector">
+                <a:avLst/>
+              </a:prstGeom>
+            </p:spPr>
+            <p:style>
+              <a:lnRef idx="1">
+                <a:schemeClr val="dk1"/>
+              </a:lnRef>
+              <a:fillRef idx="2">
+                <a:schemeClr val="dk1"/>
+              </a:fillRef>
+              <a:effectRef idx="1">
+                <a:schemeClr val="dk1"/>
+              </a:effectRef>
+              <a:fontRef idx="minor">
+                <a:schemeClr val="dk1"/>
+              </a:fontRef>
+            </p:style>
+            <p:txBody>
+              <a:bodyPr rtlCol="0" anchor="ctr"/>
+              <a:lstStyle/>
+              <a:p>
+                <a:pPr algn="ctr"/>
+                <a:endParaRPr lang="zh-CN" altLang="en-US"/>
+              </a:p>
+            </p:txBody>
+          </p:sp>
+          <p:sp>
+            <p:nvSpPr>
+              <p:cNvPr id="89" name="流程图: 接点 88">
+                <a:extLst>
+                  <a:ext uri="{FF2B5EF4-FFF2-40B4-BE49-F238E27FC236}">
+                    <a16:creationId xmlns:a16="http://schemas.microsoft.com/office/drawing/2014/main" id="{2FD50437-7B81-4FA5-BCFA-A29C51E096C5}"/>
+                  </a:ext>
+                </a:extLst>
+              </p:cNvPr>
+              <p:cNvSpPr/>
+              <p:nvPr/>
+            </p:nvSpPr>
+            <p:spPr>
+              <a:xfrm>
+                <a:off x="8476313" y="1311307"/>
+                <a:ext cx="180000" cy="180000"/>
+              </a:xfrm>
+              <a:prstGeom prst="flowChartConnector">
+                <a:avLst/>
+              </a:prstGeom>
+            </p:spPr>
+            <p:style>
+              <a:lnRef idx="1">
+                <a:schemeClr val="dk1"/>
+              </a:lnRef>
+              <a:fillRef idx="2">
+                <a:schemeClr val="dk1"/>
+              </a:fillRef>
+              <a:effectRef idx="1">
+                <a:schemeClr val="dk1"/>
+              </a:effectRef>
+              <a:fontRef idx="minor">
+                <a:schemeClr val="dk1"/>
+              </a:fontRef>
+            </p:style>
+            <p:txBody>
+              <a:bodyPr rtlCol="0" anchor="ctr"/>
+              <a:lstStyle/>
+              <a:p>
+                <a:pPr algn="ctr"/>
+                <a:endParaRPr lang="zh-CN" altLang="en-US"/>
+              </a:p>
+            </p:txBody>
+          </p:sp>
+          <p:sp>
+            <p:nvSpPr>
+              <p:cNvPr id="90" name="流程图: 接点 89">
+                <a:extLst>
+                  <a:ext uri="{FF2B5EF4-FFF2-40B4-BE49-F238E27FC236}">
+                    <a16:creationId xmlns:a16="http://schemas.microsoft.com/office/drawing/2014/main" id="{753351F8-ED5C-490E-A1FE-9D0FD12FBD8E}"/>
+                  </a:ext>
+                </a:extLst>
+              </p:cNvPr>
+              <p:cNvSpPr/>
+              <p:nvPr/>
+            </p:nvSpPr>
+            <p:spPr>
+              <a:xfrm>
+                <a:off x="8476313" y="1848967"/>
+                <a:ext cx="180000" cy="180000"/>
+              </a:xfrm>
+              <a:prstGeom prst="flowChartConnector">
+                <a:avLst/>
+              </a:prstGeom>
+            </p:spPr>
+            <p:style>
+              <a:lnRef idx="1">
+                <a:schemeClr val="dk1"/>
+              </a:lnRef>
+              <a:fillRef idx="2">
+                <a:schemeClr val="dk1"/>
+              </a:fillRef>
+              <a:effectRef idx="1">
+                <a:schemeClr val="dk1"/>
+              </a:effectRef>
+              <a:fontRef idx="minor">
+                <a:schemeClr val="dk1"/>
+              </a:fontRef>
+            </p:style>
+            <p:txBody>
+              <a:bodyPr rtlCol="0" anchor="ctr"/>
+              <a:lstStyle/>
+              <a:p>
+                <a:pPr algn="ctr"/>
+                <a:endParaRPr lang="zh-CN" altLang="en-US"/>
+              </a:p>
+            </p:txBody>
+          </p:sp>
+          <p:cxnSp>
+            <p:nvCxnSpPr>
+              <p:cNvPr id="91" name="直接连接符 90">
+                <a:extLst>
+                  <a:ext uri="{FF2B5EF4-FFF2-40B4-BE49-F238E27FC236}">
+                    <a16:creationId xmlns:a16="http://schemas.microsoft.com/office/drawing/2014/main" id="{408253FD-6110-4DEE-BC1F-1FC78022FECE}"/>
+                  </a:ext>
+                </a:extLst>
+              </p:cNvPr>
+              <p:cNvCxnSpPr>
+                <a:cxnSpLocks/>
+                <a:stCxn id="81" idx="6"/>
+                <a:endCxn id="85" idx="2"/>
+              </p:cNvCxnSpPr>
+              <p:nvPr/>
+            </p:nvCxnSpPr>
+            <p:spPr>
+              <a:xfrm flipV="1">
+                <a:off x="7859563" y="1262136"/>
+                <a:ext cx="228377" cy="135610"/>
+              </a:xfrm>
+              <a:prstGeom prst="line">
+                <a:avLst/>
+              </a:prstGeom>
+            </p:spPr>
+            <p:style>
+              <a:lnRef idx="1">
+                <a:schemeClr val="dk1"/>
+              </a:lnRef>
+              <a:fillRef idx="2">
+                <a:schemeClr val="dk1"/>
+              </a:fillRef>
+              <a:effectRef idx="1">
+                <a:schemeClr val="dk1"/>
+              </a:effectRef>
+              <a:fontRef idx="minor">
+                <a:schemeClr val="dk1"/>
+              </a:fontRef>
+            </p:style>
+          </p:cxnSp>
+          <p:cxnSp>
+            <p:nvCxnSpPr>
+              <p:cNvPr id="92" name="直接连接符 91">
+                <a:extLst>
+                  <a:ext uri="{FF2B5EF4-FFF2-40B4-BE49-F238E27FC236}">
+                    <a16:creationId xmlns:a16="http://schemas.microsoft.com/office/drawing/2014/main" id="{9B857B3A-053C-4F72-BE74-B893EA700129}"/>
+                  </a:ext>
+                </a:extLst>
+              </p:cNvPr>
+              <p:cNvCxnSpPr>
+                <a:cxnSpLocks/>
+                <a:stCxn id="81" idx="6"/>
+                <a:endCxn id="86" idx="2"/>
+              </p:cNvCxnSpPr>
+              <p:nvPr/>
+            </p:nvCxnSpPr>
+            <p:spPr>
+              <a:xfrm>
+                <a:off x="7859563" y="1397746"/>
+                <a:ext cx="228377" cy="133220"/>
+              </a:xfrm>
+              <a:prstGeom prst="line">
+                <a:avLst/>
+              </a:prstGeom>
+            </p:spPr>
+            <p:style>
+              <a:lnRef idx="1">
+                <a:schemeClr val="dk1"/>
+              </a:lnRef>
+              <a:fillRef idx="2">
+                <a:schemeClr val="dk1"/>
+              </a:fillRef>
+              <a:effectRef idx="1">
+                <a:schemeClr val="dk1"/>
+              </a:effectRef>
+              <a:fontRef idx="minor">
+                <a:schemeClr val="dk1"/>
+              </a:fontRef>
+            </p:style>
+          </p:cxnSp>
+          <p:cxnSp>
+            <p:nvCxnSpPr>
+              <p:cNvPr id="94" name="直接连接符 93">
+                <a:extLst>
+                  <a:ext uri="{FF2B5EF4-FFF2-40B4-BE49-F238E27FC236}">
+                    <a16:creationId xmlns:a16="http://schemas.microsoft.com/office/drawing/2014/main" id="{8AAE2F14-E8B1-4BCD-9B3D-A5142C2DDC26}"/>
+                  </a:ext>
+                </a:extLst>
+              </p:cNvPr>
+              <p:cNvCxnSpPr>
+                <a:cxnSpLocks/>
+                <a:stCxn id="81" idx="6"/>
+                <a:endCxn id="88" idx="2"/>
+              </p:cNvCxnSpPr>
+              <p:nvPr/>
+            </p:nvCxnSpPr>
+            <p:spPr>
+              <a:xfrm>
+                <a:off x="7859563" y="1397746"/>
+                <a:ext cx="228377" cy="402050"/>
+              </a:xfrm>
+              <a:prstGeom prst="line">
+                <a:avLst/>
+              </a:prstGeom>
+            </p:spPr>
+            <p:style>
+              <a:lnRef idx="1">
+                <a:schemeClr val="dk1"/>
+              </a:lnRef>
+              <a:fillRef idx="2">
+                <a:schemeClr val="dk1"/>
+              </a:fillRef>
+              <a:effectRef idx="1">
+                <a:schemeClr val="dk1"/>
+              </a:effectRef>
+              <a:fontRef idx="minor">
+                <a:schemeClr val="dk1"/>
+              </a:fontRef>
+            </p:style>
+          </p:cxnSp>
+          <p:cxnSp>
+            <p:nvCxnSpPr>
+              <p:cNvPr id="95" name="直接连接符 94">
+                <a:extLst>
+                  <a:ext uri="{FF2B5EF4-FFF2-40B4-BE49-F238E27FC236}">
+                    <a16:creationId xmlns:a16="http://schemas.microsoft.com/office/drawing/2014/main" id="{B4DA45E4-C130-4852-9C3C-84B391D5A2E7}"/>
+                  </a:ext>
+                </a:extLst>
+              </p:cNvPr>
+              <p:cNvCxnSpPr>
+                <a:cxnSpLocks/>
+                <a:stCxn id="81" idx="6"/>
+                <a:endCxn id="84" idx="2"/>
+              </p:cNvCxnSpPr>
+              <p:nvPr/>
+            </p:nvCxnSpPr>
+            <p:spPr>
+              <a:xfrm>
+                <a:off x="7859563" y="1397746"/>
+                <a:ext cx="228377" cy="670880"/>
+              </a:xfrm>
+              <a:prstGeom prst="line">
+                <a:avLst/>
+              </a:prstGeom>
+            </p:spPr>
+            <p:style>
+              <a:lnRef idx="1">
+                <a:schemeClr val="dk1"/>
+              </a:lnRef>
+              <a:fillRef idx="2">
+                <a:schemeClr val="dk1"/>
+              </a:fillRef>
+              <a:effectRef idx="1">
+                <a:schemeClr val="dk1"/>
+              </a:effectRef>
+              <a:fontRef idx="minor">
+                <a:schemeClr val="dk1"/>
+              </a:fontRef>
+            </p:style>
+          </p:cxnSp>
+          <p:cxnSp>
+            <p:nvCxnSpPr>
+              <p:cNvPr id="96" name="直接连接符 95">
+                <a:extLst>
+                  <a:ext uri="{FF2B5EF4-FFF2-40B4-BE49-F238E27FC236}">
+                    <a16:creationId xmlns:a16="http://schemas.microsoft.com/office/drawing/2014/main" id="{224E5D0C-178D-40A1-84F4-F25FD51B0A58}"/>
+                  </a:ext>
+                </a:extLst>
+              </p:cNvPr>
+              <p:cNvCxnSpPr>
+                <a:cxnSpLocks/>
+                <a:stCxn id="82" idx="6"/>
+                <a:endCxn id="85" idx="2"/>
+              </p:cNvCxnSpPr>
+              <p:nvPr/>
+            </p:nvCxnSpPr>
+            <p:spPr>
+              <a:xfrm flipV="1">
+                <a:off x="7859563" y="1262136"/>
+                <a:ext cx="228377" cy="404440"/>
+              </a:xfrm>
+              <a:prstGeom prst="line">
+                <a:avLst/>
+              </a:prstGeom>
+            </p:spPr>
+            <p:style>
+              <a:lnRef idx="1">
+                <a:schemeClr val="dk1"/>
+              </a:lnRef>
+              <a:fillRef idx="2">
+                <a:schemeClr val="dk1"/>
+              </a:fillRef>
+              <a:effectRef idx="1">
+                <a:schemeClr val="dk1"/>
+              </a:effectRef>
+              <a:fontRef idx="minor">
+                <a:schemeClr val="dk1"/>
+              </a:fontRef>
+            </p:style>
+          </p:cxnSp>
+          <p:cxnSp>
+            <p:nvCxnSpPr>
+              <p:cNvPr id="97" name="直接连接符 96">
+                <a:extLst>
+                  <a:ext uri="{FF2B5EF4-FFF2-40B4-BE49-F238E27FC236}">
+                    <a16:creationId xmlns:a16="http://schemas.microsoft.com/office/drawing/2014/main" id="{F1C8B4E3-F0CD-4D18-A57F-D2EAC519E008}"/>
+                  </a:ext>
+                </a:extLst>
+              </p:cNvPr>
+              <p:cNvCxnSpPr>
+                <a:cxnSpLocks/>
+                <a:stCxn id="82" idx="6"/>
+                <a:endCxn id="86" idx="2"/>
+              </p:cNvCxnSpPr>
+              <p:nvPr/>
+            </p:nvCxnSpPr>
+            <p:spPr>
+              <a:xfrm flipV="1">
+                <a:off x="7859563" y="1530966"/>
+                <a:ext cx="228377" cy="135610"/>
+              </a:xfrm>
+              <a:prstGeom prst="line">
+                <a:avLst/>
+              </a:prstGeom>
+            </p:spPr>
+            <p:style>
+              <a:lnRef idx="1">
+                <a:schemeClr val="dk1"/>
+              </a:lnRef>
+              <a:fillRef idx="2">
+                <a:schemeClr val="dk1"/>
+              </a:fillRef>
+              <a:effectRef idx="1">
+                <a:schemeClr val="dk1"/>
+              </a:effectRef>
+              <a:fontRef idx="minor">
+                <a:schemeClr val="dk1"/>
+              </a:fontRef>
+            </p:style>
+          </p:cxnSp>
+          <p:cxnSp>
+            <p:nvCxnSpPr>
+              <p:cNvPr id="98" name="直接连接符 97">
+                <a:extLst>
+                  <a:ext uri="{FF2B5EF4-FFF2-40B4-BE49-F238E27FC236}">
+                    <a16:creationId xmlns:a16="http://schemas.microsoft.com/office/drawing/2014/main" id="{FA60E850-5718-4328-8727-82E2CF120784}"/>
+                  </a:ext>
+                </a:extLst>
+              </p:cNvPr>
+              <p:cNvCxnSpPr>
+                <a:cxnSpLocks/>
+                <a:stCxn id="82" idx="6"/>
+                <a:endCxn id="88" idx="2"/>
+              </p:cNvCxnSpPr>
+              <p:nvPr/>
+            </p:nvCxnSpPr>
+            <p:spPr>
+              <a:xfrm>
+                <a:off x="7859563" y="1666576"/>
+                <a:ext cx="228377" cy="133220"/>
+              </a:xfrm>
+              <a:prstGeom prst="line">
+                <a:avLst/>
+              </a:prstGeom>
+            </p:spPr>
+            <p:style>
+              <a:lnRef idx="1">
+                <a:schemeClr val="dk1"/>
+              </a:lnRef>
+              <a:fillRef idx="2">
+                <a:schemeClr val="dk1"/>
+              </a:fillRef>
+              <a:effectRef idx="1">
+                <a:schemeClr val="dk1"/>
+              </a:effectRef>
+              <a:fontRef idx="minor">
+                <a:schemeClr val="dk1"/>
+              </a:fontRef>
+            </p:style>
+          </p:cxnSp>
+          <p:cxnSp>
+            <p:nvCxnSpPr>
+              <p:cNvPr id="99" name="直接连接符 98">
+                <a:extLst>
+                  <a:ext uri="{FF2B5EF4-FFF2-40B4-BE49-F238E27FC236}">
+                    <a16:creationId xmlns:a16="http://schemas.microsoft.com/office/drawing/2014/main" id="{1DBCD11E-EEFC-4756-AE99-136C6D149314}"/>
+                  </a:ext>
+                </a:extLst>
+              </p:cNvPr>
+              <p:cNvCxnSpPr>
+                <a:cxnSpLocks/>
+                <a:stCxn id="82" idx="6"/>
+                <a:endCxn id="84" idx="2"/>
+              </p:cNvCxnSpPr>
+              <p:nvPr/>
+            </p:nvCxnSpPr>
+            <p:spPr>
+              <a:xfrm>
+                <a:off x="7859563" y="1666576"/>
+                <a:ext cx="228377" cy="402050"/>
+              </a:xfrm>
+              <a:prstGeom prst="line">
+                <a:avLst/>
+              </a:prstGeom>
+            </p:spPr>
+            <p:style>
+              <a:lnRef idx="1">
+                <a:schemeClr val="dk1"/>
+              </a:lnRef>
+              <a:fillRef idx="2">
+                <a:schemeClr val="dk1"/>
+              </a:fillRef>
+              <a:effectRef idx="1">
+                <a:schemeClr val="dk1"/>
+              </a:effectRef>
+              <a:fontRef idx="minor">
+                <a:schemeClr val="dk1"/>
+              </a:fontRef>
+            </p:style>
+          </p:cxnSp>
+          <p:cxnSp>
+            <p:nvCxnSpPr>
+              <p:cNvPr id="100" name="直接连接符 99">
+                <a:extLst>
+                  <a:ext uri="{FF2B5EF4-FFF2-40B4-BE49-F238E27FC236}">
+                    <a16:creationId xmlns:a16="http://schemas.microsoft.com/office/drawing/2014/main" id="{9F1B8ACA-A5CE-465A-8D4D-B87EA3C2A2B8}"/>
+                  </a:ext>
+                </a:extLst>
+              </p:cNvPr>
+              <p:cNvCxnSpPr>
+                <a:cxnSpLocks/>
+                <a:stCxn id="83" idx="6"/>
+                <a:endCxn id="85" idx="2"/>
+              </p:cNvCxnSpPr>
+              <p:nvPr/>
+            </p:nvCxnSpPr>
+            <p:spPr>
+              <a:xfrm flipV="1">
+                <a:off x="7859563" y="1262136"/>
+                <a:ext cx="228377" cy="673270"/>
+              </a:xfrm>
+              <a:prstGeom prst="line">
+                <a:avLst/>
+              </a:prstGeom>
+            </p:spPr>
+            <p:style>
+              <a:lnRef idx="1">
+                <a:schemeClr val="dk1"/>
+              </a:lnRef>
+              <a:fillRef idx="2">
+                <a:schemeClr val="dk1"/>
+              </a:fillRef>
+              <a:effectRef idx="1">
+                <a:schemeClr val="dk1"/>
+              </a:effectRef>
+              <a:fontRef idx="minor">
+                <a:schemeClr val="dk1"/>
+              </a:fontRef>
+            </p:style>
+          </p:cxnSp>
+          <p:cxnSp>
+            <p:nvCxnSpPr>
+              <p:cNvPr id="101" name="直接连接符 100">
+                <a:extLst>
+                  <a:ext uri="{FF2B5EF4-FFF2-40B4-BE49-F238E27FC236}">
+                    <a16:creationId xmlns:a16="http://schemas.microsoft.com/office/drawing/2014/main" id="{51B6FC05-FF84-424C-8C45-6BC366BFF835}"/>
+                  </a:ext>
+                </a:extLst>
+              </p:cNvPr>
+              <p:cNvCxnSpPr>
+                <a:cxnSpLocks/>
+                <a:stCxn id="83" idx="6"/>
+                <a:endCxn id="86" idx="2"/>
+              </p:cNvCxnSpPr>
+              <p:nvPr/>
+            </p:nvCxnSpPr>
+            <p:spPr>
+              <a:xfrm flipV="1">
+                <a:off x="7859563" y="1530966"/>
+                <a:ext cx="228377" cy="404440"/>
+              </a:xfrm>
+              <a:prstGeom prst="line">
+                <a:avLst/>
+              </a:prstGeom>
+            </p:spPr>
+            <p:style>
+              <a:lnRef idx="1">
+                <a:schemeClr val="dk1"/>
+              </a:lnRef>
+              <a:fillRef idx="2">
+                <a:schemeClr val="dk1"/>
+              </a:fillRef>
+              <a:effectRef idx="1">
+                <a:schemeClr val="dk1"/>
+              </a:effectRef>
+              <a:fontRef idx="minor">
+                <a:schemeClr val="dk1"/>
+              </a:fontRef>
+            </p:style>
+          </p:cxnSp>
+          <p:cxnSp>
+            <p:nvCxnSpPr>
+              <p:cNvPr id="106" name="直接连接符 105">
+                <a:extLst>
+                  <a:ext uri="{FF2B5EF4-FFF2-40B4-BE49-F238E27FC236}">
+                    <a16:creationId xmlns:a16="http://schemas.microsoft.com/office/drawing/2014/main" id="{B9085BF5-4EA2-4047-9A7C-61012F34905A}"/>
+                  </a:ext>
+                </a:extLst>
+              </p:cNvPr>
+              <p:cNvCxnSpPr>
+                <a:cxnSpLocks/>
+                <a:stCxn id="83" idx="6"/>
+                <a:endCxn id="88" idx="2"/>
+              </p:cNvCxnSpPr>
+              <p:nvPr/>
+            </p:nvCxnSpPr>
+            <p:spPr>
+              <a:xfrm flipV="1">
+                <a:off x="7859563" y="1799796"/>
+                <a:ext cx="228377" cy="135610"/>
+              </a:xfrm>
+              <a:prstGeom prst="line">
+                <a:avLst/>
+              </a:prstGeom>
+            </p:spPr>
+            <p:style>
+              <a:lnRef idx="1">
+                <a:schemeClr val="dk1"/>
+              </a:lnRef>
+              <a:fillRef idx="2">
+                <a:schemeClr val="dk1"/>
+              </a:fillRef>
+              <a:effectRef idx="1">
+                <a:schemeClr val="dk1"/>
+              </a:effectRef>
+              <a:fontRef idx="minor">
+                <a:schemeClr val="dk1"/>
+              </a:fontRef>
+            </p:style>
+          </p:cxnSp>
+          <p:cxnSp>
+            <p:nvCxnSpPr>
+              <p:cNvPr id="107" name="直接连接符 106">
+                <a:extLst>
+                  <a:ext uri="{FF2B5EF4-FFF2-40B4-BE49-F238E27FC236}">
+                    <a16:creationId xmlns:a16="http://schemas.microsoft.com/office/drawing/2014/main" id="{0221EC94-458C-4564-A5B7-C1F222477336}"/>
+                  </a:ext>
+                </a:extLst>
+              </p:cNvPr>
+              <p:cNvCxnSpPr>
+                <a:cxnSpLocks/>
+                <a:stCxn id="83" idx="6"/>
+                <a:endCxn id="84" idx="2"/>
+              </p:cNvCxnSpPr>
+              <p:nvPr/>
+            </p:nvCxnSpPr>
+            <p:spPr>
+              <a:xfrm>
+                <a:off x="7859563" y="1935406"/>
+                <a:ext cx="228377" cy="133220"/>
+              </a:xfrm>
+              <a:prstGeom prst="line">
+                <a:avLst/>
+              </a:prstGeom>
+            </p:spPr>
+            <p:style>
+              <a:lnRef idx="1">
+                <a:schemeClr val="dk1"/>
+              </a:lnRef>
+              <a:fillRef idx="2">
+                <a:schemeClr val="dk1"/>
+              </a:fillRef>
+              <a:effectRef idx="1">
+                <a:schemeClr val="dk1"/>
+              </a:effectRef>
+              <a:fontRef idx="minor">
+                <a:schemeClr val="dk1"/>
+              </a:fontRef>
+            </p:style>
+          </p:cxnSp>
+          <p:cxnSp>
+            <p:nvCxnSpPr>
+              <p:cNvPr id="108" name="直接连接符 107">
+                <a:extLst>
+                  <a:ext uri="{FF2B5EF4-FFF2-40B4-BE49-F238E27FC236}">
+                    <a16:creationId xmlns:a16="http://schemas.microsoft.com/office/drawing/2014/main" id="{173E9AD7-F96A-459B-80A4-51D1D9548BAE}"/>
+                  </a:ext>
+                </a:extLst>
+              </p:cNvPr>
+              <p:cNvCxnSpPr>
+                <a:cxnSpLocks/>
+                <a:stCxn id="85" idx="6"/>
+                <a:endCxn id="89" idx="2"/>
+              </p:cNvCxnSpPr>
+              <p:nvPr/>
+            </p:nvCxnSpPr>
+            <p:spPr>
+              <a:xfrm>
+                <a:off x="8267940" y="1262136"/>
+                <a:ext cx="208373" cy="139171"/>
+              </a:xfrm>
+              <a:prstGeom prst="line">
+                <a:avLst/>
+              </a:prstGeom>
+            </p:spPr>
+            <p:style>
+              <a:lnRef idx="1">
+                <a:schemeClr val="dk1"/>
+              </a:lnRef>
+              <a:fillRef idx="2">
+                <a:schemeClr val="dk1"/>
+              </a:fillRef>
+              <a:effectRef idx="1">
+                <a:schemeClr val="dk1"/>
+              </a:effectRef>
+              <a:fontRef idx="minor">
+                <a:schemeClr val="dk1"/>
+              </a:fontRef>
+            </p:style>
+          </p:cxnSp>
+          <p:cxnSp>
+            <p:nvCxnSpPr>
+              <p:cNvPr id="109" name="直接连接符 108">
+                <a:extLst>
+                  <a:ext uri="{FF2B5EF4-FFF2-40B4-BE49-F238E27FC236}">
+                    <a16:creationId xmlns:a16="http://schemas.microsoft.com/office/drawing/2014/main" id="{26F4A3DD-2318-4955-8B85-CFC53438C305}"/>
+                  </a:ext>
+                </a:extLst>
+              </p:cNvPr>
+              <p:cNvCxnSpPr>
+                <a:cxnSpLocks/>
+                <a:stCxn id="86" idx="6"/>
+                <a:endCxn id="89" idx="2"/>
+              </p:cNvCxnSpPr>
+              <p:nvPr/>
+            </p:nvCxnSpPr>
+            <p:spPr>
+              <a:xfrm flipV="1">
+                <a:off x="8267940" y="1401307"/>
+                <a:ext cx="208373" cy="129659"/>
+              </a:xfrm>
+              <a:prstGeom prst="line">
+                <a:avLst/>
+              </a:prstGeom>
+            </p:spPr>
+            <p:style>
+              <a:lnRef idx="1">
+                <a:schemeClr val="dk1"/>
+              </a:lnRef>
+              <a:fillRef idx="2">
+                <a:schemeClr val="dk1"/>
+              </a:fillRef>
+              <a:effectRef idx="1">
+                <a:schemeClr val="dk1"/>
+              </a:effectRef>
+              <a:fontRef idx="minor">
+                <a:schemeClr val="dk1"/>
+              </a:fontRef>
+            </p:style>
+          </p:cxnSp>
+          <p:cxnSp>
+            <p:nvCxnSpPr>
+              <p:cNvPr id="110" name="直接连接符 109">
+                <a:extLst>
+                  <a:ext uri="{FF2B5EF4-FFF2-40B4-BE49-F238E27FC236}">
+                    <a16:creationId xmlns:a16="http://schemas.microsoft.com/office/drawing/2014/main" id="{04D86B00-B23C-4535-A95D-B7E01AFF2E5B}"/>
+                  </a:ext>
+                </a:extLst>
+              </p:cNvPr>
+              <p:cNvCxnSpPr>
+                <a:cxnSpLocks/>
+                <a:stCxn id="88" idx="6"/>
+                <a:endCxn id="89" idx="2"/>
+              </p:cNvCxnSpPr>
+              <p:nvPr/>
+            </p:nvCxnSpPr>
+            <p:spPr>
+              <a:xfrm flipV="1">
+                <a:off x="8267940" y="1401307"/>
+                <a:ext cx="208373" cy="398489"/>
+              </a:xfrm>
+              <a:prstGeom prst="line">
+                <a:avLst/>
+              </a:prstGeom>
+            </p:spPr>
+            <p:style>
+              <a:lnRef idx="1">
+                <a:schemeClr val="dk1"/>
+              </a:lnRef>
+              <a:fillRef idx="2">
+                <a:schemeClr val="dk1"/>
+              </a:fillRef>
+              <a:effectRef idx="1">
+                <a:schemeClr val="dk1"/>
+              </a:effectRef>
+              <a:fontRef idx="minor">
+                <a:schemeClr val="dk1"/>
+              </a:fontRef>
+            </p:style>
+          </p:cxnSp>
+          <p:cxnSp>
+            <p:nvCxnSpPr>
+              <p:cNvPr id="111" name="直接连接符 110">
+                <a:extLst>
+                  <a:ext uri="{FF2B5EF4-FFF2-40B4-BE49-F238E27FC236}">
+                    <a16:creationId xmlns:a16="http://schemas.microsoft.com/office/drawing/2014/main" id="{CD3F723B-D83A-482F-9348-8B8BBFC14764}"/>
+                  </a:ext>
+                </a:extLst>
+              </p:cNvPr>
+              <p:cNvCxnSpPr>
+                <a:cxnSpLocks/>
+                <a:stCxn id="84" idx="6"/>
+                <a:endCxn id="89" idx="2"/>
+              </p:cNvCxnSpPr>
+              <p:nvPr/>
+            </p:nvCxnSpPr>
+            <p:spPr>
+              <a:xfrm flipV="1">
+                <a:off x="8267940" y="1401307"/>
+                <a:ext cx="208373" cy="667319"/>
+              </a:xfrm>
+              <a:prstGeom prst="line">
+                <a:avLst/>
+              </a:prstGeom>
+            </p:spPr>
+            <p:style>
+              <a:lnRef idx="1">
+                <a:schemeClr val="dk1"/>
+              </a:lnRef>
+              <a:fillRef idx="2">
+                <a:schemeClr val="dk1"/>
+              </a:fillRef>
+              <a:effectRef idx="1">
+                <a:schemeClr val="dk1"/>
+              </a:effectRef>
+              <a:fontRef idx="minor">
+                <a:schemeClr val="dk1"/>
+              </a:fontRef>
+            </p:style>
+          </p:cxnSp>
+          <p:cxnSp>
+            <p:nvCxnSpPr>
+              <p:cNvPr id="112" name="直接连接符 111">
+                <a:extLst>
+                  <a:ext uri="{FF2B5EF4-FFF2-40B4-BE49-F238E27FC236}">
+                    <a16:creationId xmlns:a16="http://schemas.microsoft.com/office/drawing/2014/main" id="{C6652B7E-C492-4F18-83CE-341CDBCFF640}"/>
+                  </a:ext>
+                </a:extLst>
+              </p:cNvPr>
+              <p:cNvCxnSpPr>
+                <a:cxnSpLocks/>
+                <a:stCxn id="90" idx="2"/>
+                <a:endCxn id="85" idx="6"/>
+              </p:cNvCxnSpPr>
+              <p:nvPr/>
+            </p:nvCxnSpPr>
+            <p:spPr>
+              <a:xfrm flipH="1" flipV="1">
+                <a:off x="8267940" y="1262136"/>
+                <a:ext cx="208373" cy="676831"/>
+              </a:xfrm>
+              <a:prstGeom prst="line">
+                <a:avLst/>
+              </a:prstGeom>
+            </p:spPr>
+            <p:style>
+              <a:lnRef idx="1">
+                <a:schemeClr val="dk1"/>
+              </a:lnRef>
+              <a:fillRef idx="2">
+                <a:schemeClr val="dk1"/>
+              </a:fillRef>
+              <a:effectRef idx="1">
+                <a:schemeClr val="dk1"/>
+              </a:effectRef>
+              <a:fontRef idx="minor">
+                <a:schemeClr val="dk1"/>
+              </a:fontRef>
+            </p:style>
+          </p:cxnSp>
+          <p:cxnSp>
+            <p:nvCxnSpPr>
+              <p:cNvPr id="114" name="直接连接符 113">
+                <a:extLst>
+                  <a:ext uri="{FF2B5EF4-FFF2-40B4-BE49-F238E27FC236}">
+                    <a16:creationId xmlns:a16="http://schemas.microsoft.com/office/drawing/2014/main" id="{E217D6B4-DEA2-4028-833C-C89DCE54DC4A}"/>
+                  </a:ext>
+                </a:extLst>
+              </p:cNvPr>
+              <p:cNvCxnSpPr>
+                <a:cxnSpLocks/>
+                <a:stCxn id="90" idx="2"/>
+                <a:endCxn id="86" idx="6"/>
+              </p:cNvCxnSpPr>
+              <p:nvPr/>
+            </p:nvCxnSpPr>
+            <p:spPr>
+              <a:xfrm flipH="1" flipV="1">
+                <a:off x="8267940" y="1530966"/>
+                <a:ext cx="208373" cy="408001"/>
+              </a:xfrm>
+              <a:prstGeom prst="line">
+                <a:avLst/>
+              </a:prstGeom>
+            </p:spPr>
+            <p:style>
+              <a:lnRef idx="1">
+                <a:schemeClr val="dk1"/>
+              </a:lnRef>
+              <a:fillRef idx="2">
+                <a:schemeClr val="dk1"/>
+              </a:fillRef>
+              <a:effectRef idx="1">
+                <a:schemeClr val="dk1"/>
+              </a:effectRef>
+              <a:fontRef idx="minor">
+                <a:schemeClr val="dk1"/>
+              </a:fontRef>
+            </p:style>
+          </p:cxnSp>
+          <p:cxnSp>
+            <p:nvCxnSpPr>
+              <p:cNvPr id="115" name="直接连接符 114">
+                <a:extLst>
+                  <a:ext uri="{FF2B5EF4-FFF2-40B4-BE49-F238E27FC236}">
+                    <a16:creationId xmlns:a16="http://schemas.microsoft.com/office/drawing/2014/main" id="{8A77D213-201A-4328-93FB-3A308E896660}"/>
+                  </a:ext>
+                </a:extLst>
+              </p:cNvPr>
+              <p:cNvCxnSpPr>
+                <a:cxnSpLocks/>
+                <a:stCxn id="90" idx="2"/>
+                <a:endCxn id="88" idx="6"/>
+              </p:cNvCxnSpPr>
+              <p:nvPr/>
+            </p:nvCxnSpPr>
+            <p:spPr>
+              <a:xfrm flipH="1" flipV="1">
+                <a:off x="8267940" y="1799796"/>
+                <a:ext cx="208373" cy="139171"/>
+              </a:xfrm>
+              <a:prstGeom prst="line">
+                <a:avLst/>
+              </a:prstGeom>
+            </p:spPr>
+            <p:style>
+              <a:lnRef idx="1">
+                <a:schemeClr val="dk1"/>
+              </a:lnRef>
+              <a:fillRef idx="2">
+                <a:schemeClr val="dk1"/>
+              </a:fillRef>
+              <a:effectRef idx="1">
+                <a:schemeClr val="dk1"/>
+              </a:effectRef>
+              <a:fontRef idx="minor">
+                <a:schemeClr val="dk1"/>
+              </a:fontRef>
+            </p:style>
+          </p:cxnSp>
+          <p:cxnSp>
+            <p:nvCxnSpPr>
+              <p:cNvPr id="116" name="直接连接符 115">
+                <a:extLst>
+                  <a:ext uri="{FF2B5EF4-FFF2-40B4-BE49-F238E27FC236}">
+                    <a16:creationId xmlns:a16="http://schemas.microsoft.com/office/drawing/2014/main" id="{4E3D7BD6-028D-4068-9D0B-95CB464B71BA}"/>
+                  </a:ext>
+                </a:extLst>
+              </p:cNvPr>
+              <p:cNvCxnSpPr>
+                <a:cxnSpLocks/>
+                <a:stCxn id="90" idx="2"/>
+                <a:endCxn id="84" idx="6"/>
+              </p:cNvCxnSpPr>
+              <p:nvPr/>
+            </p:nvCxnSpPr>
+            <p:spPr>
+              <a:xfrm flipH="1">
+                <a:off x="8267940" y="1938967"/>
+                <a:ext cx="208373" cy="129659"/>
+              </a:xfrm>
+              <a:prstGeom prst="line">
+                <a:avLst/>
+              </a:prstGeom>
+            </p:spPr>
+            <p:style>
+              <a:lnRef idx="1">
+                <a:schemeClr val="dk1"/>
+              </a:lnRef>
+              <a:fillRef idx="2">
+                <a:schemeClr val="dk1"/>
+              </a:fillRef>
+              <a:effectRef idx="1">
+                <a:schemeClr val="dk1"/>
+              </a:effectRef>
+              <a:fontRef idx="minor">
+                <a:schemeClr val="dk1"/>
+              </a:fontRef>
+            </p:style>
+          </p:cxnSp>
+          <p:sp>
+            <p:nvSpPr>
+              <p:cNvPr id="117" name="流程图: 接点 116">
+                <a:extLst>
+                  <a:ext uri="{FF2B5EF4-FFF2-40B4-BE49-F238E27FC236}">
+                    <a16:creationId xmlns:a16="http://schemas.microsoft.com/office/drawing/2014/main" id="{96C5A526-A1FC-4F1A-A0C9-C3FB0CA32C73}"/>
+                  </a:ext>
+                </a:extLst>
+              </p:cNvPr>
+              <p:cNvSpPr/>
+              <p:nvPr/>
+            </p:nvSpPr>
+            <p:spPr>
+              <a:xfrm>
+                <a:off x="8476313" y="1576576"/>
+                <a:ext cx="180000" cy="180000"/>
+              </a:xfrm>
+              <a:prstGeom prst="flowChartConnector">
+                <a:avLst/>
+              </a:prstGeom>
+            </p:spPr>
+            <p:style>
+              <a:lnRef idx="1">
+                <a:schemeClr val="dk1"/>
+              </a:lnRef>
+              <a:fillRef idx="2">
+                <a:schemeClr val="dk1"/>
+              </a:fillRef>
+              <a:effectRef idx="1">
+                <a:schemeClr val="dk1"/>
+              </a:effectRef>
+              <a:fontRef idx="minor">
+                <a:schemeClr val="dk1"/>
+              </a:fontRef>
+            </p:style>
+            <p:txBody>
+              <a:bodyPr rtlCol="0" anchor="ctr"/>
+              <a:lstStyle/>
+              <a:p>
+                <a:pPr algn="ctr"/>
+                <a:endParaRPr lang="zh-CN" altLang="en-US"/>
+              </a:p>
+            </p:txBody>
+          </p:sp>
+          <p:cxnSp>
+            <p:nvCxnSpPr>
+              <p:cNvPr id="119" name="直接连接符 118">
+                <a:extLst>
+                  <a:ext uri="{FF2B5EF4-FFF2-40B4-BE49-F238E27FC236}">
+                    <a16:creationId xmlns:a16="http://schemas.microsoft.com/office/drawing/2014/main" id="{D3872D99-7C63-4BA2-9716-3F03CDE3C0AF}"/>
+                  </a:ext>
+                </a:extLst>
+              </p:cNvPr>
+              <p:cNvCxnSpPr>
+                <a:cxnSpLocks/>
+                <a:stCxn id="85" idx="6"/>
+                <a:endCxn id="117" idx="2"/>
+              </p:cNvCxnSpPr>
+              <p:nvPr/>
+            </p:nvCxnSpPr>
+            <p:spPr>
+              <a:xfrm>
+                <a:off x="8267940" y="1262136"/>
+                <a:ext cx="208373" cy="404440"/>
+              </a:xfrm>
+              <a:prstGeom prst="line">
+                <a:avLst/>
+              </a:prstGeom>
+            </p:spPr>
+            <p:style>
+              <a:lnRef idx="1">
+                <a:schemeClr val="dk1"/>
+              </a:lnRef>
+              <a:fillRef idx="2">
+                <a:schemeClr val="dk1"/>
+              </a:fillRef>
+              <a:effectRef idx="1">
+                <a:schemeClr val="dk1"/>
+              </a:effectRef>
+              <a:fontRef idx="minor">
+                <a:schemeClr val="dk1"/>
+              </a:fontRef>
+            </p:style>
+          </p:cxnSp>
+          <p:cxnSp>
+            <p:nvCxnSpPr>
+              <p:cNvPr id="120" name="直接连接符 119">
+                <a:extLst>
+                  <a:ext uri="{FF2B5EF4-FFF2-40B4-BE49-F238E27FC236}">
+                    <a16:creationId xmlns:a16="http://schemas.microsoft.com/office/drawing/2014/main" id="{F2969008-5FB7-45BB-9E66-7233CF0130E2}"/>
+                  </a:ext>
+                </a:extLst>
+              </p:cNvPr>
+              <p:cNvCxnSpPr>
+                <a:cxnSpLocks/>
+                <a:stCxn id="84" idx="6"/>
+                <a:endCxn id="117" idx="2"/>
+              </p:cNvCxnSpPr>
+              <p:nvPr/>
+            </p:nvCxnSpPr>
+            <p:spPr>
+              <a:xfrm flipV="1">
+                <a:off x="8267940" y="1666576"/>
+                <a:ext cx="208373" cy="402050"/>
+              </a:xfrm>
+              <a:prstGeom prst="line">
+                <a:avLst/>
+              </a:prstGeom>
+            </p:spPr>
+            <p:style>
+              <a:lnRef idx="1">
+                <a:schemeClr val="dk1"/>
+              </a:lnRef>
+              <a:fillRef idx="2">
+                <a:schemeClr val="dk1"/>
+              </a:fillRef>
+              <a:effectRef idx="1">
+                <a:schemeClr val="dk1"/>
+              </a:effectRef>
+              <a:fontRef idx="minor">
+                <a:schemeClr val="dk1"/>
+              </a:fontRef>
+            </p:style>
+          </p:cxnSp>
+          <p:cxnSp>
+            <p:nvCxnSpPr>
+              <p:cNvPr id="121" name="直接连接符 120">
+                <a:extLst>
+                  <a:ext uri="{FF2B5EF4-FFF2-40B4-BE49-F238E27FC236}">
+                    <a16:creationId xmlns:a16="http://schemas.microsoft.com/office/drawing/2014/main" id="{F4AAA409-9DE8-45F2-8BA3-424506EE61ED}"/>
+                  </a:ext>
+                </a:extLst>
+              </p:cNvPr>
+              <p:cNvCxnSpPr>
+                <a:cxnSpLocks/>
+                <a:stCxn id="88" idx="6"/>
+                <a:endCxn id="117" idx="2"/>
+              </p:cNvCxnSpPr>
+              <p:nvPr/>
+            </p:nvCxnSpPr>
+            <p:spPr>
+              <a:xfrm flipV="1">
+                <a:off x="8267940" y="1666576"/>
+                <a:ext cx="208373" cy="133220"/>
+              </a:xfrm>
+              <a:prstGeom prst="line">
+                <a:avLst/>
+              </a:prstGeom>
+            </p:spPr>
+            <p:style>
+              <a:lnRef idx="1">
+                <a:schemeClr val="dk1"/>
+              </a:lnRef>
+              <a:fillRef idx="2">
+                <a:schemeClr val="dk1"/>
+              </a:fillRef>
+              <a:effectRef idx="1">
+                <a:schemeClr val="dk1"/>
+              </a:effectRef>
+              <a:fontRef idx="minor">
+                <a:schemeClr val="dk1"/>
+              </a:fontRef>
+            </p:style>
+          </p:cxnSp>
+          <p:cxnSp>
+            <p:nvCxnSpPr>
+              <p:cNvPr id="122" name="直接连接符 121">
+                <a:extLst>
+                  <a:ext uri="{FF2B5EF4-FFF2-40B4-BE49-F238E27FC236}">
+                    <a16:creationId xmlns:a16="http://schemas.microsoft.com/office/drawing/2014/main" id="{DE6093F9-B163-4841-B5CA-1362ABC301AD}"/>
+                  </a:ext>
+                </a:extLst>
+              </p:cNvPr>
+              <p:cNvCxnSpPr>
+                <a:cxnSpLocks/>
+                <a:stCxn id="86" idx="6"/>
+                <a:endCxn id="117" idx="2"/>
+              </p:cNvCxnSpPr>
+              <p:nvPr/>
+            </p:nvCxnSpPr>
+            <p:spPr>
+              <a:xfrm>
+                <a:off x="8267940" y="1530966"/>
+                <a:ext cx="208373" cy="135610"/>
+              </a:xfrm>
+              <a:prstGeom prst="line">
+                <a:avLst/>
+              </a:prstGeom>
+            </p:spPr>
+            <p:style>
+              <a:lnRef idx="1">
+                <a:schemeClr val="dk1"/>
+              </a:lnRef>
+              <a:fillRef idx="2">
+                <a:schemeClr val="dk1"/>
+              </a:fillRef>
+              <a:effectRef idx="1">
+                <a:schemeClr val="dk1"/>
+              </a:effectRef>
+              <a:fontRef idx="minor">
+                <a:schemeClr val="dk1"/>
+              </a:fontRef>
+            </p:style>
+          </p:cxnSp>
+        </p:grpSp>
       </p:grpSp>
     </p:spTree>
     <p:extLst>

--- a/Manuscript/figures/Figure_System.pptx
+++ b/Manuscript/figures/Figure_System.pptx
@@ -241,7 +241,7 @@
           <a:p>
             <a:fld id="{D997B5FA-0921-464F-AAE1-844C04324D75}" type="datetimeFigureOut">
               <a:rPr lang="zh-CN" altLang="en-US" smtClean="0"/>
-              <a:t>2021-12-24</a:t>
+              <a:t>2022-01-01</a:t>
             </a:fld>
             <a:endParaRPr lang="zh-CN" altLang="en-US"/>
           </a:p>
@@ -404,7 +404,7 @@
           <a:p>
             <a:fld id="{D997B5FA-0921-464F-AAE1-844C04324D75}" type="datetimeFigureOut">
               <a:rPr lang="zh-CN" altLang="en-US" smtClean="0"/>
-              <a:t>2021-12-24</a:t>
+              <a:t>2022-01-01</a:t>
             </a:fld>
             <a:endParaRPr lang="zh-CN" altLang="en-US"/>
           </a:p>
@@ -577,7 +577,7 @@
           <a:p>
             <a:fld id="{D997B5FA-0921-464F-AAE1-844C04324D75}" type="datetimeFigureOut">
               <a:rPr lang="zh-CN" altLang="en-US" smtClean="0"/>
-              <a:t>2021-12-24</a:t>
+              <a:t>2022-01-01</a:t>
             </a:fld>
             <a:endParaRPr lang="zh-CN" altLang="en-US"/>
           </a:p>
@@ -740,7 +740,7 @@
           <a:p>
             <a:fld id="{D997B5FA-0921-464F-AAE1-844C04324D75}" type="datetimeFigureOut">
               <a:rPr lang="zh-CN" altLang="en-US" smtClean="0"/>
-              <a:t>2021-12-24</a:t>
+              <a:t>2022-01-01</a:t>
             </a:fld>
             <a:endParaRPr lang="zh-CN" altLang="en-US"/>
           </a:p>
@@ -980,7 +980,7 @@
           <a:p>
             <a:fld id="{D997B5FA-0921-464F-AAE1-844C04324D75}" type="datetimeFigureOut">
               <a:rPr lang="zh-CN" altLang="en-US" smtClean="0"/>
-              <a:t>2021-12-24</a:t>
+              <a:t>2022-01-01</a:t>
             </a:fld>
             <a:endParaRPr lang="zh-CN" altLang="en-US"/>
           </a:p>
@@ -1204,7 +1204,7 @@
           <a:p>
             <a:fld id="{D997B5FA-0921-464F-AAE1-844C04324D75}" type="datetimeFigureOut">
               <a:rPr lang="zh-CN" altLang="en-US" smtClean="0"/>
-              <a:t>2021-12-24</a:t>
+              <a:t>2022-01-01</a:t>
             </a:fld>
             <a:endParaRPr lang="zh-CN" altLang="en-US"/>
           </a:p>
@@ -1563,7 +1563,7 @@
           <a:p>
             <a:fld id="{D997B5FA-0921-464F-AAE1-844C04324D75}" type="datetimeFigureOut">
               <a:rPr lang="zh-CN" altLang="en-US" smtClean="0"/>
-              <a:t>2021-12-24</a:t>
+              <a:t>2022-01-01</a:t>
             </a:fld>
             <a:endParaRPr lang="zh-CN" altLang="en-US"/>
           </a:p>
@@ -1675,7 +1675,7 @@
           <a:p>
             <a:fld id="{D997B5FA-0921-464F-AAE1-844C04324D75}" type="datetimeFigureOut">
               <a:rPr lang="zh-CN" altLang="en-US" smtClean="0"/>
-              <a:t>2021-12-24</a:t>
+              <a:t>2022-01-01</a:t>
             </a:fld>
             <a:endParaRPr lang="zh-CN" altLang="en-US"/>
           </a:p>
@@ -1765,7 +1765,7 @@
           <a:p>
             <a:fld id="{D997B5FA-0921-464F-AAE1-844C04324D75}" type="datetimeFigureOut">
               <a:rPr lang="zh-CN" altLang="en-US" smtClean="0"/>
-              <a:t>2021-12-24</a:t>
+              <a:t>2022-01-01</a:t>
             </a:fld>
             <a:endParaRPr lang="zh-CN" altLang="en-US"/>
           </a:p>
@@ -2035,7 +2035,7 @@
           <a:p>
             <a:fld id="{D997B5FA-0921-464F-AAE1-844C04324D75}" type="datetimeFigureOut">
               <a:rPr lang="zh-CN" altLang="en-US" smtClean="0"/>
-              <a:t>2021-12-24</a:t>
+              <a:t>2022-01-01</a:t>
             </a:fld>
             <a:endParaRPr lang="zh-CN" altLang="en-US"/>
           </a:p>
@@ -2282,7 +2282,7 @@
           <a:p>
             <a:fld id="{D997B5FA-0921-464F-AAE1-844C04324D75}" type="datetimeFigureOut">
               <a:rPr lang="zh-CN" altLang="en-US" smtClean="0"/>
-              <a:t>2021-12-24</a:t>
+              <a:t>2022-01-01</a:t>
             </a:fld>
             <a:endParaRPr lang="zh-CN" altLang="en-US"/>
           </a:p>
@@ -2488,7 +2488,7 @@
           <a:p>
             <a:fld id="{D997B5FA-0921-464F-AAE1-844C04324D75}" type="datetimeFigureOut">
               <a:rPr lang="zh-CN" altLang="en-US" smtClean="0"/>
-              <a:t>2021-12-24</a:t>
+              <a:t>2022-01-01</a:t>
             </a:fld>
             <a:endParaRPr lang="zh-CN" altLang="en-US"/>
           </a:p>
@@ -2890,10 +2890,10 @@
       </p:grpSpPr>
       <p:grpSp>
         <p:nvGrpSpPr>
-          <p:cNvPr id="16" name="组合 15">
+          <p:cNvPr id="6" name="组合 5">
             <a:extLst>
               <a:ext uri="{FF2B5EF4-FFF2-40B4-BE49-F238E27FC236}">
-                <a16:creationId xmlns:a16="http://schemas.microsoft.com/office/drawing/2014/main" id="{B352BBD5-9AE1-47AA-8012-368E3D4329DE}"/>
+                <a16:creationId xmlns:a16="http://schemas.microsoft.com/office/drawing/2014/main" id="{D8A5C82A-8E09-4879-95D7-9E9AE5FBABA0}"/>
               </a:ext>
             </a:extLst>
           </p:cNvPr>
@@ -6855,6 +6855,66 @@
             </p:style>
           </p:cxnSp>
         </p:grpSp>
+        <p:pic>
+          <p:nvPicPr>
+            <p:cNvPr id="123" name="图片 122" descr="病毒 (1)">
+              <a:extLst>
+                <a:ext uri="{FF2B5EF4-FFF2-40B4-BE49-F238E27FC236}">
+                  <a16:creationId xmlns:a16="http://schemas.microsoft.com/office/drawing/2014/main" id="{33DDFF1B-BA47-47A9-BA97-1C5560EB03C2}"/>
+                </a:ext>
+              </a:extLst>
+            </p:cNvPr>
+            <p:cNvPicPr>
+              <a:picLocks noChangeAspect="1"/>
+            </p:cNvPicPr>
+            <p:nvPr/>
+          </p:nvPicPr>
+          <p:blipFill>
+            <a:blip r:embed="rId3"/>
+            <a:stretch>
+              <a:fillRect/>
+            </a:stretch>
+          </p:blipFill>
+          <p:spPr>
+            <a:xfrm>
+              <a:off x="4375744" y="2505485"/>
+              <a:ext cx="360045" cy="360045"/>
+            </a:xfrm>
+            <a:prstGeom prst="rect">
+              <a:avLst/>
+            </a:prstGeom>
+          </p:spPr>
+        </p:pic>
+        <p:pic>
+          <p:nvPicPr>
+            <p:cNvPr id="124" name="图片 123" descr="病毒 (1)">
+              <a:extLst>
+                <a:ext uri="{FF2B5EF4-FFF2-40B4-BE49-F238E27FC236}">
+                  <a16:creationId xmlns:a16="http://schemas.microsoft.com/office/drawing/2014/main" id="{7025E610-7FE0-46E7-816F-56E9D9EB6172}"/>
+                </a:ext>
+              </a:extLst>
+            </p:cNvPr>
+            <p:cNvPicPr>
+              <a:picLocks noChangeAspect="1"/>
+            </p:cNvPicPr>
+            <p:nvPr/>
+          </p:nvPicPr>
+          <p:blipFill>
+            <a:blip r:embed="rId3"/>
+            <a:stretch>
+              <a:fillRect/>
+            </a:stretch>
+          </p:blipFill>
+          <p:spPr>
+            <a:xfrm>
+              <a:off x="5656958" y="2499627"/>
+              <a:ext cx="360045" cy="360045"/>
+            </a:xfrm>
+            <a:prstGeom prst="rect">
+              <a:avLst/>
+            </a:prstGeom>
+          </p:spPr>
+        </p:pic>
       </p:grpSp>
     </p:spTree>
     <p:extLst>

--- a/Manuscript/figures/Figure_System.pptx
+++ b/Manuscript/figures/Figure_System.pptx
@@ -2888,6 +2888,45 @@
           <a:chExt cx="0" cy="0"/>
         </a:xfrm>
       </p:grpSpPr>
+      <p:pic>
+        <p:nvPicPr>
+          <p:cNvPr id="125" name="图形 124">
+            <a:extLst>
+              <a:ext uri="{FF2B5EF4-FFF2-40B4-BE49-F238E27FC236}">
+                <a16:creationId xmlns:a16="http://schemas.microsoft.com/office/drawing/2014/main" id="{8C5868B4-9A1D-459C-B9A2-19626B07BE75}"/>
+              </a:ext>
+            </a:extLst>
+          </p:cNvPr>
+          <p:cNvPicPr>
+            <a:picLocks noChangeAspect="1"/>
+          </p:cNvPicPr>
+          <p:nvPr/>
+        </p:nvPicPr>
+        <p:blipFill>
+          <a:blip r:embed="rId2" cstate="print">
+            <a:extLst>
+              <a:ext uri="{28A0092B-C50C-407E-A947-70E740481C1C}">
+                <a14:useLocalDpi xmlns:a14="http://schemas.microsoft.com/office/drawing/2010/main" val="0"/>
+              </a:ext>
+              <a:ext uri="{96DAC541-7B7A-43D3-8B79-37D633B846F1}">
+                <asvg:svgBlip xmlns:asvg="http://schemas.microsoft.com/office/drawing/2016/SVG/main" r:embed="rId3"/>
+              </a:ext>
+            </a:extLst>
+          </a:blip>
+          <a:stretch>
+            <a:fillRect/>
+          </a:stretch>
+        </p:blipFill>
+        <p:spPr>
+          <a:xfrm>
+            <a:off x="4073923" y="3243985"/>
+            <a:ext cx="576000" cy="576000"/>
+          </a:xfrm>
+          <a:prstGeom prst="rect">
+            <a:avLst/>
+          </a:prstGeom>
+        </p:spPr>
+      </p:pic>
       <p:grpSp>
         <p:nvGrpSpPr>
           <p:cNvPr id="42" name="组合 41">
@@ -4323,36 +4362,12 @@
         </p:nvGrpSpPr>
         <p:grpSpPr>
           <a:xfrm>
-            <a:off x="3697686" y="3135367"/>
-            <a:ext cx="1395057" cy="807281"/>
-            <a:chOff x="3428337" y="4084320"/>
-            <a:chExt cx="1395057" cy="807281"/>
+            <a:off x="3697686" y="3419656"/>
+            <a:ext cx="1395057" cy="522992"/>
+            <a:chOff x="3428337" y="4368609"/>
+            <a:chExt cx="1395057" cy="522992"/>
           </a:xfrm>
         </p:grpSpPr>
-        <p:pic>
-          <p:nvPicPr>
-            <p:cNvPr id="71" name="图片 70" descr="数据 (2)"/>
-            <p:cNvPicPr>
-              <a:picLocks noChangeAspect="1"/>
-            </p:cNvPicPr>
-            <p:nvPr/>
-          </p:nvPicPr>
-          <p:blipFill>
-            <a:blip r:embed="rId2"/>
-            <a:stretch>
-              <a:fillRect/>
-            </a:stretch>
-          </p:blipFill>
-          <p:spPr>
-            <a:xfrm>
-              <a:off x="3753485" y="4084320"/>
-              <a:ext cx="720090" cy="720090"/>
-            </a:xfrm>
-            <a:prstGeom prst="rect">
-              <a:avLst/>
-            </a:prstGeom>
-          </p:spPr>
-        </p:pic>
         <p:sp>
           <p:nvSpPr>
             <p:cNvPr id="113" name="文本框 112"/>
@@ -4392,103 +4407,58 @@
             <p:nvPr/>
           </p:nvPicPr>
           <p:blipFill>
-            <a:blip r:embed="rId3"/>
-            <a:stretch>
-              <a:fillRect/>
-            </a:stretch>
-          </p:blipFill>
-          <p:spPr>
-            <a:xfrm>
-              <a:off x="4100125" y="4368609"/>
-              <a:ext cx="360045" cy="360045"/>
-            </a:xfrm>
-            <a:prstGeom prst="rect">
-              <a:avLst/>
-            </a:prstGeom>
-          </p:spPr>
-        </p:pic>
-      </p:grpSp>
-      <p:grpSp>
-        <p:nvGrpSpPr>
-          <p:cNvPr id="2" name="组合 1">
-            <a:extLst>
-              <a:ext uri="{FF2B5EF4-FFF2-40B4-BE49-F238E27FC236}">
-                <a16:creationId xmlns:a16="http://schemas.microsoft.com/office/drawing/2014/main" id="{FE05EDA2-74CC-4A7A-A62E-140DA5E6EFA3}"/>
-              </a:ext>
-            </a:extLst>
-          </p:cNvPr>
-          <p:cNvGrpSpPr/>
-          <p:nvPr/>
-        </p:nvGrpSpPr>
-        <p:grpSpPr>
-          <a:xfrm>
-            <a:off x="3181500" y="3151566"/>
-            <a:ext cx="906113" cy="759152"/>
-            <a:chOff x="2055828" y="4084320"/>
-            <a:chExt cx="906113" cy="759152"/>
-          </a:xfrm>
-        </p:grpSpPr>
-        <p:pic>
-          <p:nvPicPr>
-            <p:cNvPr id="9" name="图片 8" descr="用户 (1)"/>
-            <p:cNvPicPr>
-              <a:picLocks noChangeAspect="1"/>
-            </p:cNvPicPr>
-            <p:nvPr/>
-          </p:nvPicPr>
-          <p:blipFill>
             <a:blip r:embed="rId4"/>
             <a:stretch>
               <a:fillRect/>
             </a:stretch>
           </p:blipFill>
           <p:spPr>
-            <a:xfrm flipH="1">
-              <a:off x="2141220" y="4084320"/>
-              <a:ext cx="735330" cy="720090"/>
+            <a:xfrm>
+              <a:off x="4100125" y="4368609"/>
+              <a:ext cx="360045" cy="360045"/>
             </a:xfrm>
             <a:prstGeom prst="rect">
               <a:avLst/>
             </a:prstGeom>
           </p:spPr>
         </p:pic>
-        <p:sp>
-          <p:nvSpPr>
-            <p:cNvPr id="93" name="文本框 92">
-              <a:extLst>
-                <a:ext uri="{FF2B5EF4-FFF2-40B4-BE49-F238E27FC236}">
-                  <a16:creationId xmlns:a16="http://schemas.microsoft.com/office/drawing/2014/main" id="{6A624DD8-361E-4F1C-AC7B-B4A620C8D8B9}"/>
-                </a:ext>
-              </a:extLst>
-            </p:cNvPr>
-            <p:cNvSpPr txBox="1"/>
-            <p:nvPr/>
-          </p:nvSpPr>
-          <p:spPr>
-            <a:xfrm>
-              <a:off x="2055828" y="4612640"/>
-              <a:ext cx="906113" cy="230832"/>
-            </a:xfrm>
-            <a:prstGeom prst="rect">
-              <a:avLst/>
-            </a:prstGeom>
-            <a:noFill/>
-          </p:spPr>
-          <p:txBody>
-            <a:bodyPr wrap="square" rtlCol="0">
-              <a:spAutoFit/>
-            </a:bodyPr>
-            <a:lstStyle/>
-            <a:p>
-              <a:pPr algn="ctr"/>
-              <a:r>
-                <a:rPr lang="en-US" altLang="zh-CN" sz="900" b="1" i="1" dirty="0"/>
-                <a:t>FL Client</a:t>
-              </a:r>
-            </a:p>
-          </p:txBody>
-        </p:sp>
       </p:grpSp>
+      <p:sp>
+        <p:nvSpPr>
+          <p:cNvPr id="93" name="文本框 92">
+            <a:extLst>
+              <a:ext uri="{FF2B5EF4-FFF2-40B4-BE49-F238E27FC236}">
+                <a16:creationId xmlns:a16="http://schemas.microsoft.com/office/drawing/2014/main" id="{6A624DD8-361E-4F1C-AC7B-B4A620C8D8B9}"/>
+              </a:ext>
+            </a:extLst>
+          </p:cNvPr>
+          <p:cNvSpPr txBox="1"/>
+          <p:nvPr/>
+        </p:nvSpPr>
+        <p:spPr>
+          <a:xfrm>
+            <a:off x="3181500" y="3679886"/>
+            <a:ext cx="906113" cy="230832"/>
+          </a:xfrm>
+          <a:prstGeom prst="rect">
+            <a:avLst/>
+          </a:prstGeom>
+          <a:noFill/>
+        </p:spPr>
+        <p:txBody>
+          <a:bodyPr wrap="square" rtlCol="0">
+            <a:spAutoFit/>
+          </a:bodyPr>
+          <a:lstStyle/>
+          <a:p>
+            <a:pPr algn="ctr"/>
+            <a:r>
+              <a:rPr lang="en-US" altLang="zh-CN" sz="900" b="1" i="1" dirty="0"/>
+              <a:t>FL Client</a:t>
+            </a:r>
+          </a:p>
+        </p:txBody>
+      </p:sp>
       <p:grpSp>
         <p:nvGrpSpPr>
           <p:cNvPr id="21" name="组合 20">
@@ -4560,7 +4530,7 @@
             <p:nvPr/>
           </p:nvPicPr>
           <p:blipFill>
-            <a:blip r:embed="rId3"/>
+            <a:blip r:embed="rId4"/>
             <a:stretch>
               <a:fillRect/>
             </a:stretch>
@@ -4587,7 +4557,6 @@
           </p:cNvPr>
           <p:cNvCxnSpPr>
             <a:cxnSpLocks/>
-            <a:stCxn id="71" idx="3"/>
           </p:cNvCxnSpPr>
           <p:nvPr/>
         </p:nvCxnSpPr>
@@ -4765,10 +4734,10 @@
         </p:nvGrpSpPr>
         <p:grpSpPr>
           <a:xfrm>
-            <a:off x="3272088" y="1794773"/>
-            <a:ext cx="2998227" cy="1248513"/>
-            <a:chOff x="3272088" y="1794773"/>
-            <a:chExt cx="2998227" cy="1248513"/>
+            <a:off x="3319690" y="1794773"/>
+            <a:ext cx="2950625" cy="1248513"/>
+            <a:chOff x="3319690" y="1794773"/>
+            <a:chExt cx="2950625" cy="1248513"/>
           </a:xfrm>
         </p:grpSpPr>
         <p:sp>
@@ -4801,93 +4770,42 @@
             </a:p>
           </p:txBody>
         </p:sp>
-        <p:grpSp>
-          <p:nvGrpSpPr>
-            <p:cNvPr id="118" name="组合 117">
-              <a:extLst>
-                <a:ext uri="{FF2B5EF4-FFF2-40B4-BE49-F238E27FC236}">
-                  <a16:creationId xmlns:a16="http://schemas.microsoft.com/office/drawing/2014/main" id="{496155B3-8DC6-4700-AD45-CE0F9F47F906}"/>
-                </a:ext>
-              </a:extLst>
-            </p:cNvPr>
-            <p:cNvGrpSpPr/>
-            <p:nvPr/>
-          </p:nvGrpSpPr>
-          <p:grpSpPr>
+        <p:sp>
+          <p:nvSpPr>
+            <p:cNvPr id="129" name="文本框 128">
+              <a:extLst>
+                <a:ext uri="{FF2B5EF4-FFF2-40B4-BE49-F238E27FC236}">
+                  <a16:creationId xmlns:a16="http://schemas.microsoft.com/office/drawing/2014/main" id="{9F8611C7-E079-4458-BA20-EE0FA4F53D4B}"/>
+                </a:ext>
+              </a:extLst>
+            </p:cNvPr>
+            <p:cNvSpPr txBox="1"/>
+            <p:nvPr/>
+          </p:nvSpPr>
+          <p:spPr>
             <a:xfrm>
-              <a:off x="3272088" y="1966132"/>
-              <a:ext cx="720090" cy="823787"/>
-              <a:chOff x="7058357" y="2142173"/>
-              <a:chExt cx="720090" cy="823787"/>
-            </a:xfrm>
-          </p:grpSpPr>
-          <p:pic>
-            <p:nvPicPr>
-              <p:cNvPr id="128" name="图片 127" descr="服务器 server rack">
-                <a:extLst>
-                  <a:ext uri="{FF2B5EF4-FFF2-40B4-BE49-F238E27FC236}">
-                    <a16:creationId xmlns:a16="http://schemas.microsoft.com/office/drawing/2014/main" id="{92421B17-9B36-45B9-9210-F77380C3691D}"/>
-                  </a:ext>
-                </a:extLst>
-              </p:cNvPr>
-              <p:cNvPicPr>
-                <a:picLocks noChangeAspect="1"/>
-              </p:cNvPicPr>
-              <p:nvPr/>
-            </p:nvPicPr>
-            <p:blipFill>
-              <a:blip r:embed="rId5"/>
-              <a:stretch>
-                <a:fillRect/>
-              </a:stretch>
-            </p:blipFill>
-            <p:spPr>
-              <a:xfrm>
-                <a:off x="7058357" y="2142173"/>
-                <a:ext cx="720090" cy="720090"/>
-              </a:xfrm>
-              <a:prstGeom prst="rect">
-                <a:avLst/>
-              </a:prstGeom>
-            </p:spPr>
-          </p:pic>
-          <p:sp>
-            <p:nvSpPr>
-              <p:cNvPr id="129" name="文本框 128">
-                <a:extLst>
-                  <a:ext uri="{FF2B5EF4-FFF2-40B4-BE49-F238E27FC236}">
-                    <a16:creationId xmlns:a16="http://schemas.microsoft.com/office/drawing/2014/main" id="{9F8611C7-E079-4458-BA20-EE0FA4F53D4B}"/>
-                  </a:ext>
-                </a:extLst>
-              </p:cNvPr>
-              <p:cNvSpPr txBox="1"/>
-              <p:nvPr/>
-            </p:nvSpPr>
-            <p:spPr>
-              <a:xfrm>
-                <a:off x="7105959" y="2735128"/>
-                <a:ext cx="624886" cy="230832"/>
-              </a:xfrm>
-              <a:prstGeom prst="rect">
-                <a:avLst/>
-              </a:prstGeom>
-              <a:noFill/>
-            </p:spPr>
-            <p:txBody>
-              <a:bodyPr wrap="square" rtlCol="0">
-                <a:spAutoFit/>
-              </a:bodyPr>
-              <a:lstStyle/>
-              <a:p>
-                <a:pPr algn="ctr"/>
-                <a:r>
-                  <a:rPr lang="en-US" altLang="zh-CN" sz="900" b="1" i="1" dirty="0"/>
-                  <a:t>FL Server</a:t>
-                </a:r>
-              </a:p>
-            </p:txBody>
-          </p:sp>
-        </p:grpSp>
+              <a:off x="3319690" y="2559087"/>
+              <a:ext cx="624886" cy="230832"/>
+            </a:xfrm>
+            <a:prstGeom prst="rect">
+              <a:avLst/>
+            </a:prstGeom>
+            <a:noFill/>
+          </p:spPr>
+          <p:txBody>
+            <a:bodyPr wrap="square" rtlCol="0">
+              <a:spAutoFit/>
+            </a:bodyPr>
+            <a:lstStyle/>
+            <a:p>
+              <a:pPr algn="ctr"/>
+              <a:r>
+                <a:rPr lang="en-US" altLang="zh-CN" sz="900" b="1" i="1" dirty="0"/>
+                <a:t>FL Server</a:t>
+              </a:r>
+            </a:p>
+          </p:txBody>
+        </p:sp>
         <p:grpSp>
           <p:nvGrpSpPr>
             <p:cNvPr id="30" name="组合 29">
@@ -4923,7 +4841,7 @@
               <p:nvPr/>
             </p:nvPicPr>
             <p:blipFill>
-              <a:blip r:embed="rId6"/>
+              <a:blip r:embed="rId5"/>
               <a:stretch>
                 <a:fillRect/>
               </a:stretch>
@@ -5083,7 +5001,7 @@
                 <p:nvPr/>
               </p:nvPicPr>
               <p:blipFill>
-                <a:blip r:embed="rId6"/>
+                <a:blip r:embed="rId5"/>
                 <a:stretch>
                   <a:fillRect/>
                 </a:stretch>
@@ -5113,7 +5031,7 @@
                 <p:nvPr/>
               </p:nvPicPr>
               <p:blipFill>
-                <a:blip r:embed="rId6"/>
+                <a:blip r:embed="rId5"/>
                 <a:stretch>
                   <a:fillRect/>
                 </a:stretch>
@@ -5217,7 +5135,7 @@
               <p:nvPr/>
             </p:nvPicPr>
             <p:blipFill>
-              <a:blip r:embed="rId6"/>
+              <a:blip r:embed="rId5"/>
               <a:stretch>
                 <a:fillRect/>
               </a:stretch>
@@ -6850,7 +6768,7 @@
           <p:nvPr/>
         </p:nvPicPr>
         <p:blipFill>
-          <a:blip r:embed="rId3"/>
+          <a:blip r:embed="rId4"/>
           <a:stretch>
             <a:fillRect/>
           </a:stretch>
@@ -6880,7 +6798,7 @@
           <p:nvPr/>
         </p:nvPicPr>
         <p:blipFill>
-          <a:blip r:embed="rId3"/>
+          <a:blip r:embed="rId4"/>
           <a:stretch>
             <a:fillRect/>
           </a:stretch>
@@ -6889,6 +6807,84 @@
           <a:xfrm>
             <a:off x="5656958" y="2499627"/>
             <a:ext cx="360045" cy="360045"/>
+          </a:xfrm>
+          <a:prstGeom prst="rect">
+            <a:avLst/>
+          </a:prstGeom>
+        </p:spPr>
+      </p:pic>
+      <p:pic>
+        <p:nvPicPr>
+          <p:cNvPr id="126" name="图形 125">
+            <a:extLst>
+              <a:ext uri="{FF2B5EF4-FFF2-40B4-BE49-F238E27FC236}">
+                <a16:creationId xmlns:a16="http://schemas.microsoft.com/office/drawing/2014/main" id="{C6728D17-9891-489F-A4B4-BEA4C872E320}"/>
+              </a:ext>
+            </a:extLst>
+          </p:cNvPr>
+          <p:cNvPicPr>
+            <a:picLocks noChangeAspect="1"/>
+          </p:cNvPicPr>
+          <p:nvPr/>
+        </p:nvPicPr>
+        <p:blipFill>
+          <a:blip r:embed="rId6" cstate="print">
+            <a:extLst>
+              <a:ext uri="{28A0092B-C50C-407E-A947-70E740481C1C}">
+                <a14:useLocalDpi xmlns:a14="http://schemas.microsoft.com/office/drawing/2010/main" val="0"/>
+              </a:ext>
+              <a:ext uri="{96DAC541-7B7A-43D3-8B79-37D633B846F1}">
+                <asvg:svgBlip xmlns:asvg="http://schemas.microsoft.com/office/drawing/2016/SVG/main" r:embed="rId7"/>
+              </a:ext>
+            </a:extLst>
+          </a:blip>
+          <a:stretch>
+            <a:fillRect/>
+          </a:stretch>
+        </p:blipFill>
+        <p:spPr>
+          <a:xfrm>
+            <a:off x="3284466" y="3166724"/>
+            <a:ext cx="720000" cy="720000"/>
+          </a:xfrm>
+          <a:prstGeom prst="rect">
+            <a:avLst/>
+          </a:prstGeom>
+        </p:spPr>
+      </p:pic>
+      <p:pic>
+        <p:nvPicPr>
+          <p:cNvPr id="127" name="图形 126">
+            <a:extLst>
+              <a:ext uri="{FF2B5EF4-FFF2-40B4-BE49-F238E27FC236}">
+                <a16:creationId xmlns:a16="http://schemas.microsoft.com/office/drawing/2014/main" id="{9A1FBD78-A4AA-4BD3-8BEC-CDD3F9040698}"/>
+              </a:ext>
+            </a:extLst>
+          </p:cNvPr>
+          <p:cNvPicPr>
+            <a:picLocks noChangeAspect="1"/>
+          </p:cNvPicPr>
+          <p:nvPr/>
+        </p:nvPicPr>
+        <p:blipFill>
+          <a:blip r:embed="rId8" cstate="print">
+            <a:extLst>
+              <a:ext uri="{28A0092B-C50C-407E-A947-70E740481C1C}">
+                <a14:useLocalDpi xmlns:a14="http://schemas.microsoft.com/office/drawing/2010/main" val="0"/>
+              </a:ext>
+              <a:ext uri="{96DAC541-7B7A-43D3-8B79-37D633B846F1}">
+                <asvg:svgBlip xmlns:asvg="http://schemas.microsoft.com/office/drawing/2016/SVG/main" r:embed="rId9"/>
+              </a:ext>
+            </a:extLst>
+          </a:blip>
+          <a:stretch>
+            <a:fillRect/>
+          </a:stretch>
+        </p:blipFill>
+        <p:spPr>
+          <a:xfrm>
+            <a:off x="3326971" y="2049358"/>
+            <a:ext cx="612000" cy="612000"/>
           </a:xfrm>
           <a:prstGeom prst="rect">
             <a:avLst/>
